--- a/CIS 598 Final Presentation.pptx
+++ b/CIS 598 Final Presentation.pptx
@@ -1,39 +1,40 @@
 
 <file path=ppt/presentation.xml><?xml version="1.0" encoding="utf-8"?>
-<p:presentation xmlns:a="http://schemas.openxmlformats.org/drawingml/2006/main" xmlns:r="http://schemas.openxmlformats.org/officeDocument/2006/relationships" xmlns:mc="http://schemas.openxmlformats.org/markup-compatibility/2006" xmlns:mv="urn:schemas-microsoft-com:mac:vml" xmlns:p="http://schemas.openxmlformats.org/presentationml/2006/main" xmlns:c="http://schemas.openxmlformats.org/drawingml/2006/chart" xmlns:dgm="http://schemas.openxmlformats.org/drawingml/2006/diagram" xmlns:o="urn:schemas-microsoft-com:office:office" xmlns:v="urn:schemas-microsoft-com:vml" xmlns:pvml="urn:schemas-microsoft-com:office:powerpoint" xmlns:com="http://schemas.openxmlformats.org/drawingml/2006/compatibility" xmlns:p14="http://schemas.microsoft.com/office/powerpoint/2010/main" xmlns:p15="http://schemas.microsoft.com/office/powerpoint/2012/main" autoCompressPictures="0" embedTrueTypeFonts="1" strictFirstAndLastChars="0" saveSubsetFonts="1">
+<p:presentation xmlns:a="http://schemas.openxmlformats.org/drawingml/2006/main" xmlns:r="http://schemas.openxmlformats.org/officeDocument/2006/relationships" xmlns:p="http://schemas.openxmlformats.org/presentationml/2006/main" strictFirstAndLastChars="0" embedTrueTypeFonts="1" saveSubsetFonts="1" autoCompressPictures="0">
   <p:sldMasterIdLst>
-    <p:sldMasterId id="2147483659" r:id="rId4"/>
+    <p:sldMasterId id="2147483659" r:id="rId1"/>
   </p:sldMasterIdLst>
   <p:notesMasterIdLst>
-    <p:notesMasterId r:id="rId5"/>
+    <p:notesMasterId r:id="rId15"/>
   </p:notesMasterIdLst>
   <p:sldIdLst>
-    <p:sldId id="256" r:id="rId6"/>
-    <p:sldId id="257" r:id="rId7"/>
-    <p:sldId id="258" r:id="rId8"/>
-    <p:sldId id="259" r:id="rId9"/>
-    <p:sldId id="260" r:id="rId10"/>
-    <p:sldId id="261" r:id="rId11"/>
-    <p:sldId id="262" r:id="rId12"/>
-    <p:sldId id="263" r:id="rId13"/>
-    <p:sldId id="264" r:id="rId14"/>
-    <p:sldId id="265" r:id="rId15"/>
-    <p:sldId id="266" r:id="rId16"/>
-    <p:sldId id="267" r:id="rId17"/>
+    <p:sldId id="256" r:id="rId2"/>
+    <p:sldId id="257" r:id="rId3"/>
+    <p:sldId id="258" r:id="rId4"/>
+    <p:sldId id="259" r:id="rId5"/>
+    <p:sldId id="260" r:id="rId6"/>
+    <p:sldId id="261" r:id="rId7"/>
+    <p:sldId id="262" r:id="rId8"/>
+    <p:sldId id="263" r:id="rId9"/>
+    <p:sldId id="264" r:id="rId10"/>
+    <p:sldId id="265" r:id="rId11"/>
+    <p:sldId id="266" r:id="rId12"/>
+    <p:sldId id="268" r:id="rId13"/>
+    <p:sldId id="267" r:id="rId14"/>
   </p:sldIdLst>
-  <p:sldSz cy="5143500" cx="9144000"/>
+  <p:sldSz cx="9144000" cy="5143500" type="screen16x9"/>
   <p:notesSz cx="6858000" cy="9144000"/>
   <p:embeddedFontLst>
     <p:embeddedFont>
-      <p:font typeface="Proxima Nova"/>
-      <p:regular r:id="rId18"/>
-      <p:bold r:id="rId19"/>
-      <p:italic r:id="rId20"/>
-      <p:boldItalic r:id="rId21"/>
+      <p:font typeface="Proxima Nova" panose="020B0604020202020204" charset="0"/>
+      <p:regular r:id="rId16"/>
+      <p:bold r:id="rId17"/>
+      <p:italic r:id="rId18"/>
+      <p:boldItalic r:id="rId19"/>
     </p:embeddedFont>
   </p:embeddedFontLst>
   <p:defaultTextStyle>
-    <a:defPPr lvl="0" marR="0" rtl="0" algn="l">
+    <a:defPPr marR="0" lvl="0" algn="l" rtl="0">
       <a:lnSpc>
         <a:spcPct val="100000"/>
       </a:lnSpc>
@@ -44,7 +45,7 @@
         <a:spcPts val="0"/>
       </a:spcAft>
     </a:defPPr>
-    <a:lvl1pPr lvl="0" marR="0" rtl="0" algn="l">
+    <a:lvl1pPr marR="0" lvl="0" algn="l" rtl="0">
       <a:lnSpc>
         <a:spcPct val="100000"/>
       </a:lnSpc>
@@ -58,7 +59,7 @@
         <a:srgbClr val="000000"/>
       </a:buClr>
       <a:buFont typeface="Arial"/>
-      <a:defRPr b="0" i="0" sz="1400" u="none" cap="none" strike="noStrike">
+      <a:defRPr sz="1400" b="0" i="0" u="none" strike="noStrike" cap="none">
         <a:solidFill>
           <a:srgbClr val="000000"/>
         </a:solidFill>
@@ -68,7 +69,7 @@
         <a:sym typeface="Arial"/>
       </a:defRPr>
     </a:lvl1pPr>
-    <a:lvl2pPr lvl="1" marR="0" rtl="0" algn="l">
+    <a:lvl2pPr marR="0" lvl="1" algn="l" rtl="0">
       <a:lnSpc>
         <a:spcPct val="100000"/>
       </a:lnSpc>
@@ -82,7 +83,7 @@
         <a:srgbClr val="000000"/>
       </a:buClr>
       <a:buFont typeface="Arial"/>
-      <a:defRPr b="0" i="0" sz="1400" u="none" cap="none" strike="noStrike">
+      <a:defRPr sz="1400" b="0" i="0" u="none" strike="noStrike" cap="none">
         <a:solidFill>
           <a:srgbClr val="000000"/>
         </a:solidFill>
@@ -92,7 +93,7 @@
         <a:sym typeface="Arial"/>
       </a:defRPr>
     </a:lvl2pPr>
-    <a:lvl3pPr lvl="2" marR="0" rtl="0" algn="l">
+    <a:lvl3pPr marR="0" lvl="2" algn="l" rtl="0">
       <a:lnSpc>
         <a:spcPct val="100000"/>
       </a:lnSpc>
@@ -106,7 +107,7 @@
         <a:srgbClr val="000000"/>
       </a:buClr>
       <a:buFont typeface="Arial"/>
-      <a:defRPr b="0" i="0" sz="1400" u="none" cap="none" strike="noStrike">
+      <a:defRPr sz="1400" b="0" i="0" u="none" strike="noStrike" cap="none">
         <a:solidFill>
           <a:srgbClr val="000000"/>
         </a:solidFill>
@@ -116,7 +117,7 @@
         <a:sym typeface="Arial"/>
       </a:defRPr>
     </a:lvl3pPr>
-    <a:lvl4pPr lvl="3" marR="0" rtl="0" algn="l">
+    <a:lvl4pPr marR="0" lvl="3" algn="l" rtl="0">
       <a:lnSpc>
         <a:spcPct val="100000"/>
       </a:lnSpc>
@@ -130,7 +131,7 @@
         <a:srgbClr val="000000"/>
       </a:buClr>
       <a:buFont typeface="Arial"/>
-      <a:defRPr b="0" i="0" sz="1400" u="none" cap="none" strike="noStrike">
+      <a:defRPr sz="1400" b="0" i="0" u="none" strike="noStrike" cap="none">
         <a:solidFill>
           <a:srgbClr val="000000"/>
         </a:solidFill>
@@ -140,7 +141,7 @@
         <a:sym typeface="Arial"/>
       </a:defRPr>
     </a:lvl4pPr>
-    <a:lvl5pPr lvl="4" marR="0" rtl="0" algn="l">
+    <a:lvl5pPr marR="0" lvl="4" algn="l" rtl="0">
       <a:lnSpc>
         <a:spcPct val="100000"/>
       </a:lnSpc>
@@ -154,7 +155,7 @@
         <a:srgbClr val="000000"/>
       </a:buClr>
       <a:buFont typeface="Arial"/>
-      <a:defRPr b="0" i="0" sz="1400" u="none" cap="none" strike="noStrike">
+      <a:defRPr sz="1400" b="0" i="0" u="none" strike="noStrike" cap="none">
         <a:solidFill>
           <a:srgbClr val="000000"/>
         </a:solidFill>
@@ -164,7 +165,7 @@
         <a:sym typeface="Arial"/>
       </a:defRPr>
     </a:lvl5pPr>
-    <a:lvl6pPr lvl="5" marR="0" rtl="0" algn="l">
+    <a:lvl6pPr marR="0" lvl="5" algn="l" rtl="0">
       <a:lnSpc>
         <a:spcPct val="100000"/>
       </a:lnSpc>
@@ -178,7 +179,7 @@
         <a:srgbClr val="000000"/>
       </a:buClr>
       <a:buFont typeface="Arial"/>
-      <a:defRPr b="0" i="0" sz="1400" u="none" cap="none" strike="noStrike">
+      <a:defRPr sz="1400" b="0" i="0" u="none" strike="noStrike" cap="none">
         <a:solidFill>
           <a:srgbClr val="000000"/>
         </a:solidFill>
@@ -188,7 +189,7 @@
         <a:sym typeface="Arial"/>
       </a:defRPr>
     </a:lvl6pPr>
-    <a:lvl7pPr lvl="6" marR="0" rtl="0" algn="l">
+    <a:lvl7pPr marR="0" lvl="6" algn="l" rtl="0">
       <a:lnSpc>
         <a:spcPct val="100000"/>
       </a:lnSpc>
@@ -202,7 +203,7 @@
         <a:srgbClr val="000000"/>
       </a:buClr>
       <a:buFont typeface="Arial"/>
-      <a:defRPr b="0" i="0" sz="1400" u="none" cap="none" strike="noStrike">
+      <a:defRPr sz="1400" b="0" i="0" u="none" strike="noStrike" cap="none">
         <a:solidFill>
           <a:srgbClr val="000000"/>
         </a:solidFill>
@@ -212,7 +213,7 @@
         <a:sym typeface="Arial"/>
       </a:defRPr>
     </a:lvl7pPr>
-    <a:lvl8pPr lvl="7" marR="0" rtl="0" algn="l">
+    <a:lvl8pPr marR="0" lvl="7" algn="l" rtl="0">
       <a:lnSpc>
         <a:spcPct val="100000"/>
       </a:lnSpc>
@@ -226,7 +227,7 @@
         <a:srgbClr val="000000"/>
       </a:buClr>
       <a:buFont typeface="Arial"/>
-      <a:defRPr b="0" i="0" sz="1400" u="none" cap="none" strike="noStrike">
+      <a:defRPr sz="1400" b="0" i="0" u="none" strike="noStrike" cap="none">
         <a:solidFill>
           <a:srgbClr val="000000"/>
         </a:solidFill>
@@ -236,7 +237,7 @@
         <a:sym typeface="Arial"/>
       </a:defRPr>
     </a:lvl8pPr>
-    <a:lvl9pPr lvl="8" marR="0" rtl="0" algn="l">
+    <a:lvl9pPr marR="0" lvl="8" algn="l" rtl="0">
       <a:lnSpc>
         <a:spcPct val="100000"/>
       </a:lnSpc>
@@ -250,7 +251,7 @@
         <a:srgbClr val="000000"/>
       </a:buClr>
       <a:buFont typeface="Arial"/>
-      <a:defRPr b="0" i="0" sz="1400" u="none" cap="none" strike="noStrike">
+      <a:defRPr sz="1400" b="0" i="0" u="none" strike="noStrike" cap="none">
         <a:solidFill>
           <a:srgbClr val="000000"/>
         </a:solidFill>
@@ -263,7 +264,7 @@
   </p:defaultTextStyle>
   <p:extLst>
     <p:ext uri="{EFAFB233-063F-42B5-8137-9DF3F51BA10A}">
-      <p15:sldGuideLst>
+      <p15:sldGuideLst xmlns:p15="http://schemas.microsoft.com/office/powerpoint/2012/main" xmlns:p14="http://schemas.microsoft.com/office/powerpoint/2010/main" xmlns:com="http://schemas.openxmlformats.org/drawingml/2006/compatibility" xmlns:pvml="urn:schemas-microsoft-com:office:powerpoint" xmlns:v="urn:schemas-microsoft-com:vml" xmlns:o="urn:schemas-microsoft-com:office:office" xmlns:dgm="http://schemas.openxmlformats.org/drawingml/2006/diagram" xmlns:c="http://schemas.openxmlformats.org/drawingml/2006/chart" xmlns:mv="urn:schemas-microsoft-com:mac:vml" xmlns:mc="http://schemas.openxmlformats.org/markup-compatibility/2006" xmlns="">
         <p15:guide id="1" orient="horz" pos="1620">
           <p15:clr>
             <a:srgbClr val="A4A3A4"/>
@@ -281,11 +282,16 @@
 </file>
 
 <file path=ppt/notesMasters/notesMaster1.xml><?xml version="1.0" encoding="utf-8"?>
-<p:notesMaster xmlns:a="http://schemas.openxmlformats.org/drawingml/2006/main" xmlns:r="http://schemas.openxmlformats.org/officeDocument/2006/relationships" xmlns:mc="http://schemas.openxmlformats.org/markup-compatibility/2006" xmlns:mv="urn:schemas-microsoft-com:mac:vml" xmlns:p="http://schemas.openxmlformats.org/presentationml/2006/main" xmlns:c="http://schemas.openxmlformats.org/drawingml/2006/chart" xmlns:dgm="http://schemas.openxmlformats.org/drawingml/2006/diagram" xmlns:o="urn:schemas-microsoft-com:office:office" xmlns:v="urn:schemas-microsoft-com:vml" xmlns:pvml="urn:schemas-microsoft-com:office:powerpoint" xmlns:com="http://schemas.openxmlformats.org/drawingml/2006/compatibility" xmlns:p14="http://schemas.microsoft.com/office/powerpoint/2010/main" xmlns:p15="http://schemas.microsoft.com/office/powerpoint/2012/main">
+<p:notesMaster xmlns:a="http://schemas.openxmlformats.org/drawingml/2006/main" xmlns:r="http://schemas.openxmlformats.org/officeDocument/2006/relationships" xmlns:p="http://schemas.openxmlformats.org/presentationml/2006/main">
   <p:cSld>
+    <p:bg>
+      <p:bgRef idx="1001">
+        <a:schemeClr val="bg1"/>
+      </p:bgRef>
+    </p:bg>
     <p:spTree>
       <p:nvGrpSpPr>
-        <p:cNvPr id="2" name="Shape 2"/>
+        <p:cNvPr id="1" name="Shape 2"/>
         <p:cNvGrpSpPr/>
         <p:nvPr/>
       </p:nvGrpSpPr>
@@ -300,9 +306,11 @@
       <p:sp>
         <p:nvSpPr>
           <p:cNvPr id="3" name="Google Shape;3;n"/>
-          <p:cNvSpPr/>
+          <p:cNvSpPr>
+            <a:spLocks noGrp="1" noRot="1" noChangeAspect="1"/>
+          </p:cNvSpPr>
           <p:nvPr>
-            <p:ph idx="2" type="sldImg"/>
+            <p:ph type="sldImg" idx="2"/>
           </p:nvPr>
         </p:nvSpPr>
         <p:spPr>
@@ -311,9 +319,13 @@
             <a:ext cx="6096075" cy="3429000"/>
           </a:xfrm>
           <a:custGeom>
-            <a:rect b="b" l="l" r="r" t="t"/>
+            <a:avLst/>
+            <a:gdLst/>
+            <a:ahLst/>
+            <a:cxnLst/>
+            <a:rect l="l" t="t" r="r" b="b"/>
             <a:pathLst>
-              <a:path extrusionOk="0" h="120000" w="120000">
+              <a:path w="120000" h="120000" extrusionOk="0">
                 <a:moveTo>
                   <a:pt x="0" y="0"/>
                 </a:moveTo>
@@ -331,23 +343,25 @@
             </a:pathLst>
           </a:custGeom>
           <a:noFill/>
-          <a:ln cap="flat" cmpd="sng" w="9525">
+          <a:ln w="9525" cap="flat" cmpd="sng">
             <a:solidFill>
               <a:srgbClr val="000000"/>
             </a:solidFill>
             <a:prstDash val="solid"/>
             <a:round/>
-            <a:headEnd len="sm" w="sm" type="none"/>
-            <a:tailEnd len="sm" w="sm" type="none"/>
+            <a:headEnd type="none" w="sm" len="sm"/>
+            <a:tailEnd type="none" w="sm" len="sm"/>
           </a:ln>
         </p:spPr>
       </p:sp>
       <p:sp>
         <p:nvSpPr>
           <p:cNvPr id="4" name="Google Shape;4;n"/>
-          <p:cNvSpPr txBox="1"/>
+          <p:cNvSpPr txBox="1">
+            <a:spLocks noGrp="1"/>
+          </p:cNvSpPr>
           <p:nvPr>
-            <p:ph idx="1" type="body"/>
+            <p:ph type="body" idx="1"/>
           </p:nvPr>
         </p:nvSpPr>
         <p:spPr>
@@ -364,11 +378,11 @@
           </a:ln>
         </p:spPr>
         <p:txBody>
-          <a:bodyPr anchorCtr="0" anchor="t" bIns="91425" lIns="91425" spcFirstLastPara="1" rIns="91425" wrap="square" tIns="91425">
+          <a:bodyPr spcFirstLastPara="1" wrap="square" lIns="91425" tIns="91425" rIns="91425" bIns="91425" anchor="t" anchorCtr="0">
             <a:noAutofit/>
           </a:bodyPr>
           <a:lstStyle>
-            <a:lvl1pPr indent="-298450" lvl="0" marL="457200">
+            <a:lvl1pPr marL="457200" lvl="0" indent="-298450">
               <a:spcBef>
                 <a:spcPts val="0"/>
               </a:spcBef>
@@ -379,7 +393,7 @@
               <a:buChar char="●"/>
               <a:defRPr sz="1100"/>
             </a:lvl1pPr>
-            <a:lvl2pPr indent="-298450" lvl="1" marL="914400">
+            <a:lvl2pPr marL="914400" lvl="1" indent="-298450">
               <a:spcBef>
                 <a:spcPts val="0"/>
               </a:spcBef>
@@ -390,7 +404,7 @@
               <a:buChar char="○"/>
               <a:defRPr sz="1100"/>
             </a:lvl2pPr>
-            <a:lvl3pPr indent="-298450" lvl="2" marL="1371600">
+            <a:lvl3pPr marL="1371600" lvl="2" indent="-298450">
               <a:spcBef>
                 <a:spcPts val="0"/>
               </a:spcBef>
@@ -401,7 +415,7 @@
               <a:buChar char="■"/>
               <a:defRPr sz="1100"/>
             </a:lvl3pPr>
-            <a:lvl4pPr indent="-298450" lvl="3" marL="1828800">
+            <a:lvl4pPr marL="1828800" lvl="3" indent="-298450">
               <a:spcBef>
                 <a:spcPts val="0"/>
               </a:spcBef>
@@ -412,7 +426,7 @@
               <a:buChar char="●"/>
               <a:defRPr sz="1100"/>
             </a:lvl4pPr>
-            <a:lvl5pPr indent="-298450" lvl="4" marL="2286000">
+            <a:lvl5pPr marL="2286000" lvl="4" indent="-298450">
               <a:spcBef>
                 <a:spcPts val="0"/>
               </a:spcBef>
@@ -423,7 +437,7 @@
               <a:buChar char="○"/>
               <a:defRPr sz="1100"/>
             </a:lvl5pPr>
-            <a:lvl6pPr indent="-298450" lvl="5" marL="2743200">
+            <a:lvl6pPr marL="2743200" lvl="5" indent="-298450">
               <a:spcBef>
                 <a:spcPts val="0"/>
               </a:spcBef>
@@ -434,7 +448,7 @@
               <a:buChar char="■"/>
               <a:defRPr sz="1100"/>
             </a:lvl6pPr>
-            <a:lvl7pPr indent="-298450" lvl="6" marL="3200400">
+            <a:lvl7pPr marL="3200400" lvl="6" indent="-298450">
               <a:spcBef>
                 <a:spcPts val="0"/>
               </a:spcBef>
@@ -445,7 +459,7 @@
               <a:buChar char="●"/>
               <a:defRPr sz="1100"/>
             </a:lvl7pPr>
-            <a:lvl8pPr indent="-298450" lvl="7" marL="3657600">
+            <a:lvl8pPr marL="3657600" lvl="7" indent="-298450">
               <a:spcBef>
                 <a:spcPts val="0"/>
               </a:spcBef>
@@ -456,7 +470,7 @@
               <a:buChar char="○"/>
               <a:defRPr sz="1100"/>
             </a:lvl8pPr>
-            <a:lvl9pPr indent="-298450" lvl="8" marL="4114800">
+            <a:lvl9pPr marL="4114800" lvl="8" indent="-298450">
               <a:spcBef>
                 <a:spcPts val="0"/>
               </a:spcBef>
@@ -468,14 +482,21 @@
               <a:defRPr sz="1100"/>
             </a:lvl9pPr>
           </a:lstStyle>
-          <a:p/>
+          <a:p>
+            <a:endParaRPr/>
+          </a:p>
         </p:txBody>
       </p:sp>
     </p:spTree>
+    <p:extLst>
+      <p:ext uri="{BB962C8B-B14F-4D97-AF65-F5344CB8AC3E}">
+        <p14:creationId xmlns:p14="http://schemas.microsoft.com/office/powerpoint/2010/main" val="3613837415"/>
+      </p:ext>
+    </p:extLst>
   </p:cSld>
-  <p:clrMap accent1="accent1" accent2="accent2" accent3="accent3" accent4="accent4" accent5="accent5" accent6="accent6" bg1="lt1" bg2="dk2" tx1="dk1" tx2="lt2" folHlink="folHlink" hlink="hlink"/>
+  <p:clrMap bg1="lt1" tx1="dk1" bg2="dk2" tx2="lt2" accent1="accent1" accent2="accent2" accent3="accent3" accent4="accent4" accent5="accent5" accent6="accent6" hlink="hlink" folHlink="folHlink"/>
   <p:notesStyle>
-    <a:defPPr lvl="0" marR="0" rtl="0" algn="l">
+    <a:defPPr marR="0" lvl="0" algn="l" rtl="0">
       <a:lnSpc>
         <a:spcPct val="100000"/>
       </a:lnSpc>
@@ -486,7 +507,7 @@
         <a:spcPts val="0"/>
       </a:spcAft>
     </a:defPPr>
-    <a:lvl1pPr lvl="0" marR="0" rtl="0" algn="l">
+    <a:lvl1pPr marR="0" lvl="0" algn="l" rtl="0">
       <a:lnSpc>
         <a:spcPct val="100000"/>
       </a:lnSpc>
@@ -500,7 +521,7 @@
         <a:srgbClr val="000000"/>
       </a:buClr>
       <a:buFont typeface="Arial"/>
-      <a:defRPr b="0" i="0" sz="1400" u="none" cap="none" strike="noStrike">
+      <a:defRPr sz="1400" b="0" i="0" u="none" strike="noStrike" cap="none">
         <a:solidFill>
           <a:srgbClr val="000000"/>
         </a:solidFill>
@@ -510,7 +531,7 @@
         <a:sym typeface="Arial"/>
       </a:defRPr>
     </a:lvl1pPr>
-    <a:lvl2pPr lvl="1" marR="0" rtl="0" algn="l">
+    <a:lvl2pPr marR="0" lvl="1" algn="l" rtl="0">
       <a:lnSpc>
         <a:spcPct val="100000"/>
       </a:lnSpc>
@@ -524,7 +545,7 @@
         <a:srgbClr val="000000"/>
       </a:buClr>
       <a:buFont typeface="Arial"/>
-      <a:defRPr b="0" i="0" sz="1400" u="none" cap="none" strike="noStrike">
+      <a:defRPr sz="1400" b="0" i="0" u="none" strike="noStrike" cap="none">
         <a:solidFill>
           <a:srgbClr val="000000"/>
         </a:solidFill>
@@ -534,7 +555,7 @@
         <a:sym typeface="Arial"/>
       </a:defRPr>
     </a:lvl2pPr>
-    <a:lvl3pPr lvl="2" marR="0" rtl="0" algn="l">
+    <a:lvl3pPr marR="0" lvl="2" algn="l" rtl="0">
       <a:lnSpc>
         <a:spcPct val="100000"/>
       </a:lnSpc>
@@ -548,7 +569,7 @@
         <a:srgbClr val="000000"/>
       </a:buClr>
       <a:buFont typeface="Arial"/>
-      <a:defRPr b="0" i="0" sz="1400" u="none" cap="none" strike="noStrike">
+      <a:defRPr sz="1400" b="0" i="0" u="none" strike="noStrike" cap="none">
         <a:solidFill>
           <a:srgbClr val="000000"/>
         </a:solidFill>
@@ -558,7 +579,7 @@
         <a:sym typeface="Arial"/>
       </a:defRPr>
     </a:lvl3pPr>
-    <a:lvl4pPr lvl="3" marR="0" rtl="0" algn="l">
+    <a:lvl4pPr marR="0" lvl="3" algn="l" rtl="0">
       <a:lnSpc>
         <a:spcPct val="100000"/>
       </a:lnSpc>
@@ -572,7 +593,7 @@
         <a:srgbClr val="000000"/>
       </a:buClr>
       <a:buFont typeface="Arial"/>
-      <a:defRPr b="0" i="0" sz="1400" u="none" cap="none" strike="noStrike">
+      <a:defRPr sz="1400" b="0" i="0" u="none" strike="noStrike" cap="none">
         <a:solidFill>
           <a:srgbClr val="000000"/>
         </a:solidFill>
@@ -582,7 +603,7 @@
         <a:sym typeface="Arial"/>
       </a:defRPr>
     </a:lvl4pPr>
-    <a:lvl5pPr lvl="4" marR="0" rtl="0" algn="l">
+    <a:lvl5pPr marR="0" lvl="4" algn="l" rtl="0">
       <a:lnSpc>
         <a:spcPct val="100000"/>
       </a:lnSpc>
@@ -596,7 +617,7 @@
         <a:srgbClr val="000000"/>
       </a:buClr>
       <a:buFont typeface="Arial"/>
-      <a:defRPr b="0" i="0" sz="1400" u="none" cap="none" strike="noStrike">
+      <a:defRPr sz="1400" b="0" i="0" u="none" strike="noStrike" cap="none">
         <a:solidFill>
           <a:srgbClr val="000000"/>
         </a:solidFill>
@@ -606,7 +627,7 @@
         <a:sym typeface="Arial"/>
       </a:defRPr>
     </a:lvl5pPr>
-    <a:lvl6pPr lvl="5" marR="0" rtl="0" algn="l">
+    <a:lvl6pPr marR="0" lvl="5" algn="l" rtl="0">
       <a:lnSpc>
         <a:spcPct val="100000"/>
       </a:lnSpc>
@@ -620,7 +641,7 @@
         <a:srgbClr val="000000"/>
       </a:buClr>
       <a:buFont typeface="Arial"/>
-      <a:defRPr b="0" i="0" sz="1400" u="none" cap="none" strike="noStrike">
+      <a:defRPr sz="1400" b="0" i="0" u="none" strike="noStrike" cap="none">
         <a:solidFill>
           <a:srgbClr val="000000"/>
         </a:solidFill>
@@ -630,7 +651,7 @@
         <a:sym typeface="Arial"/>
       </a:defRPr>
     </a:lvl6pPr>
-    <a:lvl7pPr lvl="6" marR="0" rtl="0" algn="l">
+    <a:lvl7pPr marR="0" lvl="6" algn="l" rtl="0">
       <a:lnSpc>
         <a:spcPct val="100000"/>
       </a:lnSpc>
@@ -644,7 +665,7 @@
         <a:srgbClr val="000000"/>
       </a:buClr>
       <a:buFont typeface="Arial"/>
-      <a:defRPr b="0" i="0" sz="1400" u="none" cap="none" strike="noStrike">
+      <a:defRPr sz="1400" b="0" i="0" u="none" strike="noStrike" cap="none">
         <a:solidFill>
           <a:srgbClr val="000000"/>
         </a:solidFill>
@@ -654,7 +675,7 @@
         <a:sym typeface="Arial"/>
       </a:defRPr>
     </a:lvl7pPr>
-    <a:lvl8pPr lvl="7" marR="0" rtl="0" algn="l">
+    <a:lvl8pPr marR="0" lvl="7" algn="l" rtl="0">
       <a:lnSpc>
         <a:spcPct val="100000"/>
       </a:lnSpc>
@@ -668,7 +689,7 @@
         <a:srgbClr val="000000"/>
       </a:buClr>
       <a:buFont typeface="Arial"/>
-      <a:defRPr b="0" i="0" sz="1400" u="none" cap="none" strike="noStrike">
+      <a:defRPr sz="1400" b="0" i="0" u="none" strike="noStrike" cap="none">
         <a:solidFill>
           <a:srgbClr val="000000"/>
         </a:solidFill>
@@ -678,7 +699,7 @@
         <a:sym typeface="Arial"/>
       </a:defRPr>
     </a:lvl8pPr>
-    <a:lvl9pPr lvl="8" marR="0" rtl="0" algn="l">
+    <a:lvl9pPr marR="0" lvl="8" algn="l" rtl="0">
       <a:lnSpc>
         <a:spcPct val="100000"/>
       </a:lnSpc>
@@ -692,7 +713,7 @@
         <a:srgbClr val="000000"/>
       </a:buClr>
       <a:buFont typeface="Arial"/>
-      <a:defRPr b="0" i="0" sz="1400" u="none" cap="none" strike="noStrike">
+      <a:defRPr sz="1400" b="0" i="0" u="none" strike="noStrike" cap="none">
         <a:solidFill>
           <a:srgbClr val="000000"/>
         </a:solidFill>
@@ -707,11 +728,11 @@
 </file>
 
 <file path=ppt/notesSlides/notesSlide1.xml><?xml version="1.0" encoding="utf-8"?>
-<p:notes xmlns:a="http://schemas.openxmlformats.org/drawingml/2006/main" xmlns:r="http://schemas.openxmlformats.org/officeDocument/2006/relationships" xmlns:mc="http://schemas.openxmlformats.org/markup-compatibility/2006" xmlns:mv="urn:schemas-microsoft-com:mac:vml" xmlns:p="http://schemas.openxmlformats.org/presentationml/2006/main" xmlns:c="http://schemas.openxmlformats.org/drawingml/2006/chart" xmlns:dgm="http://schemas.openxmlformats.org/drawingml/2006/diagram" xmlns:o="urn:schemas-microsoft-com:office:office" xmlns:v="urn:schemas-microsoft-com:vml" xmlns:pvml="urn:schemas-microsoft-com:office:powerpoint" xmlns:com="http://schemas.openxmlformats.org/drawingml/2006/compatibility" xmlns:p14="http://schemas.microsoft.com/office/powerpoint/2010/main" xmlns:p15="http://schemas.microsoft.com/office/powerpoint/2012/main" showMasterPhAnim="0" showMasterSp="0">
+<p:notes xmlns:a="http://schemas.openxmlformats.org/drawingml/2006/main" xmlns:r="http://schemas.openxmlformats.org/officeDocument/2006/relationships" xmlns:p="http://schemas.openxmlformats.org/presentationml/2006/main" showMasterSp="0" showMasterPhAnim="0">
   <p:cSld>
     <p:spTree>
       <p:nvGrpSpPr>
-        <p:cNvPr id="55" name="Shape 55"/>
+        <p:cNvPr id="1" name="Shape 55"/>
         <p:cNvGrpSpPr/>
         <p:nvPr/>
       </p:nvGrpSpPr>
@@ -726,20 +747,26 @@
       <p:sp>
         <p:nvSpPr>
           <p:cNvPr id="56" name="Google Shape;56;p:notes"/>
-          <p:cNvSpPr/>
+          <p:cNvSpPr>
+            <a:spLocks noGrp="1" noRot="1" noChangeAspect="1"/>
+          </p:cNvSpPr>
           <p:nvPr>
-            <p:ph idx="2" type="sldImg"/>
+            <p:ph type="sldImg" idx="2"/>
           </p:nvPr>
         </p:nvSpPr>
         <p:spPr>
           <a:xfrm>
-            <a:off x="381300" y="685800"/>
-            <a:ext cx="6096075" cy="3429000"/>
+            <a:off x="381000" y="685800"/>
+            <a:ext cx="6096000" cy="3429000"/>
           </a:xfrm>
           <a:custGeom>
-            <a:rect b="b" l="l" r="r" t="t"/>
+            <a:avLst/>
+            <a:gdLst/>
+            <a:ahLst/>
+            <a:cxnLst/>
+            <a:rect l="l" t="t" r="r" b="b"/>
             <a:pathLst>
-              <a:path extrusionOk="0" h="120000" w="120000">
+              <a:path w="120000" h="120000" extrusionOk="0">
                 <a:moveTo>
                   <a:pt x="0" y="0"/>
                 </a:moveTo>
@@ -761,9 +788,11 @@
       <p:sp>
         <p:nvSpPr>
           <p:cNvPr id="57" name="Google Shape;57;p:notes"/>
-          <p:cNvSpPr txBox="1"/>
+          <p:cNvSpPr txBox="1">
+            <a:spLocks noGrp="1"/>
+          </p:cNvSpPr>
           <p:nvPr>
-            <p:ph idx="1" type="body"/>
+            <p:ph type="body" idx="1"/>
           </p:nvPr>
         </p:nvSpPr>
         <p:spPr>
@@ -776,12 +805,12 @@
           </a:prstGeom>
         </p:spPr>
         <p:txBody>
-          <a:bodyPr anchorCtr="0" anchor="t" bIns="91425" lIns="91425" spcFirstLastPara="1" rIns="91425" wrap="square" tIns="91425">
+          <a:bodyPr spcFirstLastPara="1" wrap="square" lIns="91425" tIns="91425" rIns="91425" bIns="91425" anchor="t" anchorCtr="0">
             <a:noAutofit/>
           </a:bodyPr>
           <a:lstStyle/>
           <a:p>
-            <a:pPr indent="0" lvl="0" marL="0" rtl="0" algn="l">
+            <a:pPr marL="0" lvl="0" indent="0" algn="l" rtl="0">
               <a:spcBef>
                 <a:spcPts val="0"/>
               </a:spcBef>
@@ -790,9 +819,6 @@
               </a:spcAft>
               <a:buNone/>
             </a:pPr>
-            <a:r>
-              <a:t/>
-            </a:r>
             <a:endParaRPr/>
           </a:p>
         </p:txBody>
@@ -806,11 +832,11 @@
 </file>
 
 <file path=ppt/notesSlides/notesSlide10.xml><?xml version="1.0" encoding="utf-8"?>
-<p:notes xmlns:a="http://schemas.openxmlformats.org/drawingml/2006/main" xmlns:r="http://schemas.openxmlformats.org/officeDocument/2006/relationships" xmlns:mc="http://schemas.openxmlformats.org/markup-compatibility/2006" xmlns:mv="urn:schemas-microsoft-com:mac:vml" xmlns:p="http://schemas.openxmlformats.org/presentationml/2006/main" xmlns:c="http://schemas.openxmlformats.org/drawingml/2006/chart" xmlns:dgm="http://schemas.openxmlformats.org/drawingml/2006/diagram" xmlns:o="urn:schemas-microsoft-com:office:office" xmlns:v="urn:schemas-microsoft-com:vml" xmlns:pvml="urn:schemas-microsoft-com:office:powerpoint" xmlns:com="http://schemas.openxmlformats.org/drawingml/2006/compatibility" xmlns:p14="http://schemas.microsoft.com/office/powerpoint/2010/main" xmlns:p15="http://schemas.microsoft.com/office/powerpoint/2012/main" showMasterPhAnim="0" showMasterSp="0">
+<p:notes xmlns:a="http://schemas.openxmlformats.org/drawingml/2006/main" xmlns:r="http://schemas.openxmlformats.org/officeDocument/2006/relationships" xmlns:p="http://schemas.openxmlformats.org/presentationml/2006/main" showMasterSp="0" showMasterPhAnim="0">
   <p:cSld>
     <p:spTree>
       <p:nvGrpSpPr>
-        <p:cNvPr id="118" name="Shape 118"/>
+        <p:cNvPr id="1" name="Shape 118"/>
         <p:cNvGrpSpPr/>
         <p:nvPr/>
       </p:nvGrpSpPr>
@@ -825,20 +851,26 @@
       <p:sp>
         <p:nvSpPr>
           <p:cNvPr id="119" name="Google Shape;119;g52f8805c87_1_44:notes"/>
-          <p:cNvSpPr/>
+          <p:cNvSpPr>
+            <a:spLocks noGrp="1" noRot="1" noChangeAspect="1"/>
+          </p:cNvSpPr>
           <p:nvPr>
-            <p:ph idx="2" type="sldImg"/>
+            <p:ph type="sldImg" idx="2"/>
           </p:nvPr>
         </p:nvSpPr>
         <p:spPr>
           <a:xfrm>
-            <a:off x="381300" y="685800"/>
+            <a:off x="381000" y="685800"/>
             <a:ext cx="6096000" cy="3429000"/>
           </a:xfrm>
           <a:custGeom>
-            <a:rect b="b" l="l" r="r" t="t"/>
+            <a:avLst/>
+            <a:gdLst/>
+            <a:ahLst/>
+            <a:cxnLst/>
+            <a:rect l="l" t="t" r="r" b="b"/>
             <a:pathLst>
-              <a:path extrusionOk="0" h="120000" w="120000">
+              <a:path w="120000" h="120000" extrusionOk="0">
                 <a:moveTo>
                   <a:pt x="0" y="0"/>
                 </a:moveTo>
@@ -860,9 +892,11 @@
       <p:sp>
         <p:nvSpPr>
           <p:cNvPr id="120" name="Google Shape;120;g52f8805c87_1_44:notes"/>
-          <p:cNvSpPr txBox="1"/>
+          <p:cNvSpPr txBox="1">
+            <a:spLocks noGrp="1"/>
+          </p:cNvSpPr>
           <p:nvPr>
-            <p:ph idx="1" type="body"/>
+            <p:ph type="body" idx="1"/>
           </p:nvPr>
         </p:nvSpPr>
         <p:spPr>
@@ -875,12 +909,12 @@
           </a:prstGeom>
         </p:spPr>
         <p:txBody>
-          <a:bodyPr anchorCtr="0" anchor="t" bIns="91425" lIns="91425" spcFirstLastPara="1" rIns="91425" wrap="square" tIns="91425">
+          <a:bodyPr spcFirstLastPara="1" wrap="square" lIns="91425" tIns="91425" rIns="91425" bIns="91425" anchor="t" anchorCtr="0">
             <a:noAutofit/>
           </a:bodyPr>
           <a:lstStyle/>
           <a:p>
-            <a:pPr indent="0" lvl="0" marL="0" rtl="0" algn="l">
+            <a:pPr marL="0" lvl="0" indent="0" algn="l" rtl="0">
               <a:spcBef>
                 <a:spcPts val="0"/>
               </a:spcBef>
@@ -889,9 +923,6 @@
               </a:spcAft>
               <a:buNone/>
             </a:pPr>
-            <a:r>
-              <a:t/>
-            </a:r>
             <a:endParaRPr/>
           </a:p>
         </p:txBody>
@@ -905,11 +936,11 @@
 </file>
 
 <file path=ppt/notesSlides/notesSlide11.xml><?xml version="1.0" encoding="utf-8"?>
-<p:notes xmlns:a="http://schemas.openxmlformats.org/drawingml/2006/main" xmlns:r="http://schemas.openxmlformats.org/officeDocument/2006/relationships" xmlns:mc="http://schemas.openxmlformats.org/markup-compatibility/2006" xmlns:mv="urn:schemas-microsoft-com:mac:vml" xmlns:p="http://schemas.openxmlformats.org/presentationml/2006/main" xmlns:c="http://schemas.openxmlformats.org/drawingml/2006/chart" xmlns:dgm="http://schemas.openxmlformats.org/drawingml/2006/diagram" xmlns:o="urn:schemas-microsoft-com:office:office" xmlns:v="urn:schemas-microsoft-com:vml" xmlns:pvml="urn:schemas-microsoft-com:office:powerpoint" xmlns:com="http://schemas.openxmlformats.org/drawingml/2006/compatibility" xmlns:p14="http://schemas.microsoft.com/office/powerpoint/2010/main" xmlns:p15="http://schemas.microsoft.com/office/powerpoint/2012/main" showMasterPhAnim="0" showMasterSp="0">
+<p:notes xmlns:a="http://schemas.openxmlformats.org/drawingml/2006/main" xmlns:r="http://schemas.openxmlformats.org/officeDocument/2006/relationships" xmlns:p="http://schemas.openxmlformats.org/presentationml/2006/main" showMasterSp="0" showMasterPhAnim="0">
   <p:cSld>
     <p:spTree>
       <p:nvGrpSpPr>
-        <p:cNvPr id="124" name="Shape 124"/>
+        <p:cNvPr id="1" name="Shape 124"/>
         <p:cNvGrpSpPr/>
         <p:nvPr/>
       </p:nvGrpSpPr>
@@ -924,20 +955,26 @@
       <p:sp>
         <p:nvSpPr>
           <p:cNvPr id="125" name="Google Shape;125;g52f8805c87_1_0:notes"/>
-          <p:cNvSpPr/>
+          <p:cNvSpPr>
+            <a:spLocks noGrp="1" noRot="1" noChangeAspect="1"/>
+          </p:cNvSpPr>
           <p:nvPr>
-            <p:ph idx="2" type="sldImg"/>
+            <p:ph type="sldImg" idx="2"/>
           </p:nvPr>
         </p:nvSpPr>
         <p:spPr>
           <a:xfrm>
-            <a:off x="381300" y="685800"/>
+            <a:off x="381000" y="685800"/>
             <a:ext cx="6096000" cy="3429000"/>
           </a:xfrm>
           <a:custGeom>
-            <a:rect b="b" l="l" r="r" t="t"/>
+            <a:avLst/>
+            <a:gdLst/>
+            <a:ahLst/>
+            <a:cxnLst/>
+            <a:rect l="l" t="t" r="r" b="b"/>
             <a:pathLst>
-              <a:path extrusionOk="0" h="120000" w="120000">
+              <a:path w="120000" h="120000" extrusionOk="0">
                 <a:moveTo>
                   <a:pt x="0" y="0"/>
                 </a:moveTo>
@@ -959,9 +996,11 @@
       <p:sp>
         <p:nvSpPr>
           <p:cNvPr id="126" name="Google Shape;126;g52f8805c87_1_0:notes"/>
-          <p:cNvSpPr txBox="1"/>
+          <p:cNvSpPr txBox="1">
+            <a:spLocks noGrp="1"/>
+          </p:cNvSpPr>
           <p:nvPr>
-            <p:ph idx="1" type="body"/>
+            <p:ph type="body" idx="1"/>
           </p:nvPr>
         </p:nvSpPr>
         <p:spPr>
@@ -974,12 +1013,12 @@
           </a:prstGeom>
         </p:spPr>
         <p:txBody>
-          <a:bodyPr anchorCtr="0" anchor="t" bIns="91425" lIns="91425" spcFirstLastPara="1" rIns="91425" wrap="square" tIns="91425">
+          <a:bodyPr spcFirstLastPara="1" wrap="square" lIns="91425" tIns="91425" rIns="91425" bIns="91425" anchor="t" anchorCtr="0">
             <a:noAutofit/>
           </a:bodyPr>
           <a:lstStyle/>
           <a:p>
-            <a:pPr indent="0" lvl="0" marL="0" rtl="0" algn="l">
+            <a:pPr marL="0" lvl="0" indent="0" algn="l" rtl="0">
               <a:spcBef>
                 <a:spcPts val="0"/>
               </a:spcBef>
@@ -988,9 +1027,6 @@
               </a:spcAft>
               <a:buNone/>
             </a:pPr>
-            <a:r>
-              <a:t/>
-            </a:r>
             <a:endParaRPr/>
           </a:p>
         </p:txBody>
@@ -1004,11 +1040,115 @@
 </file>
 
 <file path=ppt/notesSlides/notesSlide12.xml><?xml version="1.0" encoding="utf-8"?>
-<p:notes xmlns:a="http://schemas.openxmlformats.org/drawingml/2006/main" xmlns:r="http://schemas.openxmlformats.org/officeDocument/2006/relationships" xmlns:mc="http://schemas.openxmlformats.org/markup-compatibility/2006" xmlns:mv="urn:schemas-microsoft-com:mac:vml" xmlns:p="http://schemas.openxmlformats.org/presentationml/2006/main" xmlns:c="http://schemas.openxmlformats.org/drawingml/2006/chart" xmlns:dgm="http://schemas.openxmlformats.org/drawingml/2006/diagram" xmlns:o="urn:schemas-microsoft-com:office:office" xmlns:v="urn:schemas-microsoft-com:vml" xmlns:pvml="urn:schemas-microsoft-com:office:powerpoint" xmlns:com="http://schemas.openxmlformats.org/drawingml/2006/compatibility" xmlns:p14="http://schemas.microsoft.com/office/powerpoint/2010/main" xmlns:p15="http://schemas.microsoft.com/office/powerpoint/2012/main" showMasterPhAnim="0" showMasterSp="0">
+<p:notes xmlns:a="http://schemas.openxmlformats.org/drawingml/2006/main" xmlns:r="http://schemas.openxmlformats.org/officeDocument/2006/relationships" xmlns:p="http://schemas.openxmlformats.org/presentationml/2006/main" showMasterSp="0" showMasterPhAnim="0">
   <p:cSld>
     <p:spTree>
       <p:nvGrpSpPr>
-        <p:cNvPr id="129" name="Shape 129"/>
+        <p:cNvPr id="1" name="Shape 70"/>
+        <p:cNvGrpSpPr/>
+        <p:nvPr/>
+      </p:nvGrpSpPr>
+      <p:grpSpPr>
+        <a:xfrm>
+          <a:off x="0" y="0"/>
+          <a:ext cx="0" cy="0"/>
+          <a:chOff x="0" y="0"/>
+          <a:chExt cx="0" cy="0"/>
+        </a:xfrm>
+      </p:grpSpPr>
+      <p:sp>
+        <p:nvSpPr>
+          <p:cNvPr id="71" name="Google Shape;71;g52f8805c87_1_52:notes"/>
+          <p:cNvSpPr>
+            <a:spLocks noGrp="1" noRot="1" noChangeAspect="1"/>
+          </p:cNvSpPr>
+          <p:nvPr>
+            <p:ph type="sldImg" idx="2"/>
+          </p:nvPr>
+        </p:nvSpPr>
+        <p:spPr>
+          <a:xfrm>
+            <a:off x="381000" y="685800"/>
+            <a:ext cx="6096000" cy="3429000"/>
+          </a:xfrm>
+          <a:custGeom>
+            <a:avLst/>
+            <a:gdLst/>
+            <a:ahLst/>
+            <a:cxnLst/>
+            <a:rect l="l" t="t" r="r" b="b"/>
+            <a:pathLst>
+              <a:path w="120000" h="120000" extrusionOk="0">
+                <a:moveTo>
+                  <a:pt x="0" y="0"/>
+                </a:moveTo>
+                <a:lnTo>
+                  <a:pt x="120000" y="0"/>
+                </a:lnTo>
+                <a:lnTo>
+                  <a:pt x="120000" y="120000"/>
+                </a:lnTo>
+                <a:lnTo>
+                  <a:pt x="0" y="120000"/>
+                </a:lnTo>
+                <a:close/>
+              </a:path>
+            </a:pathLst>
+          </a:custGeom>
+        </p:spPr>
+      </p:sp>
+      <p:sp>
+        <p:nvSpPr>
+          <p:cNvPr id="72" name="Google Shape;72;g52f8805c87_1_52:notes"/>
+          <p:cNvSpPr txBox="1">
+            <a:spLocks noGrp="1"/>
+          </p:cNvSpPr>
+          <p:nvPr>
+            <p:ph type="body" idx="1"/>
+          </p:nvPr>
+        </p:nvSpPr>
+        <p:spPr>
+          <a:xfrm>
+            <a:off x="685800" y="4343400"/>
+            <a:ext cx="5486400" cy="4114800"/>
+          </a:xfrm>
+          <a:prstGeom prst="rect">
+            <a:avLst/>
+          </a:prstGeom>
+        </p:spPr>
+        <p:txBody>
+          <a:bodyPr spcFirstLastPara="1" wrap="square" lIns="91425" tIns="91425" rIns="91425" bIns="91425" anchor="t" anchorCtr="0">
+            <a:noAutofit/>
+          </a:bodyPr>
+          <a:lstStyle/>
+          <a:p>
+            <a:pPr marL="0" lvl="0" indent="0" algn="l" rtl="0">
+              <a:spcBef>
+                <a:spcPts val="0"/>
+              </a:spcBef>
+              <a:spcAft>
+                <a:spcPts val="0"/>
+              </a:spcAft>
+              <a:buNone/>
+            </a:pPr>
+            <a:endParaRPr/>
+          </a:p>
+        </p:txBody>
+      </p:sp>
+    </p:spTree>
+  </p:cSld>
+  <p:clrMapOvr>
+    <a:masterClrMapping/>
+  </p:clrMapOvr>
+</p:notes>
+</file>
+
+<file path=ppt/notesSlides/notesSlide13.xml><?xml version="1.0" encoding="utf-8"?>
+<p:notes xmlns:a="http://schemas.openxmlformats.org/drawingml/2006/main" xmlns:r="http://schemas.openxmlformats.org/officeDocument/2006/relationships" xmlns:p="http://schemas.openxmlformats.org/presentationml/2006/main" showMasterSp="0" showMasterPhAnim="0">
+  <p:cSld>
+    <p:spTree>
+      <p:nvGrpSpPr>
+        <p:cNvPr id="1" name="Shape 129"/>
         <p:cNvGrpSpPr/>
         <p:nvPr/>
       </p:nvGrpSpPr>
@@ -1023,20 +1163,26 @@
       <p:sp>
         <p:nvSpPr>
           <p:cNvPr id="130" name="Google Shape;130;g7d196d60d7_0_5:notes"/>
-          <p:cNvSpPr/>
+          <p:cNvSpPr>
+            <a:spLocks noGrp="1" noRot="1" noChangeAspect="1"/>
+          </p:cNvSpPr>
           <p:nvPr>
-            <p:ph idx="2" type="sldImg"/>
+            <p:ph type="sldImg" idx="2"/>
           </p:nvPr>
         </p:nvSpPr>
         <p:spPr>
           <a:xfrm>
-            <a:off x="381300" y="685800"/>
+            <a:off x="381000" y="685800"/>
             <a:ext cx="6096000" cy="3429000"/>
           </a:xfrm>
           <a:custGeom>
-            <a:rect b="b" l="l" r="r" t="t"/>
+            <a:avLst/>
+            <a:gdLst/>
+            <a:ahLst/>
+            <a:cxnLst/>
+            <a:rect l="l" t="t" r="r" b="b"/>
             <a:pathLst>
-              <a:path extrusionOk="0" h="120000" w="120000">
+              <a:path w="120000" h="120000" extrusionOk="0">
                 <a:moveTo>
                   <a:pt x="0" y="0"/>
                 </a:moveTo>
@@ -1058,9 +1204,11 @@
       <p:sp>
         <p:nvSpPr>
           <p:cNvPr id="131" name="Google Shape;131;g7d196d60d7_0_5:notes"/>
-          <p:cNvSpPr txBox="1"/>
+          <p:cNvSpPr txBox="1">
+            <a:spLocks noGrp="1"/>
+          </p:cNvSpPr>
           <p:nvPr>
-            <p:ph idx="1" type="body"/>
+            <p:ph type="body" idx="1"/>
           </p:nvPr>
         </p:nvSpPr>
         <p:spPr>
@@ -1073,12 +1221,12 @@
           </a:prstGeom>
         </p:spPr>
         <p:txBody>
-          <a:bodyPr anchorCtr="0" anchor="t" bIns="91425" lIns="91425" spcFirstLastPara="1" rIns="91425" wrap="square" tIns="91425">
+          <a:bodyPr spcFirstLastPara="1" wrap="square" lIns="91425" tIns="91425" rIns="91425" bIns="91425" anchor="t" anchorCtr="0">
             <a:noAutofit/>
           </a:bodyPr>
           <a:lstStyle/>
           <a:p>
-            <a:pPr indent="0" lvl="0" marL="0" rtl="0" algn="l">
+            <a:pPr marL="0" lvl="0" indent="0" algn="l" rtl="0">
               <a:spcBef>
                 <a:spcPts val="0"/>
               </a:spcBef>
@@ -1087,9 +1235,6 @@
               </a:spcAft>
               <a:buNone/>
             </a:pPr>
-            <a:r>
-              <a:t/>
-            </a:r>
             <a:endParaRPr/>
           </a:p>
         </p:txBody>
@@ -1103,11 +1248,11 @@
 </file>
 
 <file path=ppt/notesSlides/notesSlide2.xml><?xml version="1.0" encoding="utf-8"?>
-<p:notes xmlns:a="http://schemas.openxmlformats.org/drawingml/2006/main" xmlns:r="http://schemas.openxmlformats.org/officeDocument/2006/relationships" xmlns:mc="http://schemas.openxmlformats.org/markup-compatibility/2006" xmlns:mv="urn:schemas-microsoft-com:mac:vml" xmlns:p="http://schemas.openxmlformats.org/presentationml/2006/main" xmlns:c="http://schemas.openxmlformats.org/drawingml/2006/chart" xmlns:dgm="http://schemas.openxmlformats.org/drawingml/2006/diagram" xmlns:o="urn:schemas-microsoft-com:office:office" xmlns:v="urn:schemas-microsoft-com:vml" xmlns:pvml="urn:schemas-microsoft-com:office:powerpoint" xmlns:com="http://schemas.openxmlformats.org/drawingml/2006/compatibility" xmlns:p14="http://schemas.microsoft.com/office/powerpoint/2010/main" xmlns:p15="http://schemas.microsoft.com/office/powerpoint/2012/main" showMasterPhAnim="0" showMasterSp="0">
+<p:notes xmlns:a="http://schemas.openxmlformats.org/drawingml/2006/main" xmlns:r="http://schemas.openxmlformats.org/officeDocument/2006/relationships" xmlns:p="http://schemas.openxmlformats.org/presentationml/2006/main" showMasterSp="0" showMasterPhAnim="0">
   <p:cSld>
     <p:spTree>
       <p:nvGrpSpPr>
-        <p:cNvPr id="64" name="Shape 64"/>
+        <p:cNvPr id="1" name="Shape 64"/>
         <p:cNvGrpSpPr/>
         <p:nvPr/>
       </p:nvGrpSpPr>
@@ -1122,20 +1267,26 @@
       <p:sp>
         <p:nvSpPr>
           <p:cNvPr id="65" name="Google Shape;65;g7d16e9acd7_0_175:notes"/>
-          <p:cNvSpPr/>
+          <p:cNvSpPr>
+            <a:spLocks noGrp="1" noRot="1" noChangeAspect="1"/>
+          </p:cNvSpPr>
           <p:nvPr>
-            <p:ph idx="2" type="sldImg"/>
+            <p:ph type="sldImg" idx="2"/>
           </p:nvPr>
         </p:nvSpPr>
         <p:spPr>
           <a:xfrm>
-            <a:off x="381300" y="685800"/>
+            <a:off x="381000" y="685800"/>
             <a:ext cx="6096000" cy="3429000"/>
           </a:xfrm>
           <a:custGeom>
-            <a:rect b="b" l="l" r="r" t="t"/>
+            <a:avLst/>
+            <a:gdLst/>
+            <a:ahLst/>
+            <a:cxnLst/>
+            <a:rect l="l" t="t" r="r" b="b"/>
             <a:pathLst>
-              <a:path extrusionOk="0" h="120000" w="120000">
+              <a:path w="120000" h="120000" extrusionOk="0">
                 <a:moveTo>
                   <a:pt x="0" y="0"/>
                 </a:moveTo>
@@ -1157,9 +1308,11 @@
       <p:sp>
         <p:nvSpPr>
           <p:cNvPr id="66" name="Google Shape;66;g7d16e9acd7_0_175:notes"/>
-          <p:cNvSpPr txBox="1"/>
+          <p:cNvSpPr txBox="1">
+            <a:spLocks noGrp="1"/>
+          </p:cNvSpPr>
           <p:nvPr>
-            <p:ph idx="1" type="body"/>
+            <p:ph type="body" idx="1"/>
           </p:nvPr>
         </p:nvSpPr>
         <p:spPr>
@@ -1172,12 +1325,12 @@
           </a:prstGeom>
         </p:spPr>
         <p:txBody>
-          <a:bodyPr anchorCtr="0" anchor="t" bIns="91425" lIns="91425" spcFirstLastPara="1" rIns="91425" wrap="square" tIns="91425">
+          <a:bodyPr spcFirstLastPara="1" wrap="square" lIns="91425" tIns="91425" rIns="91425" bIns="91425" anchor="t" anchorCtr="0">
             <a:noAutofit/>
           </a:bodyPr>
           <a:lstStyle/>
           <a:p>
-            <a:pPr indent="0" lvl="0" marL="0" rtl="0" algn="l">
+            <a:pPr marL="0" lvl="0" indent="0" algn="l" rtl="0">
               <a:spcBef>
                 <a:spcPts val="0"/>
               </a:spcBef>
@@ -1186,9 +1339,6 @@
               </a:spcAft>
               <a:buNone/>
             </a:pPr>
-            <a:r>
-              <a:t/>
-            </a:r>
             <a:endParaRPr/>
           </a:p>
         </p:txBody>
@@ -1202,11 +1352,11 @@
 </file>
 
 <file path=ppt/notesSlides/notesSlide3.xml><?xml version="1.0" encoding="utf-8"?>
-<p:notes xmlns:a="http://schemas.openxmlformats.org/drawingml/2006/main" xmlns:r="http://schemas.openxmlformats.org/officeDocument/2006/relationships" xmlns:mc="http://schemas.openxmlformats.org/markup-compatibility/2006" xmlns:mv="urn:schemas-microsoft-com:mac:vml" xmlns:p="http://schemas.openxmlformats.org/presentationml/2006/main" xmlns:c="http://schemas.openxmlformats.org/drawingml/2006/chart" xmlns:dgm="http://schemas.openxmlformats.org/drawingml/2006/diagram" xmlns:o="urn:schemas-microsoft-com:office:office" xmlns:v="urn:schemas-microsoft-com:vml" xmlns:pvml="urn:schemas-microsoft-com:office:powerpoint" xmlns:com="http://schemas.openxmlformats.org/drawingml/2006/compatibility" xmlns:p14="http://schemas.microsoft.com/office/powerpoint/2010/main" xmlns:p15="http://schemas.microsoft.com/office/powerpoint/2012/main" showMasterPhAnim="0" showMasterSp="0">
+<p:notes xmlns:a="http://schemas.openxmlformats.org/drawingml/2006/main" xmlns:r="http://schemas.openxmlformats.org/officeDocument/2006/relationships" xmlns:p="http://schemas.openxmlformats.org/presentationml/2006/main" showMasterSp="0" showMasterPhAnim="0">
   <p:cSld>
     <p:spTree>
       <p:nvGrpSpPr>
-        <p:cNvPr id="70" name="Shape 70"/>
+        <p:cNvPr id="1" name="Shape 70"/>
         <p:cNvGrpSpPr/>
         <p:nvPr/>
       </p:nvGrpSpPr>
@@ -1221,20 +1371,26 @@
       <p:sp>
         <p:nvSpPr>
           <p:cNvPr id="71" name="Google Shape;71;g52f8805c87_1_52:notes"/>
-          <p:cNvSpPr/>
+          <p:cNvSpPr>
+            <a:spLocks noGrp="1" noRot="1" noChangeAspect="1"/>
+          </p:cNvSpPr>
           <p:nvPr>
-            <p:ph idx="2" type="sldImg"/>
+            <p:ph type="sldImg" idx="2"/>
           </p:nvPr>
         </p:nvSpPr>
         <p:spPr>
           <a:xfrm>
-            <a:off x="381300" y="685800"/>
+            <a:off x="381000" y="685800"/>
             <a:ext cx="6096000" cy="3429000"/>
           </a:xfrm>
           <a:custGeom>
-            <a:rect b="b" l="l" r="r" t="t"/>
+            <a:avLst/>
+            <a:gdLst/>
+            <a:ahLst/>
+            <a:cxnLst/>
+            <a:rect l="l" t="t" r="r" b="b"/>
             <a:pathLst>
-              <a:path extrusionOk="0" h="120000" w="120000">
+              <a:path w="120000" h="120000" extrusionOk="0">
                 <a:moveTo>
                   <a:pt x="0" y="0"/>
                 </a:moveTo>
@@ -1256,9 +1412,11 @@
       <p:sp>
         <p:nvSpPr>
           <p:cNvPr id="72" name="Google Shape;72;g52f8805c87_1_52:notes"/>
-          <p:cNvSpPr txBox="1"/>
+          <p:cNvSpPr txBox="1">
+            <a:spLocks noGrp="1"/>
+          </p:cNvSpPr>
           <p:nvPr>
-            <p:ph idx="1" type="body"/>
+            <p:ph type="body" idx="1"/>
           </p:nvPr>
         </p:nvSpPr>
         <p:spPr>
@@ -1271,12 +1429,12 @@
           </a:prstGeom>
         </p:spPr>
         <p:txBody>
-          <a:bodyPr anchorCtr="0" anchor="t" bIns="91425" lIns="91425" spcFirstLastPara="1" rIns="91425" wrap="square" tIns="91425">
+          <a:bodyPr spcFirstLastPara="1" wrap="square" lIns="91425" tIns="91425" rIns="91425" bIns="91425" anchor="t" anchorCtr="0">
             <a:noAutofit/>
           </a:bodyPr>
           <a:lstStyle/>
           <a:p>
-            <a:pPr indent="0" lvl="0" marL="0" rtl="0" algn="l">
+            <a:pPr marL="0" lvl="0" indent="0" algn="l" rtl="0">
               <a:spcBef>
                 <a:spcPts val="0"/>
               </a:spcBef>
@@ -1285,9 +1443,6 @@
               </a:spcAft>
               <a:buNone/>
             </a:pPr>
-            <a:r>
-              <a:t/>
-            </a:r>
             <a:endParaRPr/>
           </a:p>
         </p:txBody>
@@ -1301,11 +1456,11 @@
 </file>
 
 <file path=ppt/notesSlides/notesSlide4.xml><?xml version="1.0" encoding="utf-8"?>
-<p:notes xmlns:a="http://schemas.openxmlformats.org/drawingml/2006/main" xmlns:r="http://schemas.openxmlformats.org/officeDocument/2006/relationships" xmlns:mc="http://schemas.openxmlformats.org/markup-compatibility/2006" xmlns:mv="urn:schemas-microsoft-com:mac:vml" xmlns:p="http://schemas.openxmlformats.org/presentationml/2006/main" xmlns:c="http://schemas.openxmlformats.org/drawingml/2006/chart" xmlns:dgm="http://schemas.openxmlformats.org/drawingml/2006/diagram" xmlns:o="urn:schemas-microsoft-com:office:office" xmlns:v="urn:schemas-microsoft-com:vml" xmlns:pvml="urn:schemas-microsoft-com:office:powerpoint" xmlns:com="http://schemas.openxmlformats.org/drawingml/2006/compatibility" xmlns:p14="http://schemas.microsoft.com/office/powerpoint/2010/main" xmlns:p15="http://schemas.microsoft.com/office/powerpoint/2012/main" showMasterPhAnim="0" showMasterSp="0">
+<p:notes xmlns:a="http://schemas.openxmlformats.org/drawingml/2006/main" xmlns:r="http://schemas.openxmlformats.org/officeDocument/2006/relationships" xmlns:p="http://schemas.openxmlformats.org/presentationml/2006/main" showMasterSp="0" showMasterPhAnim="0">
   <p:cSld>
     <p:spTree>
       <p:nvGrpSpPr>
-        <p:cNvPr id="76" name="Shape 76"/>
+        <p:cNvPr id="1" name="Shape 76"/>
         <p:cNvGrpSpPr/>
         <p:nvPr/>
       </p:nvGrpSpPr>
@@ -1320,20 +1475,26 @@
       <p:sp>
         <p:nvSpPr>
           <p:cNvPr id="77" name="Google Shape;77;g7d16e9acd7_0_190:notes"/>
-          <p:cNvSpPr/>
+          <p:cNvSpPr>
+            <a:spLocks noGrp="1" noRot="1" noChangeAspect="1"/>
+          </p:cNvSpPr>
           <p:nvPr>
-            <p:ph idx="2" type="sldImg"/>
+            <p:ph type="sldImg" idx="2"/>
           </p:nvPr>
         </p:nvSpPr>
         <p:spPr>
           <a:xfrm>
-            <a:off x="381300" y="685800"/>
+            <a:off x="381000" y="685800"/>
             <a:ext cx="6096000" cy="3429000"/>
           </a:xfrm>
           <a:custGeom>
-            <a:rect b="b" l="l" r="r" t="t"/>
+            <a:avLst/>
+            <a:gdLst/>
+            <a:ahLst/>
+            <a:cxnLst/>
+            <a:rect l="l" t="t" r="r" b="b"/>
             <a:pathLst>
-              <a:path extrusionOk="0" h="120000" w="120000">
+              <a:path w="120000" h="120000" extrusionOk="0">
                 <a:moveTo>
                   <a:pt x="0" y="0"/>
                 </a:moveTo>
@@ -1355,9 +1516,11 @@
       <p:sp>
         <p:nvSpPr>
           <p:cNvPr id="78" name="Google Shape;78;g7d16e9acd7_0_190:notes"/>
-          <p:cNvSpPr txBox="1"/>
+          <p:cNvSpPr txBox="1">
+            <a:spLocks noGrp="1"/>
+          </p:cNvSpPr>
           <p:nvPr>
-            <p:ph idx="1" type="body"/>
+            <p:ph type="body" idx="1"/>
           </p:nvPr>
         </p:nvSpPr>
         <p:spPr>
@@ -1370,12 +1533,12 @@
           </a:prstGeom>
         </p:spPr>
         <p:txBody>
-          <a:bodyPr anchorCtr="0" anchor="t" bIns="91425" lIns="91425" spcFirstLastPara="1" rIns="91425" wrap="square" tIns="91425">
+          <a:bodyPr spcFirstLastPara="1" wrap="square" lIns="91425" tIns="91425" rIns="91425" bIns="91425" anchor="t" anchorCtr="0">
             <a:noAutofit/>
           </a:bodyPr>
           <a:lstStyle/>
           <a:p>
-            <a:pPr indent="0" lvl="0" marL="0" rtl="0" algn="l">
+            <a:pPr marL="0" lvl="0" indent="0" algn="l" rtl="0">
               <a:spcBef>
                 <a:spcPts val="0"/>
               </a:spcBef>
@@ -1384,9 +1547,6 @@
               </a:spcAft>
               <a:buNone/>
             </a:pPr>
-            <a:r>
-              <a:t/>
-            </a:r>
             <a:endParaRPr/>
           </a:p>
         </p:txBody>
@@ -1400,11 +1560,11 @@
 </file>
 
 <file path=ppt/notesSlides/notesSlide5.xml><?xml version="1.0" encoding="utf-8"?>
-<p:notes xmlns:a="http://schemas.openxmlformats.org/drawingml/2006/main" xmlns:r="http://schemas.openxmlformats.org/officeDocument/2006/relationships" xmlns:mc="http://schemas.openxmlformats.org/markup-compatibility/2006" xmlns:mv="urn:schemas-microsoft-com:mac:vml" xmlns:p="http://schemas.openxmlformats.org/presentationml/2006/main" xmlns:c="http://schemas.openxmlformats.org/drawingml/2006/chart" xmlns:dgm="http://schemas.openxmlformats.org/drawingml/2006/diagram" xmlns:o="urn:schemas-microsoft-com:office:office" xmlns:v="urn:schemas-microsoft-com:vml" xmlns:pvml="urn:schemas-microsoft-com:office:powerpoint" xmlns:com="http://schemas.openxmlformats.org/drawingml/2006/compatibility" xmlns:p14="http://schemas.microsoft.com/office/powerpoint/2010/main" xmlns:p15="http://schemas.microsoft.com/office/powerpoint/2012/main" showMasterPhAnim="0" showMasterSp="0">
+<p:notes xmlns:a="http://schemas.openxmlformats.org/drawingml/2006/main" xmlns:r="http://schemas.openxmlformats.org/officeDocument/2006/relationships" xmlns:p="http://schemas.openxmlformats.org/presentationml/2006/main" showMasterSp="0" showMasterPhAnim="0">
   <p:cSld>
     <p:spTree>
       <p:nvGrpSpPr>
-        <p:cNvPr id="87" name="Shape 87"/>
+        <p:cNvPr id="1" name="Shape 87"/>
         <p:cNvGrpSpPr/>
         <p:nvPr/>
       </p:nvGrpSpPr>
@@ -1419,20 +1579,26 @@
       <p:sp>
         <p:nvSpPr>
           <p:cNvPr id="88" name="Google Shape;88;g7d16e9acd7_0_195:notes"/>
-          <p:cNvSpPr/>
+          <p:cNvSpPr>
+            <a:spLocks noGrp="1" noRot="1" noChangeAspect="1"/>
+          </p:cNvSpPr>
           <p:nvPr>
-            <p:ph idx="2" type="sldImg"/>
+            <p:ph type="sldImg" idx="2"/>
           </p:nvPr>
         </p:nvSpPr>
         <p:spPr>
           <a:xfrm>
-            <a:off x="381300" y="685800"/>
+            <a:off x="381000" y="685800"/>
             <a:ext cx="6096000" cy="3429000"/>
           </a:xfrm>
           <a:custGeom>
-            <a:rect b="b" l="l" r="r" t="t"/>
+            <a:avLst/>
+            <a:gdLst/>
+            <a:ahLst/>
+            <a:cxnLst/>
+            <a:rect l="l" t="t" r="r" b="b"/>
             <a:pathLst>
-              <a:path extrusionOk="0" h="120000" w="120000">
+              <a:path w="120000" h="120000" extrusionOk="0">
                 <a:moveTo>
                   <a:pt x="0" y="0"/>
                 </a:moveTo>
@@ -1454,9 +1620,11 @@
       <p:sp>
         <p:nvSpPr>
           <p:cNvPr id="89" name="Google Shape;89;g7d16e9acd7_0_195:notes"/>
-          <p:cNvSpPr txBox="1"/>
+          <p:cNvSpPr txBox="1">
+            <a:spLocks noGrp="1"/>
+          </p:cNvSpPr>
           <p:nvPr>
-            <p:ph idx="1" type="body"/>
+            <p:ph type="body" idx="1"/>
           </p:nvPr>
         </p:nvSpPr>
         <p:spPr>
@@ -1469,12 +1637,12 @@
           </a:prstGeom>
         </p:spPr>
         <p:txBody>
-          <a:bodyPr anchorCtr="0" anchor="t" bIns="91425" lIns="91425" spcFirstLastPara="1" rIns="91425" wrap="square" tIns="91425">
+          <a:bodyPr spcFirstLastPara="1" wrap="square" lIns="91425" tIns="91425" rIns="91425" bIns="91425" anchor="t" anchorCtr="0">
             <a:noAutofit/>
           </a:bodyPr>
           <a:lstStyle/>
           <a:p>
-            <a:pPr indent="0" lvl="0" marL="0" rtl="0" algn="l">
+            <a:pPr marL="0" lvl="0" indent="0" algn="l" rtl="0">
               <a:spcBef>
                 <a:spcPts val="0"/>
               </a:spcBef>
@@ -1483,9 +1651,6 @@
               </a:spcAft>
               <a:buNone/>
             </a:pPr>
-            <a:r>
-              <a:t/>
-            </a:r>
             <a:endParaRPr/>
           </a:p>
         </p:txBody>
@@ -1499,11 +1664,11 @@
 </file>
 
 <file path=ppt/notesSlides/notesSlide6.xml><?xml version="1.0" encoding="utf-8"?>
-<p:notes xmlns:a="http://schemas.openxmlformats.org/drawingml/2006/main" xmlns:r="http://schemas.openxmlformats.org/officeDocument/2006/relationships" xmlns:mc="http://schemas.openxmlformats.org/markup-compatibility/2006" xmlns:mv="urn:schemas-microsoft-com:mac:vml" xmlns:p="http://schemas.openxmlformats.org/presentationml/2006/main" xmlns:c="http://schemas.openxmlformats.org/drawingml/2006/chart" xmlns:dgm="http://schemas.openxmlformats.org/drawingml/2006/diagram" xmlns:o="urn:schemas-microsoft-com:office:office" xmlns:v="urn:schemas-microsoft-com:vml" xmlns:pvml="urn:schemas-microsoft-com:office:powerpoint" xmlns:com="http://schemas.openxmlformats.org/drawingml/2006/compatibility" xmlns:p14="http://schemas.microsoft.com/office/powerpoint/2010/main" xmlns:p15="http://schemas.microsoft.com/office/powerpoint/2012/main" showMasterPhAnim="0" showMasterSp="0">
+<p:notes xmlns:a="http://schemas.openxmlformats.org/drawingml/2006/main" xmlns:r="http://schemas.openxmlformats.org/officeDocument/2006/relationships" xmlns:p="http://schemas.openxmlformats.org/presentationml/2006/main" showMasterSp="0" showMasterPhAnim="0">
   <p:cSld>
     <p:spTree>
       <p:nvGrpSpPr>
-        <p:cNvPr id="94" name="Shape 94"/>
+        <p:cNvPr id="1" name="Shape 94"/>
         <p:cNvGrpSpPr/>
         <p:nvPr/>
       </p:nvGrpSpPr>
@@ -1518,20 +1683,26 @@
       <p:sp>
         <p:nvSpPr>
           <p:cNvPr id="95" name="Google Shape;95;g52f8805c87_1_14:notes"/>
-          <p:cNvSpPr/>
+          <p:cNvSpPr>
+            <a:spLocks noGrp="1" noRot="1" noChangeAspect="1"/>
+          </p:cNvSpPr>
           <p:nvPr>
-            <p:ph idx="2" type="sldImg"/>
+            <p:ph type="sldImg" idx="2"/>
           </p:nvPr>
         </p:nvSpPr>
         <p:spPr>
           <a:xfrm>
-            <a:off x="381300" y="685800"/>
+            <a:off x="381000" y="685800"/>
             <a:ext cx="6096000" cy="3429000"/>
           </a:xfrm>
           <a:custGeom>
-            <a:rect b="b" l="l" r="r" t="t"/>
+            <a:avLst/>
+            <a:gdLst/>
+            <a:ahLst/>
+            <a:cxnLst/>
+            <a:rect l="l" t="t" r="r" b="b"/>
             <a:pathLst>
-              <a:path extrusionOk="0" h="120000" w="120000">
+              <a:path w="120000" h="120000" extrusionOk="0">
                 <a:moveTo>
                   <a:pt x="0" y="0"/>
                 </a:moveTo>
@@ -1553,9 +1724,11 @@
       <p:sp>
         <p:nvSpPr>
           <p:cNvPr id="96" name="Google Shape;96;g52f8805c87_1_14:notes"/>
-          <p:cNvSpPr txBox="1"/>
+          <p:cNvSpPr txBox="1">
+            <a:spLocks noGrp="1"/>
+          </p:cNvSpPr>
           <p:nvPr>
-            <p:ph idx="1" type="body"/>
+            <p:ph type="body" idx="1"/>
           </p:nvPr>
         </p:nvSpPr>
         <p:spPr>
@@ -1568,12 +1741,12 @@
           </a:prstGeom>
         </p:spPr>
         <p:txBody>
-          <a:bodyPr anchorCtr="0" anchor="t" bIns="91425" lIns="91425" spcFirstLastPara="1" rIns="91425" wrap="square" tIns="91425">
+          <a:bodyPr spcFirstLastPara="1" wrap="square" lIns="91425" tIns="91425" rIns="91425" bIns="91425" anchor="t" anchorCtr="0">
             <a:noAutofit/>
           </a:bodyPr>
           <a:lstStyle/>
           <a:p>
-            <a:pPr indent="0" lvl="0" marL="0" rtl="0" algn="l">
+            <a:pPr marL="0" lvl="0" indent="0" algn="l" rtl="0">
               <a:spcBef>
                 <a:spcPts val="0"/>
               </a:spcBef>
@@ -1582,9 +1755,6 @@
               </a:spcAft>
               <a:buNone/>
             </a:pPr>
-            <a:r>
-              <a:t/>
-            </a:r>
             <a:endParaRPr/>
           </a:p>
         </p:txBody>
@@ -1598,11 +1768,11 @@
 </file>
 
 <file path=ppt/notesSlides/notesSlide7.xml><?xml version="1.0" encoding="utf-8"?>
-<p:notes xmlns:a="http://schemas.openxmlformats.org/drawingml/2006/main" xmlns:r="http://schemas.openxmlformats.org/officeDocument/2006/relationships" xmlns:mc="http://schemas.openxmlformats.org/markup-compatibility/2006" xmlns:mv="urn:schemas-microsoft-com:mac:vml" xmlns:p="http://schemas.openxmlformats.org/presentationml/2006/main" xmlns:c="http://schemas.openxmlformats.org/drawingml/2006/chart" xmlns:dgm="http://schemas.openxmlformats.org/drawingml/2006/diagram" xmlns:o="urn:schemas-microsoft-com:office:office" xmlns:v="urn:schemas-microsoft-com:vml" xmlns:pvml="urn:schemas-microsoft-com:office:powerpoint" xmlns:com="http://schemas.openxmlformats.org/drawingml/2006/compatibility" xmlns:p14="http://schemas.microsoft.com/office/powerpoint/2010/main" xmlns:p15="http://schemas.microsoft.com/office/powerpoint/2012/main" showMasterPhAnim="0" showMasterSp="0">
+<p:notes xmlns:a="http://schemas.openxmlformats.org/drawingml/2006/main" xmlns:r="http://schemas.openxmlformats.org/officeDocument/2006/relationships" xmlns:p="http://schemas.openxmlformats.org/presentationml/2006/main" showMasterSp="0" showMasterPhAnim="0">
   <p:cSld>
     <p:spTree>
       <p:nvGrpSpPr>
-        <p:cNvPr id="100" name="Shape 100"/>
+        <p:cNvPr id="1" name="Shape 100"/>
         <p:cNvGrpSpPr/>
         <p:nvPr/>
       </p:nvGrpSpPr>
@@ -1617,20 +1787,26 @@
       <p:sp>
         <p:nvSpPr>
           <p:cNvPr id="101" name="Google Shape;101;g52f8805c87_1_21:notes"/>
-          <p:cNvSpPr/>
+          <p:cNvSpPr>
+            <a:spLocks noGrp="1" noRot="1" noChangeAspect="1"/>
+          </p:cNvSpPr>
           <p:nvPr>
-            <p:ph idx="2" type="sldImg"/>
+            <p:ph type="sldImg" idx="2"/>
           </p:nvPr>
         </p:nvSpPr>
         <p:spPr>
           <a:xfrm>
-            <a:off x="381300" y="685800"/>
+            <a:off x="381000" y="685800"/>
             <a:ext cx="6096000" cy="3429000"/>
           </a:xfrm>
           <a:custGeom>
-            <a:rect b="b" l="l" r="r" t="t"/>
+            <a:avLst/>
+            <a:gdLst/>
+            <a:ahLst/>
+            <a:cxnLst/>
+            <a:rect l="l" t="t" r="r" b="b"/>
             <a:pathLst>
-              <a:path extrusionOk="0" h="120000" w="120000">
+              <a:path w="120000" h="120000" extrusionOk="0">
                 <a:moveTo>
                   <a:pt x="0" y="0"/>
                 </a:moveTo>
@@ -1652,9 +1828,11 @@
       <p:sp>
         <p:nvSpPr>
           <p:cNvPr id="102" name="Google Shape;102;g52f8805c87_1_21:notes"/>
-          <p:cNvSpPr txBox="1"/>
+          <p:cNvSpPr txBox="1">
+            <a:spLocks noGrp="1"/>
+          </p:cNvSpPr>
           <p:nvPr>
-            <p:ph idx="1" type="body"/>
+            <p:ph type="body" idx="1"/>
           </p:nvPr>
         </p:nvSpPr>
         <p:spPr>
@@ -1667,12 +1845,12 @@
           </a:prstGeom>
         </p:spPr>
         <p:txBody>
-          <a:bodyPr anchorCtr="0" anchor="t" bIns="91425" lIns="91425" spcFirstLastPara="1" rIns="91425" wrap="square" tIns="91425">
+          <a:bodyPr spcFirstLastPara="1" wrap="square" lIns="91425" tIns="91425" rIns="91425" bIns="91425" anchor="t" anchorCtr="0">
             <a:noAutofit/>
           </a:bodyPr>
           <a:lstStyle/>
           <a:p>
-            <a:pPr indent="0" lvl="0" marL="0" rtl="0" algn="l">
+            <a:pPr marL="0" lvl="0" indent="0" algn="l" rtl="0">
               <a:spcBef>
                 <a:spcPts val="0"/>
               </a:spcBef>
@@ -1681,9 +1859,6 @@
               </a:spcAft>
               <a:buNone/>
             </a:pPr>
-            <a:r>
-              <a:t/>
-            </a:r>
             <a:endParaRPr/>
           </a:p>
         </p:txBody>
@@ -1697,11 +1872,11 @@
 </file>
 
 <file path=ppt/notesSlides/notesSlide8.xml><?xml version="1.0" encoding="utf-8"?>
-<p:notes xmlns:a="http://schemas.openxmlformats.org/drawingml/2006/main" xmlns:r="http://schemas.openxmlformats.org/officeDocument/2006/relationships" xmlns:mc="http://schemas.openxmlformats.org/markup-compatibility/2006" xmlns:mv="urn:schemas-microsoft-com:mac:vml" xmlns:p="http://schemas.openxmlformats.org/presentationml/2006/main" xmlns:c="http://schemas.openxmlformats.org/drawingml/2006/chart" xmlns:dgm="http://schemas.openxmlformats.org/drawingml/2006/diagram" xmlns:o="urn:schemas-microsoft-com:office:office" xmlns:v="urn:schemas-microsoft-com:vml" xmlns:pvml="urn:schemas-microsoft-com:office:powerpoint" xmlns:com="http://schemas.openxmlformats.org/drawingml/2006/compatibility" xmlns:p14="http://schemas.microsoft.com/office/powerpoint/2010/main" xmlns:p15="http://schemas.microsoft.com/office/powerpoint/2012/main" showMasterPhAnim="0" showMasterSp="0">
+<p:notes xmlns:a="http://schemas.openxmlformats.org/drawingml/2006/main" xmlns:r="http://schemas.openxmlformats.org/officeDocument/2006/relationships" xmlns:p="http://schemas.openxmlformats.org/presentationml/2006/main" showMasterSp="0" showMasterPhAnim="0">
   <p:cSld>
     <p:spTree>
       <p:nvGrpSpPr>
-        <p:cNvPr id="106" name="Shape 106"/>
+        <p:cNvPr id="1" name="Shape 106"/>
         <p:cNvGrpSpPr/>
         <p:nvPr/>
       </p:nvGrpSpPr>
@@ -1716,20 +1891,26 @@
       <p:sp>
         <p:nvSpPr>
           <p:cNvPr id="107" name="Google Shape;107;g52f8805c87_1_29:notes"/>
-          <p:cNvSpPr/>
+          <p:cNvSpPr>
+            <a:spLocks noGrp="1" noRot="1" noChangeAspect="1"/>
+          </p:cNvSpPr>
           <p:nvPr>
-            <p:ph idx="2" type="sldImg"/>
+            <p:ph type="sldImg" idx="2"/>
           </p:nvPr>
         </p:nvSpPr>
         <p:spPr>
           <a:xfrm>
-            <a:off x="381300" y="685800"/>
+            <a:off x="381000" y="685800"/>
             <a:ext cx="6096000" cy="3429000"/>
           </a:xfrm>
           <a:custGeom>
-            <a:rect b="b" l="l" r="r" t="t"/>
+            <a:avLst/>
+            <a:gdLst/>
+            <a:ahLst/>
+            <a:cxnLst/>
+            <a:rect l="l" t="t" r="r" b="b"/>
             <a:pathLst>
-              <a:path extrusionOk="0" h="120000" w="120000">
+              <a:path w="120000" h="120000" extrusionOk="0">
                 <a:moveTo>
                   <a:pt x="0" y="0"/>
                 </a:moveTo>
@@ -1751,9 +1932,11 @@
       <p:sp>
         <p:nvSpPr>
           <p:cNvPr id="108" name="Google Shape;108;g52f8805c87_1_29:notes"/>
-          <p:cNvSpPr txBox="1"/>
+          <p:cNvSpPr txBox="1">
+            <a:spLocks noGrp="1"/>
+          </p:cNvSpPr>
           <p:nvPr>
-            <p:ph idx="1" type="body"/>
+            <p:ph type="body" idx="1"/>
           </p:nvPr>
         </p:nvSpPr>
         <p:spPr>
@@ -1766,12 +1949,12 @@
           </a:prstGeom>
         </p:spPr>
         <p:txBody>
-          <a:bodyPr anchorCtr="0" anchor="t" bIns="91425" lIns="91425" spcFirstLastPara="1" rIns="91425" wrap="square" tIns="91425">
+          <a:bodyPr spcFirstLastPara="1" wrap="square" lIns="91425" tIns="91425" rIns="91425" bIns="91425" anchor="t" anchorCtr="0">
             <a:noAutofit/>
           </a:bodyPr>
           <a:lstStyle/>
           <a:p>
-            <a:pPr indent="0" lvl="0" marL="0" rtl="0" algn="l">
+            <a:pPr marL="0" lvl="0" indent="0" algn="l" rtl="0">
               <a:spcBef>
                 <a:spcPts val="0"/>
               </a:spcBef>
@@ -1780,9 +1963,6 @@
               </a:spcAft>
               <a:buNone/>
             </a:pPr>
-            <a:r>
-              <a:t/>
-            </a:r>
             <a:endParaRPr/>
           </a:p>
         </p:txBody>
@@ -1796,11 +1976,11 @@
 </file>
 
 <file path=ppt/notesSlides/notesSlide9.xml><?xml version="1.0" encoding="utf-8"?>
-<p:notes xmlns:a="http://schemas.openxmlformats.org/drawingml/2006/main" xmlns:r="http://schemas.openxmlformats.org/officeDocument/2006/relationships" xmlns:mc="http://schemas.openxmlformats.org/markup-compatibility/2006" xmlns:mv="urn:schemas-microsoft-com:mac:vml" xmlns:p="http://schemas.openxmlformats.org/presentationml/2006/main" xmlns:c="http://schemas.openxmlformats.org/drawingml/2006/chart" xmlns:dgm="http://schemas.openxmlformats.org/drawingml/2006/diagram" xmlns:o="urn:schemas-microsoft-com:office:office" xmlns:v="urn:schemas-microsoft-com:vml" xmlns:pvml="urn:schemas-microsoft-com:office:powerpoint" xmlns:com="http://schemas.openxmlformats.org/drawingml/2006/compatibility" xmlns:p14="http://schemas.microsoft.com/office/powerpoint/2010/main" xmlns:p15="http://schemas.microsoft.com/office/powerpoint/2012/main" showMasterPhAnim="0" showMasterSp="0">
+<p:notes xmlns:a="http://schemas.openxmlformats.org/drawingml/2006/main" xmlns:r="http://schemas.openxmlformats.org/officeDocument/2006/relationships" xmlns:p="http://schemas.openxmlformats.org/presentationml/2006/main" showMasterSp="0" showMasterPhAnim="0">
   <p:cSld>
     <p:spTree>
       <p:nvGrpSpPr>
-        <p:cNvPr id="112" name="Shape 112"/>
+        <p:cNvPr id="1" name="Shape 112"/>
         <p:cNvGrpSpPr/>
         <p:nvPr/>
       </p:nvGrpSpPr>
@@ -1815,20 +1995,26 @@
       <p:sp>
         <p:nvSpPr>
           <p:cNvPr id="113" name="Google Shape;113;g52f8805c87_1_34:notes"/>
-          <p:cNvSpPr/>
+          <p:cNvSpPr>
+            <a:spLocks noGrp="1" noRot="1" noChangeAspect="1"/>
+          </p:cNvSpPr>
           <p:nvPr>
-            <p:ph idx="2" type="sldImg"/>
+            <p:ph type="sldImg" idx="2"/>
           </p:nvPr>
         </p:nvSpPr>
         <p:spPr>
           <a:xfrm>
-            <a:off x="381300" y="685800"/>
+            <a:off x="381000" y="685800"/>
             <a:ext cx="6096000" cy="3429000"/>
           </a:xfrm>
           <a:custGeom>
-            <a:rect b="b" l="l" r="r" t="t"/>
+            <a:avLst/>
+            <a:gdLst/>
+            <a:ahLst/>
+            <a:cxnLst/>
+            <a:rect l="l" t="t" r="r" b="b"/>
             <a:pathLst>
-              <a:path extrusionOk="0" h="120000" w="120000">
+              <a:path w="120000" h="120000" extrusionOk="0">
                 <a:moveTo>
                   <a:pt x="0" y="0"/>
                 </a:moveTo>
@@ -1850,9 +2036,11 @@
       <p:sp>
         <p:nvSpPr>
           <p:cNvPr id="114" name="Google Shape;114;g52f8805c87_1_34:notes"/>
-          <p:cNvSpPr txBox="1"/>
+          <p:cNvSpPr txBox="1">
+            <a:spLocks noGrp="1"/>
+          </p:cNvSpPr>
           <p:nvPr>
-            <p:ph idx="1" type="body"/>
+            <p:ph type="body" idx="1"/>
           </p:nvPr>
         </p:nvSpPr>
         <p:spPr>
@@ -1865,12 +2053,12 @@
           </a:prstGeom>
         </p:spPr>
         <p:txBody>
-          <a:bodyPr anchorCtr="0" anchor="t" bIns="91425" lIns="91425" spcFirstLastPara="1" rIns="91425" wrap="square" tIns="91425">
+          <a:bodyPr spcFirstLastPara="1" wrap="square" lIns="91425" tIns="91425" rIns="91425" bIns="91425" anchor="t" anchorCtr="0">
             <a:noAutofit/>
           </a:bodyPr>
           <a:lstStyle/>
           <a:p>
-            <a:pPr indent="0" lvl="0" marL="0" rtl="0" algn="l">
+            <a:pPr marL="0" lvl="0" indent="0" algn="l" rtl="0">
               <a:spcBef>
                 <a:spcPts val="0"/>
               </a:spcBef>
@@ -1879,9 +2067,6 @@
               </a:spcAft>
               <a:buNone/>
             </a:pPr>
-            <a:r>
-              <a:t/>
-            </a:r>
             <a:endParaRPr/>
           </a:p>
         </p:txBody>
@@ -1895,18 +2080,19 @@
 </file>
 
 <file path=ppt/slideLayouts/slideLayout1.xml><?xml version="1.0" encoding="utf-8"?>
-<p:sldLayout xmlns:a="http://schemas.openxmlformats.org/drawingml/2006/main" xmlns:r="http://schemas.openxmlformats.org/officeDocument/2006/relationships" xmlns:mc="http://schemas.openxmlformats.org/markup-compatibility/2006" xmlns:mv="urn:schemas-microsoft-com:mac:vml" xmlns:p="http://schemas.openxmlformats.org/presentationml/2006/main" xmlns:c="http://schemas.openxmlformats.org/drawingml/2006/chart" xmlns:dgm="http://schemas.openxmlformats.org/drawingml/2006/diagram" xmlns:o="urn:schemas-microsoft-com:office:office" xmlns:v="urn:schemas-microsoft-com:vml" xmlns:pvml="urn:schemas-microsoft-com:office:powerpoint" xmlns:com="http://schemas.openxmlformats.org/drawingml/2006/compatibility" xmlns:p14="http://schemas.microsoft.com/office/powerpoint/2010/main" xmlns:p15="http://schemas.microsoft.com/office/powerpoint/2012/main" matchingName="Title slide" type="title">
+<p:sldLayout xmlns:a="http://schemas.openxmlformats.org/drawingml/2006/main" xmlns:r="http://schemas.openxmlformats.org/officeDocument/2006/relationships" xmlns:p="http://schemas.openxmlformats.org/presentationml/2006/main" matchingName="Title slide" type="title">
   <p:cSld name="TITLE">
     <p:bg>
       <p:bgPr>
         <a:solidFill>
           <a:schemeClr val="dk1"/>
         </a:solidFill>
+        <a:effectLst/>
       </p:bgPr>
     </p:bg>
     <p:spTree>
       <p:nvGrpSpPr>
-        <p:cNvPr id="9" name="Shape 9"/>
+        <p:cNvPr id="1" name="Shape 9"/>
         <p:cNvGrpSpPr/>
         <p:nvPr/>
       </p:nvGrpSpPr>
@@ -1933,21 +2119,23 @@
             <a:avLst/>
           </a:prstGeom>
           <a:noFill/>
-          <a:ln cap="flat" cmpd="sng" w="19050">
+          <a:ln w="19050" cap="flat" cmpd="sng">
             <a:solidFill>
               <a:schemeClr val="lt2"/>
             </a:solidFill>
             <a:prstDash val="solid"/>
             <a:round/>
-            <a:headEnd len="sm" w="sm" type="none"/>
-            <a:tailEnd len="sm" w="sm" type="none"/>
+            <a:headEnd type="none" w="sm" len="sm"/>
+            <a:tailEnd type="none" w="sm" len="sm"/>
           </a:ln>
         </p:spPr>
       </p:cxnSp>
       <p:sp>
         <p:nvSpPr>
           <p:cNvPr id="11" name="Google Shape;11;p2"/>
-          <p:cNvSpPr txBox="1"/>
+          <p:cNvSpPr txBox="1">
+            <a:spLocks noGrp="1"/>
+          </p:cNvSpPr>
           <p:nvPr>
             <p:ph type="ctrTitle"/>
           </p:nvPr>
@@ -1962,7 +2150,7 @@
           </a:prstGeom>
         </p:spPr>
         <p:txBody>
-          <a:bodyPr anchorCtr="0" anchor="b" bIns="91425" lIns="91425" spcFirstLastPara="1" rIns="91425" wrap="square" tIns="91425">
+          <a:bodyPr spcFirstLastPara="1" wrap="square" lIns="91425" tIns="91425" rIns="91425" bIns="91425" anchor="b" anchorCtr="0">
             <a:noAutofit/>
           </a:bodyPr>
           <a:lstStyle>
@@ -2129,15 +2317,19 @@
               </a:defRPr>
             </a:lvl9pPr>
           </a:lstStyle>
-          <a:p/>
+          <a:p>
+            <a:endParaRPr/>
+          </a:p>
         </p:txBody>
       </p:sp>
       <p:sp>
         <p:nvSpPr>
           <p:cNvPr id="12" name="Google Shape;12;p2"/>
-          <p:cNvSpPr txBox="1"/>
+          <p:cNvSpPr txBox="1">
+            <a:spLocks noGrp="1"/>
+          </p:cNvSpPr>
           <p:nvPr>
-            <p:ph idx="1" type="subTitle"/>
+            <p:ph type="subTitle" idx="1"/>
           </p:nvPr>
         </p:nvSpPr>
         <p:spPr>
@@ -2150,7 +2342,7 @@
           </a:prstGeom>
         </p:spPr>
         <p:txBody>
-          <a:bodyPr anchorCtr="0" anchor="t" bIns="91425" lIns="91425" spcFirstLastPara="1" rIns="91425" wrap="square" tIns="91425">
+          <a:bodyPr spcFirstLastPara="1" wrap="square" lIns="91425" tIns="91425" rIns="91425" bIns="91425" anchor="t" anchorCtr="0">
             <a:noAutofit/>
           </a:bodyPr>
           <a:lstStyle>
@@ -2344,15 +2536,19 @@
               </a:defRPr>
             </a:lvl9pPr>
           </a:lstStyle>
-          <a:p/>
+          <a:p>
+            <a:endParaRPr/>
+          </a:p>
         </p:txBody>
       </p:sp>
       <p:sp>
         <p:nvSpPr>
           <p:cNvPr id="13" name="Google Shape;13;p2"/>
-          <p:cNvSpPr txBox="1"/>
+          <p:cNvSpPr txBox="1">
+            <a:spLocks noGrp="1"/>
+          </p:cNvSpPr>
           <p:nvPr>
-            <p:ph idx="12" type="sldNum"/>
+            <p:ph type="sldNum" idx="12"/>
           </p:nvPr>
         </p:nvSpPr>
         <p:spPr>
@@ -2365,7 +2561,7 @@
           </a:prstGeom>
         </p:spPr>
         <p:txBody>
-          <a:bodyPr anchorCtr="0" anchor="ctr" bIns="91425" lIns="91425" spcFirstLastPara="1" rIns="91425" wrap="square" tIns="91425">
+          <a:bodyPr spcFirstLastPara="1" wrap="square" lIns="91425" tIns="91425" rIns="91425" bIns="91425" anchor="ctr" anchorCtr="0">
             <a:noAutofit/>
           </a:bodyPr>
           <a:lstStyle>
@@ -2443,7 +2639,7 @@
             </a:lvl9pPr>
           </a:lstStyle>
           <a:p>
-            <a:pPr indent="0" lvl="0" marL="0" rtl="0" algn="r">
+            <a:pPr marL="0" lvl="0" indent="0" algn="r" rtl="0">
               <a:spcBef>
                 <a:spcPts val="0"/>
               </a:spcBef>
@@ -2469,11 +2665,11 @@
 </file>
 
 <file path=ppt/slideLayouts/slideLayout10.xml><?xml version="1.0" encoding="utf-8"?>
-<p:sldLayout xmlns:a="http://schemas.openxmlformats.org/drawingml/2006/main" xmlns:r="http://schemas.openxmlformats.org/officeDocument/2006/relationships" xmlns:mc="http://schemas.openxmlformats.org/markup-compatibility/2006" xmlns:mv="urn:schemas-microsoft-com:mac:vml" xmlns:p="http://schemas.openxmlformats.org/presentationml/2006/main" xmlns:c="http://schemas.openxmlformats.org/drawingml/2006/chart" xmlns:dgm="http://schemas.openxmlformats.org/drawingml/2006/diagram" xmlns:o="urn:schemas-microsoft-com:office:office" xmlns:v="urn:schemas-microsoft-com:vml" xmlns:pvml="urn:schemas-microsoft-com:office:powerpoint" xmlns:com="http://schemas.openxmlformats.org/drawingml/2006/compatibility" xmlns:p14="http://schemas.microsoft.com/office/powerpoint/2010/main" xmlns:p15="http://schemas.microsoft.com/office/powerpoint/2012/main" matchingName="Big number">
+<p:sldLayout xmlns:a="http://schemas.openxmlformats.org/drawingml/2006/main" xmlns:r="http://schemas.openxmlformats.org/officeDocument/2006/relationships" xmlns:p="http://schemas.openxmlformats.org/presentationml/2006/main" matchingName="Big number">
   <p:cSld name="BIG_NUMBER">
     <p:spTree>
       <p:nvGrpSpPr>
-        <p:cNvPr id="48" name="Shape 48"/>
+        <p:cNvPr id="1" name="Shape 48"/>
         <p:cNvGrpSpPr/>
         <p:nvPr/>
       </p:nvGrpSpPr>
@@ -2507,12 +2703,12 @@
           </a:ln>
         </p:spPr>
         <p:txBody>
-          <a:bodyPr anchorCtr="0" anchor="ctr" bIns="91425" lIns="91425" spcFirstLastPara="1" rIns="91425" wrap="square" tIns="91425">
+          <a:bodyPr spcFirstLastPara="1" wrap="square" lIns="91425" tIns="91425" rIns="91425" bIns="91425" anchor="ctr" anchorCtr="0">
             <a:noAutofit/>
           </a:bodyPr>
           <a:lstStyle/>
           <a:p>
-            <a:pPr indent="0" lvl="0" marL="0" rtl="0" algn="l">
+            <a:pPr marL="0" lvl="0" indent="0" algn="l" rtl="0">
               <a:spcBef>
                 <a:spcPts val="0"/>
               </a:spcBef>
@@ -2521,9 +2717,6 @@
               </a:spcAft>
               <a:buNone/>
             </a:pPr>
-            <a:r>
-              <a:t/>
-            </a:r>
             <a:endParaRPr/>
           </a:p>
         </p:txBody>
@@ -2531,9 +2724,11 @@
       <p:sp>
         <p:nvSpPr>
           <p:cNvPr id="50" name="Google Shape;50;p11"/>
-          <p:cNvSpPr txBox="1"/>
+          <p:cNvSpPr txBox="1">
+            <a:spLocks noGrp="1"/>
+          </p:cNvSpPr>
           <p:nvPr>
-            <p:ph hasCustomPrompt="1" type="title"/>
+            <p:ph type="title" hasCustomPrompt="1"/>
           </p:nvPr>
         </p:nvSpPr>
         <p:spPr>
@@ -2546,7 +2741,7 @@
           </a:prstGeom>
         </p:spPr>
         <p:txBody>
-          <a:bodyPr anchorCtr="0" anchor="ctr" bIns="91425" lIns="91425" spcFirstLastPara="1" rIns="91425" wrap="square" tIns="91425">
+          <a:bodyPr spcFirstLastPara="1" wrap="square" lIns="91425" tIns="91425" rIns="91425" bIns="91425" anchor="ctr" anchorCtr="0">
             <a:noAutofit/>
           </a:bodyPr>
           <a:lstStyle>
@@ -2559,7 +2754,7 @@
               </a:spcAft>
               <a:buSzPts val="14000"/>
               <a:buNone/>
-              <a:defRPr b="1" sz="14000"/>
+              <a:defRPr sz="14000" b="1"/>
             </a:lvl1pPr>
             <a:lvl2pPr lvl="1" algn="ctr">
               <a:spcBef>
@@ -2570,7 +2765,7 @@
               </a:spcAft>
               <a:buSzPts val="14000"/>
               <a:buNone/>
-              <a:defRPr b="1" sz="14000"/>
+              <a:defRPr sz="14000" b="1"/>
             </a:lvl2pPr>
             <a:lvl3pPr lvl="2" algn="ctr">
               <a:spcBef>
@@ -2581,7 +2776,7 @@
               </a:spcAft>
               <a:buSzPts val="14000"/>
               <a:buNone/>
-              <a:defRPr b="1" sz="14000"/>
+              <a:defRPr sz="14000" b="1"/>
             </a:lvl3pPr>
             <a:lvl4pPr lvl="3" algn="ctr">
               <a:spcBef>
@@ -2592,7 +2787,7 @@
               </a:spcAft>
               <a:buSzPts val="14000"/>
               <a:buNone/>
-              <a:defRPr b="1" sz="14000"/>
+              <a:defRPr sz="14000" b="1"/>
             </a:lvl4pPr>
             <a:lvl5pPr lvl="4" algn="ctr">
               <a:spcBef>
@@ -2603,7 +2798,7 @@
               </a:spcAft>
               <a:buSzPts val="14000"/>
               <a:buNone/>
-              <a:defRPr b="1" sz="14000"/>
+              <a:defRPr sz="14000" b="1"/>
             </a:lvl5pPr>
             <a:lvl6pPr lvl="5" algn="ctr">
               <a:spcBef>
@@ -2614,7 +2809,7 @@
               </a:spcAft>
               <a:buSzPts val="14000"/>
               <a:buNone/>
-              <a:defRPr b="1" sz="14000"/>
+              <a:defRPr sz="14000" b="1"/>
             </a:lvl6pPr>
             <a:lvl7pPr lvl="6" algn="ctr">
               <a:spcBef>
@@ -2625,7 +2820,7 @@
               </a:spcAft>
               <a:buSzPts val="14000"/>
               <a:buNone/>
-              <a:defRPr b="1" sz="14000"/>
+              <a:defRPr sz="14000" b="1"/>
             </a:lvl7pPr>
             <a:lvl8pPr lvl="7" algn="ctr">
               <a:spcBef>
@@ -2636,7 +2831,7 @@
               </a:spcAft>
               <a:buSzPts val="14000"/>
               <a:buNone/>
-              <a:defRPr b="1" sz="14000"/>
+              <a:defRPr sz="14000" b="1"/>
             </a:lvl8pPr>
             <a:lvl9pPr lvl="8" algn="ctr">
               <a:spcBef>
@@ -2647,7 +2842,7 @@
               </a:spcAft>
               <a:buSzPts val="14000"/>
               <a:buNone/>
-              <a:defRPr b="1" sz="14000"/>
+              <a:defRPr sz="14000" b="1"/>
             </a:lvl9pPr>
           </a:lstStyle>
           <a:p>
@@ -2660,9 +2855,11 @@
       <p:sp>
         <p:nvSpPr>
           <p:cNvPr id="51" name="Google Shape;51;p11"/>
-          <p:cNvSpPr txBox="1"/>
+          <p:cNvSpPr txBox="1">
+            <a:spLocks noGrp="1"/>
+          </p:cNvSpPr>
           <p:nvPr>
-            <p:ph idx="1" type="body"/>
+            <p:ph type="body" idx="1"/>
           </p:nvPr>
         </p:nvSpPr>
         <p:spPr>
@@ -2675,11 +2872,11 @@
           </a:prstGeom>
         </p:spPr>
         <p:txBody>
-          <a:bodyPr anchorCtr="0" anchor="t" bIns="91425" lIns="91425" spcFirstLastPara="1" rIns="91425" wrap="square" tIns="91425">
+          <a:bodyPr spcFirstLastPara="1" wrap="square" lIns="91425" tIns="91425" rIns="91425" bIns="91425" anchor="t" anchorCtr="0">
             <a:noAutofit/>
           </a:bodyPr>
           <a:lstStyle>
-            <a:lvl1pPr indent="-342900" lvl="0" marL="457200" algn="ctr">
+            <a:lvl1pPr marL="457200" lvl="0" indent="-342900" algn="ctr">
               <a:spcBef>
                 <a:spcPts val="0"/>
               </a:spcBef>
@@ -2690,7 +2887,7 @@
               <a:buChar char="●"/>
               <a:defRPr/>
             </a:lvl1pPr>
-            <a:lvl2pPr indent="-317500" lvl="1" marL="914400" algn="ctr">
+            <a:lvl2pPr marL="914400" lvl="1" indent="-317500" algn="ctr">
               <a:spcBef>
                 <a:spcPts val="1600"/>
               </a:spcBef>
@@ -2701,7 +2898,7 @@
               <a:buChar char="○"/>
               <a:defRPr/>
             </a:lvl2pPr>
-            <a:lvl3pPr indent="-317500" lvl="2" marL="1371600" algn="ctr">
+            <a:lvl3pPr marL="1371600" lvl="2" indent="-317500" algn="ctr">
               <a:spcBef>
                 <a:spcPts val="1600"/>
               </a:spcBef>
@@ -2712,7 +2909,7 @@
               <a:buChar char="■"/>
               <a:defRPr/>
             </a:lvl3pPr>
-            <a:lvl4pPr indent="-317500" lvl="3" marL="1828800" algn="ctr">
+            <a:lvl4pPr marL="1828800" lvl="3" indent="-317500" algn="ctr">
               <a:spcBef>
                 <a:spcPts val="1600"/>
               </a:spcBef>
@@ -2723,7 +2920,7 @@
               <a:buChar char="●"/>
               <a:defRPr/>
             </a:lvl4pPr>
-            <a:lvl5pPr indent="-317500" lvl="4" marL="2286000" algn="ctr">
+            <a:lvl5pPr marL="2286000" lvl="4" indent="-317500" algn="ctr">
               <a:spcBef>
                 <a:spcPts val="1600"/>
               </a:spcBef>
@@ -2734,7 +2931,7 @@
               <a:buChar char="○"/>
               <a:defRPr/>
             </a:lvl5pPr>
-            <a:lvl6pPr indent="-317500" lvl="5" marL="2743200" algn="ctr">
+            <a:lvl6pPr marL="2743200" lvl="5" indent="-317500" algn="ctr">
               <a:spcBef>
                 <a:spcPts val="1600"/>
               </a:spcBef>
@@ -2745,7 +2942,7 @@
               <a:buChar char="■"/>
               <a:defRPr/>
             </a:lvl6pPr>
-            <a:lvl7pPr indent="-317500" lvl="6" marL="3200400" algn="ctr">
+            <a:lvl7pPr marL="3200400" lvl="6" indent="-317500" algn="ctr">
               <a:spcBef>
                 <a:spcPts val="1600"/>
               </a:spcBef>
@@ -2756,7 +2953,7 @@
               <a:buChar char="●"/>
               <a:defRPr/>
             </a:lvl7pPr>
-            <a:lvl8pPr indent="-317500" lvl="7" marL="3657600" algn="ctr">
+            <a:lvl8pPr marL="3657600" lvl="7" indent="-317500" algn="ctr">
               <a:spcBef>
                 <a:spcPts val="1600"/>
               </a:spcBef>
@@ -2767,7 +2964,7 @@
               <a:buChar char="○"/>
               <a:defRPr/>
             </a:lvl8pPr>
-            <a:lvl9pPr indent="-317500" lvl="8" marL="4114800" algn="ctr">
+            <a:lvl9pPr marL="4114800" lvl="8" indent="-317500" algn="ctr">
               <a:spcBef>
                 <a:spcPts val="1600"/>
               </a:spcBef>
@@ -2779,15 +2976,19 @@
               <a:defRPr/>
             </a:lvl9pPr>
           </a:lstStyle>
-          <a:p/>
+          <a:p>
+            <a:endParaRPr/>
+          </a:p>
         </p:txBody>
       </p:sp>
       <p:sp>
         <p:nvSpPr>
           <p:cNvPr id="52" name="Google Shape;52;p11"/>
-          <p:cNvSpPr txBox="1"/>
+          <p:cNvSpPr txBox="1">
+            <a:spLocks noGrp="1"/>
+          </p:cNvSpPr>
           <p:nvPr>
-            <p:ph idx="12" type="sldNum"/>
+            <p:ph type="sldNum" idx="12"/>
           </p:nvPr>
         </p:nvSpPr>
         <p:spPr>
@@ -2800,7 +3001,7 @@
           </a:prstGeom>
         </p:spPr>
         <p:txBody>
-          <a:bodyPr anchorCtr="0" anchor="ctr" bIns="91425" lIns="91425" spcFirstLastPara="1" rIns="91425" wrap="square" tIns="91425">
+          <a:bodyPr spcFirstLastPara="1" wrap="square" lIns="91425" tIns="91425" rIns="91425" bIns="91425" anchor="ctr" anchorCtr="0">
             <a:noAutofit/>
           </a:bodyPr>
           <a:lstStyle>
@@ -2842,7 +3043,7 @@
             </a:lvl9pPr>
           </a:lstStyle>
           <a:p>
-            <a:pPr indent="0" lvl="0" marL="0" rtl="0" algn="r">
+            <a:pPr marL="0" lvl="0" indent="0" algn="r" rtl="0">
               <a:spcBef>
                 <a:spcPts val="0"/>
               </a:spcBef>
@@ -2868,11 +3069,11 @@
 </file>
 
 <file path=ppt/slideLayouts/slideLayout11.xml><?xml version="1.0" encoding="utf-8"?>
-<p:sldLayout xmlns:a="http://schemas.openxmlformats.org/drawingml/2006/main" xmlns:r="http://schemas.openxmlformats.org/officeDocument/2006/relationships" xmlns:mc="http://schemas.openxmlformats.org/markup-compatibility/2006" xmlns:mv="urn:schemas-microsoft-com:mac:vml" xmlns:p="http://schemas.openxmlformats.org/presentationml/2006/main" xmlns:c="http://schemas.openxmlformats.org/drawingml/2006/chart" xmlns:dgm="http://schemas.openxmlformats.org/drawingml/2006/diagram" xmlns:o="urn:schemas-microsoft-com:office:office" xmlns:v="urn:schemas-microsoft-com:vml" xmlns:pvml="urn:schemas-microsoft-com:office:powerpoint" xmlns:com="http://schemas.openxmlformats.org/drawingml/2006/compatibility" xmlns:p14="http://schemas.microsoft.com/office/powerpoint/2010/main" xmlns:p15="http://schemas.microsoft.com/office/powerpoint/2012/main" matchingName="Blank" type="blank">
+<p:sldLayout xmlns:a="http://schemas.openxmlformats.org/drawingml/2006/main" xmlns:r="http://schemas.openxmlformats.org/officeDocument/2006/relationships" xmlns:p="http://schemas.openxmlformats.org/presentationml/2006/main" matchingName="Blank" type="blank">
   <p:cSld name="BLANK">
     <p:spTree>
       <p:nvGrpSpPr>
-        <p:cNvPr id="53" name="Shape 53"/>
+        <p:cNvPr id="1" name="Shape 53"/>
         <p:cNvGrpSpPr/>
         <p:nvPr/>
       </p:nvGrpSpPr>
@@ -2887,9 +3088,11 @@
       <p:sp>
         <p:nvSpPr>
           <p:cNvPr id="54" name="Google Shape;54;p12"/>
-          <p:cNvSpPr txBox="1"/>
+          <p:cNvSpPr txBox="1">
+            <a:spLocks noGrp="1"/>
+          </p:cNvSpPr>
           <p:nvPr>
-            <p:ph idx="12" type="sldNum"/>
+            <p:ph type="sldNum" idx="12"/>
           </p:nvPr>
         </p:nvSpPr>
         <p:spPr>
@@ -2902,7 +3105,7 @@
           </a:prstGeom>
         </p:spPr>
         <p:txBody>
-          <a:bodyPr anchorCtr="0" anchor="ctr" bIns="91425" lIns="91425" spcFirstLastPara="1" rIns="91425" wrap="square" tIns="91425">
+          <a:bodyPr spcFirstLastPara="1" wrap="square" lIns="91425" tIns="91425" rIns="91425" bIns="91425" anchor="ctr" anchorCtr="0">
             <a:noAutofit/>
           </a:bodyPr>
           <a:lstStyle>
@@ -2944,7 +3147,7 @@
             </a:lvl9pPr>
           </a:lstStyle>
           <a:p>
-            <a:pPr indent="0" lvl="0" marL="0" rtl="0" algn="r">
+            <a:pPr marL="0" lvl="0" indent="0" algn="r" rtl="0">
               <a:spcBef>
                 <a:spcPts val="0"/>
               </a:spcBef>
@@ -2970,18 +3173,19 @@
 </file>
 
 <file path=ppt/slideLayouts/slideLayout2.xml><?xml version="1.0" encoding="utf-8"?>
-<p:sldLayout xmlns:a="http://schemas.openxmlformats.org/drawingml/2006/main" xmlns:r="http://schemas.openxmlformats.org/officeDocument/2006/relationships" xmlns:mc="http://schemas.openxmlformats.org/markup-compatibility/2006" xmlns:mv="urn:schemas-microsoft-com:mac:vml" xmlns:p="http://schemas.openxmlformats.org/presentationml/2006/main" xmlns:c="http://schemas.openxmlformats.org/drawingml/2006/chart" xmlns:dgm="http://schemas.openxmlformats.org/drawingml/2006/diagram" xmlns:o="urn:schemas-microsoft-com:office:office" xmlns:v="urn:schemas-microsoft-com:vml" xmlns:pvml="urn:schemas-microsoft-com:office:powerpoint" xmlns:com="http://schemas.openxmlformats.org/drawingml/2006/compatibility" xmlns:p14="http://schemas.microsoft.com/office/powerpoint/2010/main" xmlns:p15="http://schemas.microsoft.com/office/powerpoint/2012/main" matchingName="Section header" type="secHead">
+<p:sldLayout xmlns:a="http://schemas.openxmlformats.org/drawingml/2006/main" xmlns:r="http://schemas.openxmlformats.org/officeDocument/2006/relationships" xmlns:p="http://schemas.openxmlformats.org/presentationml/2006/main" matchingName="Section header" type="secHead">
   <p:cSld name="SECTION_HEADER">
     <p:bg>
       <p:bgPr>
         <a:solidFill>
           <a:schemeClr val="dk1"/>
         </a:solidFill>
+        <a:effectLst/>
       </p:bgPr>
     </p:bg>
     <p:spTree>
       <p:nvGrpSpPr>
-        <p:cNvPr id="14" name="Shape 14"/>
+        <p:cNvPr id="1" name="Shape 14"/>
         <p:cNvGrpSpPr/>
         <p:nvPr/>
       </p:nvGrpSpPr>
@@ -3008,21 +3212,23 @@
             <a:avLst/>
           </a:prstGeom>
           <a:noFill/>
-          <a:ln cap="flat" cmpd="sng" w="19050">
+          <a:ln w="19050" cap="flat" cmpd="sng">
             <a:solidFill>
               <a:schemeClr val="lt2"/>
             </a:solidFill>
             <a:prstDash val="solid"/>
             <a:round/>
-            <a:headEnd len="sm" w="sm" type="none"/>
-            <a:tailEnd len="sm" w="sm" type="none"/>
+            <a:headEnd type="none" w="sm" len="sm"/>
+            <a:tailEnd type="none" w="sm" len="sm"/>
           </a:ln>
         </p:spPr>
       </p:cxnSp>
       <p:sp>
         <p:nvSpPr>
           <p:cNvPr id="16" name="Google Shape;16;p3"/>
-          <p:cNvSpPr txBox="1"/>
+          <p:cNvSpPr txBox="1">
+            <a:spLocks noGrp="1"/>
+          </p:cNvSpPr>
           <p:nvPr>
             <p:ph type="title"/>
           </p:nvPr>
@@ -3037,7 +3243,7 @@
           </a:prstGeom>
         </p:spPr>
         <p:txBody>
-          <a:bodyPr anchorCtr="0" anchor="b" bIns="91425" lIns="91425" spcFirstLastPara="1" rIns="91425" wrap="square" tIns="91425">
+          <a:bodyPr spcFirstLastPara="1" wrap="square" lIns="91425" tIns="91425" rIns="91425" bIns="91425" anchor="b" anchorCtr="0">
             <a:noAutofit/>
           </a:bodyPr>
           <a:lstStyle>
@@ -3204,15 +3410,19 @@
               </a:defRPr>
             </a:lvl9pPr>
           </a:lstStyle>
-          <a:p/>
+          <a:p>
+            <a:endParaRPr/>
+          </a:p>
         </p:txBody>
       </p:sp>
       <p:sp>
         <p:nvSpPr>
           <p:cNvPr id="17" name="Google Shape;17;p3"/>
-          <p:cNvSpPr txBox="1"/>
+          <p:cNvSpPr txBox="1">
+            <a:spLocks noGrp="1"/>
+          </p:cNvSpPr>
           <p:nvPr>
-            <p:ph idx="12" type="sldNum"/>
+            <p:ph type="sldNum" idx="12"/>
           </p:nvPr>
         </p:nvSpPr>
         <p:spPr>
@@ -3225,7 +3435,7 @@
           </a:prstGeom>
         </p:spPr>
         <p:txBody>
-          <a:bodyPr anchorCtr="0" anchor="ctr" bIns="91425" lIns="91425" spcFirstLastPara="1" rIns="91425" wrap="square" tIns="91425">
+          <a:bodyPr spcFirstLastPara="1" wrap="square" lIns="91425" tIns="91425" rIns="91425" bIns="91425" anchor="ctr" anchorCtr="0">
             <a:noAutofit/>
           </a:bodyPr>
           <a:lstStyle>
@@ -3303,7 +3513,7 @@
             </a:lvl9pPr>
           </a:lstStyle>
           <a:p>
-            <a:pPr indent="0" lvl="0" marL="0" rtl="0" algn="r">
+            <a:pPr marL="0" lvl="0" indent="0" algn="r" rtl="0">
               <a:spcBef>
                 <a:spcPts val="0"/>
               </a:spcBef>
@@ -3329,11 +3539,11 @@
 </file>
 
 <file path=ppt/slideLayouts/slideLayout3.xml><?xml version="1.0" encoding="utf-8"?>
-<p:sldLayout xmlns:a="http://schemas.openxmlformats.org/drawingml/2006/main" xmlns:r="http://schemas.openxmlformats.org/officeDocument/2006/relationships" xmlns:mc="http://schemas.openxmlformats.org/markup-compatibility/2006" xmlns:mv="urn:schemas-microsoft-com:mac:vml" xmlns:p="http://schemas.openxmlformats.org/presentationml/2006/main" xmlns:c="http://schemas.openxmlformats.org/drawingml/2006/chart" xmlns:dgm="http://schemas.openxmlformats.org/drawingml/2006/diagram" xmlns:o="urn:schemas-microsoft-com:office:office" xmlns:v="urn:schemas-microsoft-com:vml" xmlns:pvml="urn:schemas-microsoft-com:office:powerpoint" xmlns:com="http://schemas.openxmlformats.org/drawingml/2006/compatibility" xmlns:p14="http://schemas.microsoft.com/office/powerpoint/2010/main" xmlns:p15="http://schemas.microsoft.com/office/powerpoint/2012/main" matchingName="Title and body" type="tx">
+<p:sldLayout xmlns:a="http://schemas.openxmlformats.org/drawingml/2006/main" xmlns:r="http://schemas.openxmlformats.org/officeDocument/2006/relationships" xmlns:p="http://schemas.openxmlformats.org/presentationml/2006/main" matchingName="Title and body" type="tx">
   <p:cSld name="TITLE_AND_BODY">
     <p:spTree>
       <p:nvGrpSpPr>
-        <p:cNvPr id="18" name="Shape 18"/>
+        <p:cNvPr id="1" name="Shape 18"/>
         <p:cNvGrpSpPr/>
         <p:nvPr/>
       </p:nvGrpSpPr>
@@ -3367,12 +3577,12 @@
           </a:ln>
         </p:spPr>
         <p:txBody>
-          <a:bodyPr anchorCtr="0" anchor="ctr" bIns="91425" lIns="91425" spcFirstLastPara="1" rIns="91425" wrap="square" tIns="91425">
+          <a:bodyPr spcFirstLastPara="1" wrap="square" lIns="91425" tIns="91425" rIns="91425" bIns="91425" anchor="ctr" anchorCtr="0">
             <a:noAutofit/>
           </a:bodyPr>
           <a:lstStyle/>
           <a:p>
-            <a:pPr indent="0" lvl="0" marL="0" rtl="0" algn="l">
+            <a:pPr marL="0" lvl="0" indent="0" algn="l" rtl="0">
               <a:spcBef>
                 <a:spcPts val="0"/>
               </a:spcBef>
@@ -3381,9 +3591,6 @@
               </a:spcAft>
               <a:buNone/>
             </a:pPr>
-            <a:r>
-              <a:t/>
-            </a:r>
             <a:endParaRPr/>
           </a:p>
         </p:txBody>
@@ -3391,7 +3598,9 @@
       <p:sp>
         <p:nvSpPr>
           <p:cNvPr id="20" name="Google Shape;20;p4"/>
-          <p:cNvSpPr txBox="1"/>
+          <p:cNvSpPr txBox="1">
+            <a:spLocks noGrp="1"/>
+          </p:cNvSpPr>
           <p:nvPr>
             <p:ph type="title"/>
           </p:nvPr>
@@ -3406,7 +3615,7 @@
           </a:prstGeom>
         </p:spPr>
         <p:txBody>
-          <a:bodyPr anchorCtr="0" anchor="t" bIns="91425" lIns="91425" spcFirstLastPara="1" rIns="91425" wrap="square" tIns="91425">
+          <a:bodyPr spcFirstLastPara="1" wrap="square" lIns="91425" tIns="91425" rIns="91425" bIns="91425" anchor="t" anchorCtr="0">
             <a:noAutofit/>
           </a:bodyPr>
           <a:lstStyle>
@@ -3510,15 +3719,19 @@
               <a:defRPr/>
             </a:lvl9pPr>
           </a:lstStyle>
-          <a:p/>
+          <a:p>
+            <a:endParaRPr/>
+          </a:p>
         </p:txBody>
       </p:sp>
       <p:sp>
         <p:nvSpPr>
           <p:cNvPr id="21" name="Google Shape;21;p4"/>
-          <p:cNvSpPr txBox="1"/>
+          <p:cNvSpPr txBox="1">
+            <a:spLocks noGrp="1"/>
+          </p:cNvSpPr>
           <p:nvPr>
-            <p:ph idx="1" type="body"/>
+            <p:ph type="body" idx="1"/>
           </p:nvPr>
         </p:nvSpPr>
         <p:spPr>
@@ -3531,11 +3744,11 @@
           </a:prstGeom>
         </p:spPr>
         <p:txBody>
-          <a:bodyPr anchorCtr="0" anchor="t" bIns="91425" lIns="91425" spcFirstLastPara="1" rIns="91425" wrap="square" tIns="91425">
+          <a:bodyPr spcFirstLastPara="1" wrap="square" lIns="91425" tIns="91425" rIns="91425" bIns="91425" anchor="t" anchorCtr="0">
             <a:noAutofit/>
           </a:bodyPr>
           <a:lstStyle>
-            <a:lvl1pPr indent="-342900" lvl="0" marL="457200">
+            <a:lvl1pPr marL="457200" lvl="0" indent="-342900">
               <a:spcBef>
                 <a:spcPts val="0"/>
               </a:spcBef>
@@ -3546,7 +3759,7 @@
               <a:buChar char="●"/>
               <a:defRPr/>
             </a:lvl1pPr>
-            <a:lvl2pPr indent="-317500" lvl="1" marL="914400">
+            <a:lvl2pPr marL="914400" lvl="1" indent="-317500">
               <a:spcBef>
                 <a:spcPts val="1600"/>
               </a:spcBef>
@@ -3557,7 +3770,7 @@
               <a:buChar char="○"/>
               <a:defRPr/>
             </a:lvl2pPr>
-            <a:lvl3pPr indent="-317500" lvl="2" marL="1371600">
+            <a:lvl3pPr marL="1371600" lvl="2" indent="-317500">
               <a:spcBef>
                 <a:spcPts val="1600"/>
               </a:spcBef>
@@ -3568,7 +3781,7 @@
               <a:buChar char="■"/>
               <a:defRPr/>
             </a:lvl3pPr>
-            <a:lvl4pPr indent="-317500" lvl="3" marL="1828800">
+            <a:lvl4pPr marL="1828800" lvl="3" indent="-317500">
               <a:spcBef>
                 <a:spcPts val="1600"/>
               </a:spcBef>
@@ -3579,7 +3792,7 @@
               <a:buChar char="●"/>
               <a:defRPr/>
             </a:lvl4pPr>
-            <a:lvl5pPr indent="-317500" lvl="4" marL="2286000">
+            <a:lvl5pPr marL="2286000" lvl="4" indent="-317500">
               <a:spcBef>
                 <a:spcPts val="1600"/>
               </a:spcBef>
@@ -3590,7 +3803,7 @@
               <a:buChar char="○"/>
               <a:defRPr/>
             </a:lvl5pPr>
-            <a:lvl6pPr indent="-317500" lvl="5" marL="2743200">
+            <a:lvl6pPr marL="2743200" lvl="5" indent="-317500">
               <a:spcBef>
                 <a:spcPts val="1600"/>
               </a:spcBef>
@@ -3601,7 +3814,7 @@
               <a:buChar char="■"/>
               <a:defRPr/>
             </a:lvl6pPr>
-            <a:lvl7pPr indent="-317500" lvl="6" marL="3200400">
+            <a:lvl7pPr marL="3200400" lvl="6" indent="-317500">
               <a:spcBef>
                 <a:spcPts val="1600"/>
               </a:spcBef>
@@ -3612,7 +3825,7 @@
               <a:buChar char="●"/>
               <a:defRPr/>
             </a:lvl7pPr>
-            <a:lvl8pPr indent="-317500" lvl="7" marL="3657600">
+            <a:lvl8pPr marL="3657600" lvl="7" indent="-317500">
               <a:spcBef>
                 <a:spcPts val="1600"/>
               </a:spcBef>
@@ -3623,7 +3836,7 @@
               <a:buChar char="○"/>
               <a:defRPr/>
             </a:lvl8pPr>
-            <a:lvl9pPr indent="-317500" lvl="8" marL="4114800">
+            <a:lvl9pPr marL="4114800" lvl="8" indent="-317500">
               <a:spcBef>
                 <a:spcPts val="1600"/>
               </a:spcBef>
@@ -3635,15 +3848,19 @@
               <a:defRPr/>
             </a:lvl9pPr>
           </a:lstStyle>
-          <a:p/>
+          <a:p>
+            <a:endParaRPr/>
+          </a:p>
         </p:txBody>
       </p:sp>
       <p:sp>
         <p:nvSpPr>
           <p:cNvPr id="22" name="Google Shape;22;p4"/>
-          <p:cNvSpPr txBox="1"/>
+          <p:cNvSpPr txBox="1">
+            <a:spLocks noGrp="1"/>
+          </p:cNvSpPr>
           <p:nvPr>
-            <p:ph idx="12" type="sldNum"/>
+            <p:ph type="sldNum" idx="12"/>
           </p:nvPr>
         </p:nvSpPr>
         <p:spPr>
@@ -3656,7 +3873,7 @@
           </a:prstGeom>
         </p:spPr>
         <p:txBody>
-          <a:bodyPr anchorCtr="0" anchor="ctr" bIns="91425" lIns="91425" spcFirstLastPara="1" rIns="91425" wrap="square" tIns="91425">
+          <a:bodyPr spcFirstLastPara="1" wrap="square" lIns="91425" tIns="91425" rIns="91425" bIns="91425" anchor="ctr" anchorCtr="0">
             <a:noAutofit/>
           </a:bodyPr>
           <a:lstStyle>
@@ -3698,7 +3915,7 @@
             </a:lvl9pPr>
           </a:lstStyle>
           <a:p>
-            <a:pPr indent="0" lvl="0" marL="0" rtl="0" algn="r">
+            <a:pPr marL="0" lvl="0" indent="0" algn="r" rtl="0">
               <a:spcBef>
                 <a:spcPts val="0"/>
               </a:spcBef>
@@ -3724,11 +3941,11 @@
 </file>
 
 <file path=ppt/slideLayouts/slideLayout4.xml><?xml version="1.0" encoding="utf-8"?>
-<p:sldLayout xmlns:a="http://schemas.openxmlformats.org/drawingml/2006/main" xmlns:r="http://schemas.openxmlformats.org/officeDocument/2006/relationships" xmlns:mc="http://schemas.openxmlformats.org/markup-compatibility/2006" xmlns:mv="urn:schemas-microsoft-com:mac:vml" xmlns:p="http://schemas.openxmlformats.org/presentationml/2006/main" xmlns:c="http://schemas.openxmlformats.org/drawingml/2006/chart" xmlns:dgm="http://schemas.openxmlformats.org/drawingml/2006/diagram" xmlns:o="urn:schemas-microsoft-com:office:office" xmlns:v="urn:schemas-microsoft-com:vml" xmlns:pvml="urn:schemas-microsoft-com:office:powerpoint" xmlns:com="http://schemas.openxmlformats.org/drawingml/2006/compatibility" xmlns:p14="http://schemas.microsoft.com/office/powerpoint/2010/main" xmlns:p15="http://schemas.microsoft.com/office/powerpoint/2012/main" matchingName="Title and two columns" type="twoColTx">
+<p:sldLayout xmlns:a="http://schemas.openxmlformats.org/drawingml/2006/main" xmlns:r="http://schemas.openxmlformats.org/officeDocument/2006/relationships" xmlns:p="http://schemas.openxmlformats.org/presentationml/2006/main" matchingName="Title and two columns" type="twoColTx">
   <p:cSld name="TITLE_AND_TWO_COLUMNS">
     <p:spTree>
       <p:nvGrpSpPr>
-        <p:cNvPr id="23" name="Shape 23"/>
+        <p:cNvPr id="1" name="Shape 23"/>
         <p:cNvGrpSpPr/>
         <p:nvPr/>
       </p:nvGrpSpPr>
@@ -3743,7 +3960,9 @@
       <p:sp>
         <p:nvSpPr>
           <p:cNvPr id="24" name="Google Shape;24;p5"/>
-          <p:cNvSpPr txBox="1"/>
+          <p:cNvSpPr txBox="1">
+            <a:spLocks noGrp="1"/>
+          </p:cNvSpPr>
           <p:nvPr>
             <p:ph type="title"/>
           </p:nvPr>
@@ -3758,7 +3977,7 @@
           </a:prstGeom>
         </p:spPr>
         <p:txBody>
-          <a:bodyPr anchorCtr="0" anchor="t" bIns="91425" lIns="91425" spcFirstLastPara="1" rIns="91425" wrap="square" tIns="91425">
+          <a:bodyPr spcFirstLastPara="1" wrap="square" lIns="91425" tIns="91425" rIns="91425" bIns="91425" anchor="t" anchorCtr="0">
             <a:noAutofit/>
           </a:bodyPr>
           <a:lstStyle>
@@ -3862,15 +4081,19 @@
               <a:defRPr/>
             </a:lvl9pPr>
           </a:lstStyle>
-          <a:p/>
+          <a:p>
+            <a:endParaRPr/>
+          </a:p>
         </p:txBody>
       </p:sp>
       <p:sp>
         <p:nvSpPr>
           <p:cNvPr id="25" name="Google Shape;25;p5"/>
-          <p:cNvSpPr txBox="1"/>
+          <p:cNvSpPr txBox="1">
+            <a:spLocks noGrp="1"/>
+          </p:cNvSpPr>
           <p:nvPr>
-            <p:ph idx="1" type="body"/>
+            <p:ph type="body" idx="1"/>
           </p:nvPr>
         </p:nvSpPr>
         <p:spPr>
@@ -3883,11 +4106,11 @@
           </a:prstGeom>
         </p:spPr>
         <p:txBody>
-          <a:bodyPr anchorCtr="0" anchor="t" bIns="91425" lIns="91425" spcFirstLastPara="1" rIns="91425" wrap="square" tIns="91425">
+          <a:bodyPr spcFirstLastPara="1" wrap="square" lIns="91425" tIns="91425" rIns="91425" bIns="91425" anchor="t" anchorCtr="0">
             <a:noAutofit/>
           </a:bodyPr>
           <a:lstStyle>
-            <a:lvl1pPr indent="-317500" lvl="0" marL="457200">
+            <a:lvl1pPr marL="457200" lvl="0" indent="-317500">
               <a:spcBef>
                 <a:spcPts val="0"/>
               </a:spcBef>
@@ -3898,7 +4121,7 @@
               <a:buChar char="●"/>
               <a:defRPr sz="1400"/>
             </a:lvl1pPr>
-            <a:lvl2pPr indent="-304800" lvl="1" marL="914400">
+            <a:lvl2pPr marL="914400" lvl="1" indent="-304800">
               <a:spcBef>
                 <a:spcPts val="1600"/>
               </a:spcBef>
@@ -3909,7 +4132,7 @@
               <a:buChar char="○"/>
               <a:defRPr sz="1200"/>
             </a:lvl2pPr>
-            <a:lvl3pPr indent="-304800" lvl="2" marL="1371600">
+            <a:lvl3pPr marL="1371600" lvl="2" indent="-304800">
               <a:spcBef>
                 <a:spcPts val="1600"/>
               </a:spcBef>
@@ -3920,7 +4143,7 @@
               <a:buChar char="■"/>
               <a:defRPr sz="1200"/>
             </a:lvl3pPr>
-            <a:lvl4pPr indent="-304800" lvl="3" marL="1828800">
+            <a:lvl4pPr marL="1828800" lvl="3" indent="-304800">
               <a:spcBef>
                 <a:spcPts val="1600"/>
               </a:spcBef>
@@ -3931,7 +4154,7 @@
               <a:buChar char="●"/>
               <a:defRPr sz="1200"/>
             </a:lvl4pPr>
-            <a:lvl5pPr indent="-304800" lvl="4" marL="2286000">
+            <a:lvl5pPr marL="2286000" lvl="4" indent="-304800">
               <a:spcBef>
                 <a:spcPts val="1600"/>
               </a:spcBef>
@@ -3942,7 +4165,7 @@
               <a:buChar char="○"/>
               <a:defRPr sz="1200"/>
             </a:lvl5pPr>
-            <a:lvl6pPr indent="-304800" lvl="5" marL="2743200">
+            <a:lvl6pPr marL="2743200" lvl="5" indent="-304800">
               <a:spcBef>
                 <a:spcPts val="1600"/>
               </a:spcBef>
@@ -3953,7 +4176,7 @@
               <a:buChar char="■"/>
               <a:defRPr sz="1200"/>
             </a:lvl6pPr>
-            <a:lvl7pPr indent="-304800" lvl="6" marL="3200400">
+            <a:lvl7pPr marL="3200400" lvl="6" indent="-304800">
               <a:spcBef>
                 <a:spcPts val="1600"/>
               </a:spcBef>
@@ -3964,7 +4187,7 @@
               <a:buChar char="●"/>
               <a:defRPr sz="1200"/>
             </a:lvl7pPr>
-            <a:lvl8pPr indent="-304800" lvl="7" marL="3657600">
+            <a:lvl8pPr marL="3657600" lvl="7" indent="-304800">
               <a:spcBef>
                 <a:spcPts val="1600"/>
               </a:spcBef>
@@ -3975,7 +4198,7 @@
               <a:buChar char="○"/>
               <a:defRPr sz="1200"/>
             </a:lvl8pPr>
-            <a:lvl9pPr indent="-304800" lvl="8" marL="4114800">
+            <a:lvl9pPr marL="4114800" lvl="8" indent="-304800">
               <a:spcBef>
                 <a:spcPts val="1600"/>
               </a:spcBef>
@@ -3987,15 +4210,19 @@
               <a:defRPr sz="1200"/>
             </a:lvl9pPr>
           </a:lstStyle>
-          <a:p/>
+          <a:p>
+            <a:endParaRPr/>
+          </a:p>
         </p:txBody>
       </p:sp>
       <p:sp>
         <p:nvSpPr>
           <p:cNvPr id="26" name="Google Shape;26;p5"/>
-          <p:cNvSpPr txBox="1"/>
+          <p:cNvSpPr txBox="1">
+            <a:spLocks noGrp="1"/>
+          </p:cNvSpPr>
           <p:nvPr>
-            <p:ph idx="2" type="body"/>
+            <p:ph type="body" idx="2"/>
           </p:nvPr>
         </p:nvSpPr>
         <p:spPr>
@@ -4008,11 +4235,11 @@
           </a:prstGeom>
         </p:spPr>
         <p:txBody>
-          <a:bodyPr anchorCtr="0" anchor="t" bIns="91425" lIns="91425" spcFirstLastPara="1" rIns="91425" wrap="square" tIns="91425">
+          <a:bodyPr spcFirstLastPara="1" wrap="square" lIns="91425" tIns="91425" rIns="91425" bIns="91425" anchor="t" anchorCtr="0">
             <a:noAutofit/>
           </a:bodyPr>
           <a:lstStyle>
-            <a:lvl1pPr indent="-317500" lvl="0" marL="457200">
+            <a:lvl1pPr marL="457200" lvl="0" indent="-317500">
               <a:spcBef>
                 <a:spcPts val="0"/>
               </a:spcBef>
@@ -4023,7 +4250,7 @@
               <a:buChar char="●"/>
               <a:defRPr sz="1400"/>
             </a:lvl1pPr>
-            <a:lvl2pPr indent="-304800" lvl="1" marL="914400">
+            <a:lvl2pPr marL="914400" lvl="1" indent="-304800">
               <a:spcBef>
                 <a:spcPts val="1600"/>
               </a:spcBef>
@@ -4034,7 +4261,7 @@
               <a:buChar char="○"/>
               <a:defRPr sz="1200"/>
             </a:lvl2pPr>
-            <a:lvl3pPr indent="-304800" lvl="2" marL="1371600">
+            <a:lvl3pPr marL="1371600" lvl="2" indent="-304800">
               <a:spcBef>
                 <a:spcPts val="1600"/>
               </a:spcBef>
@@ -4045,7 +4272,7 @@
               <a:buChar char="■"/>
               <a:defRPr sz="1200"/>
             </a:lvl3pPr>
-            <a:lvl4pPr indent="-304800" lvl="3" marL="1828800">
+            <a:lvl4pPr marL="1828800" lvl="3" indent="-304800">
               <a:spcBef>
                 <a:spcPts val="1600"/>
               </a:spcBef>
@@ -4056,7 +4283,7 @@
               <a:buChar char="●"/>
               <a:defRPr sz="1200"/>
             </a:lvl4pPr>
-            <a:lvl5pPr indent="-304800" lvl="4" marL="2286000">
+            <a:lvl5pPr marL="2286000" lvl="4" indent="-304800">
               <a:spcBef>
                 <a:spcPts val="1600"/>
               </a:spcBef>
@@ -4067,7 +4294,7 @@
               <a:buChar char="○"/>
               <a:defRPr sz="1200"/>
             </a:lvl5pPr>
-            <a:lvl6pPr indent="-304800" lvl="5" marL="2743200">
+            <a:lvl6pPr marL="2743200" lvl="5" indent="-304800">
               <a:spcBef>
                 <a:spcPts val="1600"/>
               </a:spcBef>
@@ -4078,7 +4305,7 @@
               <a:buChar char="■"/>
               <a:defRPr sz="1200"/>
             </a:lvl6pPr>
-            <a:lvl7pPr indent="-304800" lvl="6" marL="3200400">
+            <a:lvl7pPr marL="3200400" lvl="6" indent="-304800">
               <a:spcBef>
                 <a:spcPts val="1600"/>
               </a:spcBef>
@@ -4089,7 +4316,7 @@
               <a:buChar char="●"/>
               <a:defRPr sz="1200"/>
             </a:lvl7pPr>
-            <a:lvl8pPr indent="-304800" lvl="7" marL="3657600">
+            <a:lvl8pPr marL="3657600" lvl="7" indent="-304800">
               <a:spcBef>
                 <a:spcPts val="1600"/>
               </a:spcBef>
@@ -4100,7 +4327,7 @@
               <a:buChar char="○"/>
               <a:defRPr sz="1200"/>
             </a:lvl8pPr>
-            <a:lvl9pPr indent="-304800" lvl="8" marL="4114800">
+            <a:lvl9pPr marL="4114800" lvl="8" indent="-304800">
               <a:spcBef>
                 <a:spcPts val="1600"/>
               </a:spcBef>
@@ -4112,15 +4339,19 @@
               <a:defRPr sz="1200"/>
             </a:lvl9pPr>
           </a:lstStyle>
-          <a:p/>
+          <a:p>
+            <a:endParaRPr/>
+          </a:p>
         </p:txBody>
       </p:sp>
       <p:sp>
         <p:nvSpPr>
           <p:cNvPr id="27" name="Google Shape;27;p5"/>
-          <p:cNvSpPr txBox="1"/>
+          <p:cNvSpPr txBox="1">
+            <a:spLocks noGrp="1"/>
+          </p:cNvSpPr>
           <p:nvPr>
-            <p:ph idx="12" type="sldNum"/>
+            <p:ph type="sldNum" idx="12"/>
           </p:nvPr>
         </p:nvSpPr>
         <p:spPr>
@@ -4133,7 +4364,7 @@
           </a:prstGeom>
         </p:spPr>
         <p:txBody>
-          <a:bodyPr anchorCtr="0" anchor="ctr" bIns="91425" lIns="91425" spcFirstLastPara="1" rIns="91425" wrap="square" tIns="91425">
+          <a:bodyPr spcFirstLastPara="1" wrap="square" lIns="91425" tIns="91425" rIns="91425" bIns="91425" anchor="ctr" anchorCtr="0">
             <a:noAutofit/>
           </a:bodyPr>
           <a:lstStyle>
@@ -4175,7 +4406,7 @@
             </a:lvl9pPr>
           </a:lstStyle>
           <a:p>
-            <a:pPr indent="0" lvl="0" marL="0" rtl="0" algn="r">
+            <a:pPr marL="0" lvl="0" indent="0" algn="r" rtl="0">
               <a:spcBef>
                 <a:spcPts val="0"/>
               </a:spcBef>
@@ -4201,11 +4432,11 @@
 </file>
 
 <file path=ppt/slideLayouts/slideLayout5.xml><?xml version="1.0" encoding="utf-8"?>
-<p:sldLayout xmlns:a="http://schemas.openxmlformats.org/drawingml/2006/main" xmlns:r="http://schemas.openxmlformats.org/officeDocument/2006/relationships" xmlns:mc="http://schemas.openxmlformats.org/markup-compatibility/2006" xmlns:mv="urn:schemas-microsoft-com:mac:vml" xmlns:p="http://schemas.openxmlformats.org/presentationml/2006/main" xmlns:c="http://schemas.openxmlformats.org/drawingml/2006/chart" xmlns:dgm="http://schemas.openxmlformats.org/drawingml/2006/diagram" xmlns:o="urn:schemas-microsoft-com:office:office" xmlns:v="urn:schemas-microsoft-com:vml" xmlns:pvml="urn:schemas-microsoft-com:office:powerpoint" xmlns:com="http://schemas.openxmlformats.org/drawingml/2006/compatibility" xmlns:p14="http://schemas.microsoft.com/office/powerpoint/2010/main" xmlns:p15="http://schemas.microsoft.com/office/powerpoint/2012/main" matchingName="Title only" type="titleOnly">
+<p:sldLayout xmlns:a="http://schemas.openxmlformats.org/drawingml/2006/main" xmlns:r="http://schemas.openxmlformats.org/officeDocument/2006/relationships" xmlns:p="http://schemas.openxmlformats.org/presentationml/2006/main" matchingName="Title only" type="titleOnly">
   <p:cSld name="TITLE_ONLY">
     <p:spTree>
       <p:nvGrpSpPr>
-        <p:cNvPr id="28" name="Shape 28"/>
+        <p:cNvPr id="1" name="Shape 28"/>
         <p:cNvGrpSpPr/>
         <p:nvPr/>
       </p:nvGrpSpPr>
@@ -4220,7 +4451,9 @@
       <p:sp>
         <p:nvSpPr>
           <p:cNvPr id="29" name="Google Shape;29;p6"/>
-          <p:cNvSpPr txBox="1"/>
+          <p:cNvSpPr txBox="1">
+            <a:spLocks noGrp="1"/>
+          </p:cNvSpPr>
           <p:nvPr>
             <p:ph type="title"/>
           </p:nvPr>
@@ -4235,7 +4468,7 @@
           </a:prstGeom>
         </p:spPr>
         <p:txBody>
-          <a:bodyPr anchorCtr="0" anchor="t" bIns="91425" lIns="91425" spcFirstLastPara="1" rIns="91425" wrap="square" tIns="91425">
+          <a:bodyPr spcFirstLastPara="1" wrap="square" lIns="91425" tIns="91425" rIns="91425" bIns="91425" anchor="t" anchorCtr="0">
             <a:noAutofit/>
           </a:bodyPr>
           <a:lstStyle>
@@ -4339,15 +4572,19 @@
               <a:defRPr/>
             </a:lvl9pPr>
           </a:lstStyle>
-          <a:p/>
+          <a:p>
+            <a:endParaRPr/>
+          </a:p>
         </p:txBody>
       </p:sp>
       <p:sp>
         <p:nvSpPr>
           <p:cNvPr id="30" name="Google Shape;30;p6"/>
-          <p:cNvSpPr txBox="1"/>
+          <p:cNvSpPr txBox="1">
+            <a:spLocks noGrp="1"/>
+          </p:cNvSpPr>
           <p:nvPr>
-            <p:ph idx="12" type="sldNum"/>
+            <p:ph type="sldNum" idx="12"/>
           </p:nvPr>
         </p:nvSpPr>
         <p:spPr>
@@ -4360,7 +4597,7 @@
           </a:prstGeom>
         </p:spPr>
         <p:txBody>
-          <a:bodyPr anchorCtr="0" anchor="ctr" bIns="91425" lIns="91425" spcFirstLastPara="1" rIns="91425" wrap="square" tIns="91425">
+          <a:bodyPr spcFirstLastPara="1" wrap="square" lIns="91425" tIns="91425" rIns="91425" bIns="91425" anchor="ctr" anchorCtr="0">
             <a:noAutofit/>
           </a:bodyPr>
           <a:lstStyle>
@@ -4402,7 +4639,7 @@
             </a:lvl9pPr>
           </a:lstStyle>
           <a:p>
-            <a:pPr indent="0" lvl="0" marL="0" rtl="0" algn="r">
+            <a:pPr marL="0" lvl="0" indent="0" algn="r" rtl="0">
               <a:spcBef>
                 <a:spcPts val="0"/>
               </a:spcBef>
@@ -4428,11 +4665,11 @@
 </file>
 
 <file path=ppt/slideLayouts/slideLayout6.xml><?xml version="1.0" encoding="utf-8"?>
-<p:sldLayout xmlns:a="http://schemas.openxmlformats.org/drawingml/2006/main" xmlns:r="http://schemas.openxmlformats.org/officeDocument/2006/relationships" xmlns:mc="http://schemas.openxmlformats.org/markup-compatibility/2006" xmlns:mv="urn:schemas-microsoft-com:mac:vml" xmlns:p="http://schemas.openxmlformats.org/presentationml/2006/main" xmlns:c="http://schemas.openxmlformats.org/drawingml/2006/chart" xmlns:dgm="http://schemas.openxmlformats.org/drawingml/2006/diagram" xmlns:o="urn:schemas-microsoft-com:office:office" xmlns:v="urn:schemas-microsoft-com:vml" xmlns:pvml="urn:schemas-microsoft-com:office:powerpoint" xmlns:com="http://schemas.openxmlformats.org/drawingml/2006/compatibility" xmlns:p14="http://schemas.microsoft.com/office/powerpoint/2010/main" xmlns:p15="http://schemas.microsoft.com/office/powerpoint/2012/main" matchingName="One column text">
+<p:sldLayout xmlns:a="http://schemas.openxmlformats.org/drawingml/2006/main" xmlns:r="http://schemas.openxmlformats.org/officeDocument/2006/relationships" xmlns:p="http://schemas.openxmlformats.org/presentationml/2006/main" matchingName="One column text">
   <p:cSld name="ONE_COLUMN_TEXT">
     <p:spTree>
       <p:nvGrpSpPr>
-        <p:cNvPr id="31" name="Shape 31"/>
+        <p:cNvPr id="1" name="Shape 31"/>
         <p:cNvGrpSpPr/>
         <p:nvPr/>
       </p:nvGrpSpPr>
@@ -4447,7 +4684,9 @@
       <p:sp>
         <p:nvSpPr>
           <p:cNvPr id="32" name="Google Shape;32;p7"/>
-          <p:cNvSpPr txBox="1"/>
+          <p:cNvSpPr txBox="1">
+            <a:spLocks noGrp="1"/>
+          </p:cNvSpPr>
           <p:nvPr>
             <p:ph type="title"/>
           </p:nvPr>
@@ -4462,7 +4701,7 @@
           </a:prstGeom>
         </p:spPr>
         <p:txBody>
-          <a:bodyPr anchorCtr="0" anchor="b" bIns="91425" lIns="91425" spcFirstLastPara="1" rIns="91425" wrap="square" tIns="91425">
+          <a:bodyPr spcFirstLastPara="1" wrap="square" lIns="91425" tIns="91425" rIns="91425" bIns="91425" anchor="b" anchorCtr="0">
             <a:noAutofit/>
           </a:bodyPr>
           <a:lstStyle>
@@ -4566,15 +4805,19 @@
               <a:defRPr sz="2400"/>
             </a:lvl9pPr>
           </a:lstStyle>
-          <a:p/>
+          <a:p>
+            <a:endParaRPr/>
+          </a:p>
         </p:txBody>
       </p:sp>
       <p:sp>
         <p:nvSpPr>
           <p:cNvPr id="33" name="Google Shape;33;p7"/>
-          <p:cNvSpPr txBox="1"/>
+          <p:cNvSpPr txBox="1">
+            <a:spLocks noGrp="1"/>
+          </p:cNvSpPr>
           <p:nvPr>
-            <p:ph idx="1" type="body"/>
+            <p:ph type="body" idx="1"/>
           </p:nvPr>
         </p:nvSpPr>
         <p:spPr>
@@ -4587,11 +4830,11 @@
           </a:prstGeom>
         </p:spPr>
         <p:txBody>
-          <a:bodyPr anchorCtr="0" anchor="t" bIns="91425" lIns="91425" spcFirstLastPara="1" rIns="91425" wrap="square" tIns="91425">
+          <a:bodyPr spcFirstLastPara="1" wrap="square" lIns="91425" tIns="91425" rIns="91425" bIns="91425" anchor="t" anchorCtr="0">
             <a:noAutofit/>
           </a:bodyPr>
           <a:lstStyle>
-            <a:lvl1pPr indent="-304800" lvl="0" marL="457200">
+            <a:lvl1pPr marL="457200" lvl="0" indent="-304800">
               <a:spcBef>
                 <a:spcPts val="0"/>
               </a:spcBef>
@@ -4602,7 +4845,7 @@
               <a:buChar char="●"/>
               <a:defRPr sz="1200"/>
             </a:lvl1pPr>
-            <a:lvl2pPr indent="-304800" lvl="1" marL="914400">
+            <a:lvl2pPr marL="914400" lvl="1" indent="-304800">
               <a:spcBef>
                 <a:spcPts val="1600"/>
               </a:spcBef>
@@ -4613,7 +4856,7 @@
               <a:buChar char="○"/>
               <a:defRPr sz="1200"/>
             </a:lvl2pPr>
-            <a:lvl3pPr indent="-304800" lvl="2" marL="1371600">
+            <a:lvl3pPr marL="1371600" lvl="2" indent="-304800">
               <a:spcBef>
                 <a:spcPts val="1600"/>
               </a:spcBef>
@@ -4624,7 +4867,7 @@
               <a:buChar char="■"/>
               <a:defRPr sz="1200"/>
             </a:lvl3pPr>
-            <a:lvl4pPr indent="-304800" lvl="3" marL="1828800">
+            <a:lvl4pPr marL="1828800" lvl="3" indent="-304800">
               <a:spcBef>
                 <a:spcPts val="1600"/>
               </a:spcBef>
@@ -4635,7 +4878,7 @@
               <a:buChar char="●"/>
               <a:defRPr sz="1200"/>
             </a:lvl4pPr>
-            <a:lvl5pPr indent="-304800" lvl="4" marL="2286000">
+            <a:lvl5pPr marL="2286000" lvl="4" indent="-304800">
               <a:spcBef>
                 <a:spcPts val="1600"/>
               </a:spcBef>
@@ -4646,7 +4889,7 @@
               <a:buChar char="○"/>
               <a:defRPr sz="1200"/>
             </a:lvl5pPr>
-            <a:lvl6pPr indent="-304800" lvl="5" marL="2743200">
+            <a:lvl6pPr marL="2743200" lvl="5" indent="-304800">
               <a:spcBef>
                 <a:spcPts val="1600"/>
               </a:spcBef>
@@ -4657,7 +4900,7 @@
               <a:buChar char="■"/>
               <a:defRPr sz="1200"/>
             </a:lvl6pPr>
-            <a:lvl7pPr indent="-304800" lvl="6" marL="3200400">
+            <a:lvl7pPr marL="3200400" lvl="6" indent="-304800">
               <a:spcBef>
                 <a:spcPts val="1600"/>
               </a:spcBef>
@@ -4668,7 +4911,7 @@
               <a:buChar char="●"/>
               <a:defRPr sz="1200"/>
             </a:lvl7pPr>
-            <a:lvl8pPr indent="-304800" lvl="7" marL="3657600">
+            <a:lvl8pPr marL="3657600" lvl="7" indent="-304800">
               <a:spcBef>
                 <a:spcPts val="1600"/>
               </a:spcBef>
@@ -4679,7 +4922,7 @@
               <a:buChar char="○"/>
               <a:defRPr sz="1200"/>
             </a:lvl8pPr>
-            <a:lvl9pPr indent="-304800" lvl="8" marL="4114800">
+            <a:lvl9pPr marL="4114800" lvl="8" indent="-304800">
               <a:spcBef>
                 <a:spcPts val="1600"/>
               </a:spcBef>
@@ -4691,15 +4934,19 @@
               <a:defRPr sz="1200"/>
             </a:lvl9pPr>
           </a:lstStyle>
-          <a:p/>
+          <a:p>
+            <a:endParaRPr/>
+          </a:p>
         </p:txBody>
       </p:sp>
       <p:sp>
         <p:nvSpPr>
           <p:cNvPr id="34" name="Google Shape;34;p7"/>
-          <p:cNvSpPr txBox="1"/>
+          <p:cNvSpPr txBox="1">
+            <a:spLocks noGrp="1"/>
+          </p:cNvSpPr>
           <p:nvPr>
-            <p:ph idx="12" type="sldNum"/>
+            <p:ph type="sldNum" idx="12"/>
           </p:nvPr>
         </p:nvSpPr>
         <p:spPr>
@@ -4712,7 +4959,7 @@
           </a:prstGeom>
         </p:spPr>
         <p:txBody>
-          <a:bodyPr anchorCtr="0" anchor="ctr" bIns="91425" lIns="91425" spcFirstLastPara="1" rIns="91425" wrap="square" tIns="91425">
+          <a:bodyPr spcFirstLastPara="1" wrap="square" lIns="91425" tIns="91425" rIns="91425" bIns="91425" anchor="ctr" anchorCtr="0">
             <a:noAutofit/>
           </a:bodyPr>
           <a:lstStyle>
@@ -4754,7 +5001,7 @@
             </a:lvl9pPr>
           </a:lstStyle>
           <a:p>
-            <a:pPr indent="0" lvl="0" marL="0" rtl="0" algn="r">
+            <a:pPr marL="0" lvl="0" indent="0" algn="r" rtl="0">
               <a:spcBef>
                 <a:spcPts val="0"/>
               </a:spcBef>
@@ -4780,18 +5027,19 @@
 </file>
 
 <file path=ppt/slideLayouts/slideLayout7.xml><?xml version="1.0" encoding="utf-8"?>
-<p:sldLayout xmlns:a="http://schemas.openxmlformats.org/drawingml/2006/main" xmlns:r="http://schemas.openxmlformats.org/officeDocument/2006/relationships" xmlns:mc="http://schemas.openxmlformats.org/markup-compatibility/2006" xmlns:mv="urn:schemas-microsoft-com:mac:vml" xmlns:p="http://schemas.openxmlformats.org/presentationml/2006/main" xmlns:c="http://schemas.openxmlformats.org/drawingml/2006/chart" xmlns:dgm="http://schemas.openxmlformats.org/drawingml/2006/diagram" xmlns:o="urn:schemas-microsoft-com:office:office" xmlns:v="urn:schemas-microsoft-com:vml" xmlns:pvml="urn:schemas-microsoft-com:office:powerpoint" xmlns:com="http://schemas.openxmlformats.org/drawingml/2006/compatibility" xmlns:p14="http://schemas.microsoft.com/office/powerpoint/2010/main" xmlns:p15="http://schemas.microsoft.com/office/powerpoint/2012/main" matchingName="Main point">
+<p:sldLayout xmlns:a="http://schemas.openxmlformats.org/drawingml/2006/main" xmlns:r="http://schemas.openxmlformats.org/officeDocument/2006/relationships" xmlns:p="http://schemas.openxmlformats.org/presentationml/2006/main" matchingName="Main point">
   <p:cSld name="MAIN_POINT">
     <p:bg>
       <p:bgPr>
         <a:solidFill>
           <a:schemeClr val="lt2"/>
         </a:solidFill>
+        <a:effectLst/>
       </p:bgPr>
     </p:bg>
     <p:spTree>
       <p:nvGrpSpPr>
-        <p:cNvPr id="35" name="Shape 35"/>
+        <p:cNvPr id="1" name="Shape 35"/>
         <p:cNvGrpSpPr/>
         <p:nvPr/>
       </p:nvGrpSpPr>
@@ -4806,7 +5054,9 @@
       <p:sp>
         <p:nvSpPr>
           <p:cNvPr id="36" name="Google Shape;36;p8"/>
-          <p:cNvSpPr txBox="1"/>
+          <p:cNvSpPr txBox="1">
+            <a:spLocks noGrp="1"/>
+          </p:cNvSpPr>
           <p:nvPr>
             <p:ph type="title"/>
           </p:nvPr>
@@ -4821,7 +5071,7 @@
           </a:prstGeom>
         </p:spPr>
         <p:txBody>
-          <a:bodyPr anchorCtr="0" anchor="ctr" bIns="91425" lIns="91425" spcFirstLastPara="1" rIns="91425" wrap="square" tIns="91425">
+          <a:bodyPr spcFirstLastPara="1" wrap="square" lIns="91425" tIns="91425" rIns="91425" bIns="91425" anchor="ctr" anchorCtr="0">
             <a:noAutofit/>
           </a:bodyPr>
           <a:lstStyle>
@@ -4925,15 +5175,19 @@
               <a:defRPr sz="4800"/>
             </a:lvl9pPr>
           </a:lstStyle>
-          <a:p/>
+          <a:p>
+            <a:endParaRPr/>
+          </a:p>
         </p:txBody>
       </p:sp>
       <p:sp>
         <p:nvSpPr>
           <p:cNvPr id="37" name="Google Shape;37;p8"/>
-          <p:cNvSpPr txBox="1"/>
+          <p:cNvSpPr txBox="1">
+            <a:spLocks noGrp="1"/>
+          </p:cNvSpPr>
           <p:nvPr>
-            <p:ph idx="12" type="sldNum"/>
+            <p:ph type="sldNum" idx="12"/>
           </p:nvPr>
         </p:nvSpPr>
         <p:spPr>
@@ -4946,7 +5200,7 @@
           </a:prstGeom>
         </p:spPr>
         <p:txBody>
-          <a:bodyPr anchorCtr="0" anchor="ctr" bIns="91425" lIns="91425" spcFirstLastPara="1" rIns="91425" wrap="square" tIns="91425">
+          <a:bodyPr spcFirstLastPara="1" wrap="square" lIns="91425" tIns="91425" rIns="91425" bIns="91425" anchor="ctr" anchorCtr="0">
             <a:noAutofit/>
           </a:bodyPr>
           <a:lstStyle>
@@ -4988,7 +5242,7 @@
             </a:lvl9pPr>
           </a:lstStyle>
           <a:p>
-            <a:pPr indent="0" lvl="0" marL="0" rtl="0" algn="r">
+            <a:pPr marL="0" lvl="0" indent="0" algn="r" rtl="0">
               <a:spcBef>
                 <a:spcPts val="0"/>
               </a:spcBef>
@@ -5014,11 +5268,11 @@
 </file>
 
 <file path=ppt/slideLayouts/slideLayout8.xml><?xml version="1.0" encoding="utf-8"?>
-<p:sldLayout xmlns:a="http://schemas.openxmlformats.org/drawingml/2006/main" xmlns:r="http://schemas.openxmlformats.org/officeDocument/2006/relationships" xmlns:mc="http://schemas.openxmlformats.org/markup-compatibility/2006" xmlns:mv="urn:schemas-microsoft-com:mac:vml" xmlns:p="http://schemas.openxmlformats.org/presentationml/2006/main" xmlns:c="http://schemas.openxmlformats.org/drawingml/2006/chart" xmlns:dgm="http://schemas.openxmlformats.org/drawingml/2006/diagram" xmlns:o="urn:schemas-microsoft-com:office:office" xmlns:v="urn:schemas-microsoft-com:vml" xmlns:pvml="urn:schemas-microsoft-com:office:powerpoint" xmlns:com="http://schemas.openxmlformats.org/drawingml/2006/compatibility" xmlns:p14="http://schemas.microsoft.com/office/powerpoint/2010/main" xmlns:p15="http://schemas.microsoft.com/office/powerpoint/2012/main" matchingName="Section title and description">
+<p:sldLayout xmlns:a="http://schemas.openxmlformats.org/drawingml/2006/main" xmlns:r="http://schemas.openxmlformats.org/officeDocument/2006/relationships" xmlns:p="http://schemas.openxmlformats.org/presentationml/2006/main" matchingName="Section title and description">
   <p:cSld name="SECTION_TITLE_AND_DESCRIPTION">
     <p:spTree>
       <p:nvGrpSpPr>
-        <p:cNvPr id="38" name="Shape 38"/>
+        <p:cNvPr id="1" name="Shape 38"/>
         <p:cNvGrpSpPr/>
         <p:nvPr/>
       </p:nvGrpSpPr>
@@ -5052,12 +5306,12 @@
           </a:ln>
         </p:spPr>
         <p:txBody>
-          <a:bodyPr anchorCtr="0" anchor="ctr" bIns="91425" lIns="91425" spcFirstLastPara="1" rIns="91425" wrap="square" tIns="91425">
+          <a:bodyPr spcFirstLastPara="1" wrap="square" lIns="91425" tIns="91425" rIns="91425" bIns="91425" anchor="ctr" anchorCtr="0">
             <a:noAutofit/>
           </a:bodyPr>
           <a:lstStyle/>
           <a:p>
-            <a:pPr indent="0" lvl="0" marL="0" rtl="0" algn="l">
+            <a:pPr marL="0" lvl="0" indent="0" algn="l" rtl="0">
               <a:spcBef>
                 <a:spcPts val="0"/>
               </a:spcBef>
@@ -5066,9 +5320,6 @@
               </a:spcAft>
               <a:buNone/>
             </a:pPr>
-            <a:r>
-              <a:t/>
-            </a:r>
             <a:endParaRPr/>
           </a:p>
         </p:txBody>
@@ -5088,21 +5339,23 @@
             <a:avLst/>
           </a:prstGeom>
           <a:noFill/>
-          <a:ln cap="flat" cmpd="sng" w="19050">
+          <a:ln w="19050" cap="flat" cmpd="sng">
             <a:solidFill>
               <a:schemeClr val="lt2"/>
             </a:solidFill>
             <a:prstDash val="solid"/>
             <a:round/>
-            <a:headEnd len="sm" w="sm" type="none"/>
-            <a:tailEnd len="sm" w="sm" type="none"/>
+            <a:headEnd type="none" w="sm" len="sm"/>
+            <a:tailEnd type="none" w="sm" len="sm"/>
           </a:ln>
         </p:spPr>
       </p:cxnSp>
       <p:sp>
         <p:nvSpPr>
           <p:cNvPr id="41" name="Google Shape;41;p9"/>
-          <p:cNvSpPr txBox="1"/>
+          <p:cNvSpPr txBox="1">
+            <a:spLocks noGrp="1"/>
+          </p:cNvSpPr>
           <p:nvPr>
             <p:ph type="title"/>
           </p:nvPr>
@@ -5117,7 +5370,7 @@
           </a:prstGeom>
         </p:spPr>
         <p:txBody>
-          <a:bodyPr anchorCtr="0" anchor="b" bIns="91425" lIns="91425" spcFirstLastPara="1" rIns="91425" wrap="square" tIns="91425">
+          <a:bodyPr spcFirstLastPara="1" wrap="square" lIns="91425" tIns="91425" rIns="91425" bIns="91425" anchor="b" anchorCtr="0">
             <a:noAutofit/>
           </a:bodyPr>
           <a:lstStyle>
@@ -5221,15 +5474,19 @@
               <a:defRPr sz="4200"/>
             </a:lvl9pPr>
           </a:lstStyle>
-          <a:p/>
+          <a:p>
+            <a:endParaRPr/>
+          </a:p>
         </p:txBody>
       </p:sp>
       <p:sp>
         <p:nvSpPr>
           <p:cNvPr id="42" name="Google Shape;42;p9"/>
-          <p:cNvSpPr txBox="1"/>
+          <p:cNvSpPr txBox="1">
+            <a:spLocks noGrp="1"/>
+          </p:cNvSpPr>
           <p:nvPr>
-            <p:ph idx="1" type="subTitle"/>
+            <p:ph type="subTitle" idx="1"/>
           </p:nvPr>
         </p:nvSpPr>
         <p:spPr>
@@ -5242,7 +5499,7 @@
           </a:prstGeom>
         </p:spPr>
         <p:txBody>
-          <a:bodyPr anchorCtr="0" anchor="t" bIns="91425" lIns="91425" spcFirstLastPara="1" rIns="91425" wrap="square" tIns="91425">
+          <a:bodyPr spcFirstLastPara="1" wrap="square" lIns="91425" tIns="91425" rIns="91425" bIns="91425" anchor="t" anchorCtr="0">
             <a:noAutofit/>
           </a:bodyPr>
           <a:lstStyle>
@@ -5373,15 +5630,19 @@
               <a:defRPr sz="2100"/>
             </a:lvl9pPr>
           </a:lstStyle>
-          <a:p/>
+          <a:p>
+            <a:endParaRPr/>
+          </a:p>
         </p:txBody>
       </p:sp>
       <p:sp>
         <p:nvSpPr>
           <p:cNvPr id="43" name="Google Shape;43;p9"/>
-          <p:cNvSpPr txBox="1"/>
+          <p:cNvSpPr txBox="1">
+            <a:spLocks noGrp="1"/>
+          </p:cNvSpPr>
           <p:nvPr>
-            <p:ph idx="2" type="body"/>
+            <p:ph type="body" idx="2"/>
           </p:nvPr>
         </p:nvSpPr>
         <p:spPr>
@@ -5394,11 +5655,11 @@
           </a:prstGeom>
         </p:spPr>
         <p:txBody>
-          <a:bodyPr anchorCtr="0" anchor="ctr" bIns="91425" lIns="91425" spcFirstLastPara="1" rIns="91425" wrap="square" tIns="91425">
+          <a:bodyPr spcFirstLastPara="1" wrap="square" lIns="91425" tIns="91425" rIns="91425" bIns="91425" anchor="ctr" anchorCtr="0">
             <a:noAutofit/>
           </a:bodyPr>
           <a:lstStyle>
-            <a:lvl1pPr indent="-342900" lvl="0" marL="457200">
+            <a:lvl1pPr marL="457200" lvl="0" indent="-342900">
               <a:spcBef>
                 <a:spcPts val="0"/>
               </a:spcBef>
@@ -5416,7 +5677,7 @@
                 </a:solidFill>
               </a:defRPr>
             </a:lvl1pPr>
-            <a:lvl2pPr indent="-317500" lvl="1" marL="914400">
+            <a:lvl2pPr marL="914400" lvl="1" indent="-317500">
               <a:spcBef>
                 <a:spcPts val="1600"/>
               </a:spcBef>
@@ -5434,7 +5695,7 @@
                 </a:solidFill>
               </a:defRPr>
             </a:lvl2pPr>
-            <a:lvl3pPr indent="-317500" lvl="2" marL="1371600">
+            <a:lvl3pPr marL="1371600" lvl="2" indent="-317500">
               <a:spcBef>
                 <a:spcPts val="1600"/>
               </a:spcBef>
@@ -5452,7 +5713,7 @@
                 </a:solidFill>
               </a:defRPr>
             </a:lvl3pPr>
-            <a:lvl4pPr indent="-317500" lvl="3" marL="1828800">
+            <a:lvl4pPr marL="1828800" lvl="3" indent="-317500">
               <a:spcBef>
                 <a:spcPts val="1600"/>
               </a:spcBef>
@@ -5470,7 +5731,7 @@
                 </a:solidFill>
               </a:defRPr>
             </a:lvl4pPr>
-            <a:lvl5pPr indent="-317500" lvl="4" marL="2286000">
+            <a:lvl5pPr marL="2286000" lvl="4" indent="-317500">
               <a:spcBef>
                 <a:spcPts val="1600"/>
               </a:spcBef>
@@ -5488,7 +5749,7 @@
                 </a:solidFill>
               </a:defRPr>
             </a:lvl5pPr>
-            <a:lvl6pPr indent="-317500" lvl="5" marL="2743200">
+            <a:lvl6pPr marL="2743200" lvl="5" indent="-317500">
               <a:spcBef>
                 <a:spcPts val="1600"/>
               </a:spcBef>
@@ -5506,7 +5767,7 @@
                 </a:solidFill>
               </a:defRPr>
             </a:lvl6pPr>
-            <a:lvl7pPr indent="-317500" lvl="6" marL="3200400">
+            <a:lvl7pPr marL="3200400" lvl="6" indent="-317500">
               <a:spcBef>
                 <a:spcPts val="1600"/>
               </a:spcBef>
@@ -5524,7 +5785,7 @@
                 </a:solidFill>
               </a:defRPr>
             </a:lvl7pPr>
-            <a:lvl8pPr indent="-317500" lvl="7" marL="3657600">
+            <a:lvl8pPr marL="3657600" lvl="7" indent="-317500">
               <a:spcBef>
                 <a:spcPts val="1600"/>
               </a:spcBef>
@@ -5542,7 +5803,7 @@
                 </a:solidFill>
               </a:defRPr>
             </a:lvl8pPr>
-            <a:lvl9pPr indent="-317500" lvl="8" marL="4114800">
+            <a:lvl9pPr marL="4114800" lvl="8" indent="-317500">
               <a:spcBef>
                 <a:spcPts val="1600"/>
               </a:spcBef>
@@ -5561,15 +5822,19 @@
               </a:defRPr>
             </a:lvl9pPr>
           </a:lstStyle>
-          <a:p/>
+          <a:p>
+            <a:endParaRPr/>
+          </a:p>
         </p:txBody>
       </p:sp>
       <p:sp>
         <p:nvSpPr>
           <p:cNvPr id="44" name="Google Shape;44;p9"/>
-          <p:cNvSpPr txBox="1"/>
+          <p:cNvSpPr txBox="1">
+            <a:spLocks noGrp="1"/>
+          </p:cNvSpPr>
           <p:nvPr>
-            <p:ph idx="12" type="sldNum"/>
+            <p:ph type="sldNum" idx="12"/>
           </p:nvPr>
         </p:nvSpPr>
         <p:spPr>
@@ -5582,7 +5847,7 @@
           </a:prstGeom>
         </p:spPr>
         <p:txBody>
-          <a:bodyPr anchorCtr="0" anchor="ctr" bIns="91425" lIns="91425" spcFirstLastPara="1" rIns="91425" wrap="square" tIns="91425">
+          <a:bodyPr spcFirstLastPara="1" wrap="square" lIns="91425" tIns="91425" rIns="91425" bIns="91425" anchor="ctr" anchorCtr="0">
             <a:noAutofit/>
           </a:bodyPr>
           <a:lstStyle>
@@ -5660,7 +5925,7 @@
             </a:lvl9pPr>
           </a:lstStyle>
           <a:p>
-            <a:pPr indent="0" lvl="0" marL="0" rtl="0" algn="r">
+            <a:pPr marL="0" lvl="0" indent="0" algn="r" rtl="0">
               <a:spcBef>
                 <a:spcPts val="0"/>
               </a:spcBef>
@@ -5686,11 +5951,11 @@
 </file>
 
 <file path=ppt/slideLayouts/slideLayout9.xml><?xml version="1.0" encoding="utf-8"?>
-<p:sldLayout xmlns:a="http://schemas.openxmlformats.org/drawingml/2006/main" xmlns:r="http://schemas.openxmlformats.org/officeDocument/2006/relationships" xmlns:mc="http://schemas.openxmlformats.org/markup-compatibility/2006" xmlns:mv="urn:schemas-microsoft-com:mac:vml" xmlns:p="http://schemas.openxmlformats.org/presentationml/2006/main" xmlns:c="http://schemas.openxmlformats.org/drawingml/2006/chart" xmlns:dgm="http://schemas.openxmlformats.org/drawingml/2006/diagram" xmlns:o="urn:schemas-microsoft-com:office:office" xmlns:v="urn:schemas-microsoft-com:vml" xmlns:pvml="urn:schemas-microsoft-com:office:powerpoint" xmlns:com="http://schemas.openxmlformats.org/drawingml/2006/compatibility" xmlns:p14="http://schemas.microsoft.com/office/powerpoint/2010/main" xmlns:p15="http://schemas.microsoft.com/office/powerpoint/2012/main" matchingName="Caption">
+<p:sldLayout xmlns:a="http://schemas.openxmlformats.org/drawingml/2006/main" xmlns:r="http://schemas.openxmlformats.org/officeDocument/2006/relationships" xmlns:p="http://schemas.openxmlformats.org/presentationml/2006/main" matchingName="Caption">
   <p:cSld name="CAPTION_ONLY">
     <p:spTree>
       <p:nvGrpSpPr>
-        <p:cNvPr id="45" name="Shape 45"/>
+        <p:cNvPr id="1" name="Shape 45"/>
         <p:cNvGrpSpPr/>
         <p:nvPr/>
       </p:nvGrpSpPr>
@@ -5705,9 +5970,11 @@
       <p:sp>
         <p:nvSpPr>
           <p:cNvPr id="46" name="Google Shape;46;p10"/>
-          <p:cNvSpPr txBox="1"/>
+          <p:cNvSpPr txBox="1">
+            <a:spLocks noGrp="1"/>
+          </p:cNvSpPr>
           <p:nvPr>
-            <p:ph idx="1" type="body"/>
+            <p:ph type="body" idx="1"/>
           </p:nvPr>
         </p:nvSpPr>
         <p:spPr>
@@ -5720,11 +5987,11 @@
           </a:prstGeom>
         </p:spPr>
         <p:txBody>
-          <a:bodyPr anchorCtr="0" anchor="ctr" bIns="91425" lIns="91425" spcFirstLastPara="1" rIns="91425" wrap="square" tIns="91425">
+          <a:bodyPr spcFirstLastPara="1" wrap="square" lIns="91425" tIns="91425" rIns="91425" bIns="91425" anchor="ctr" anchorCtr="0">
             <a:noAutofit/>
           </a:bodyPr>
           <a:lstStyle>
-            <a:lvl1pPr indent="-228600" lvl="0" marL="457200">
+            <a:lvl1pPr marL="457200" lvl="0" indent="-228600">
               <a:lnSpc>
                 <a:spcPct val="100000"/>
               </a:lnSpc>
@@ -5739,15 +6006,19 @@
               <a:defRPr sz="2100"/>
             </a:lvl1pPr>
           </a:lstStyle>
-          <a:p/>
+          <a:p>
+            <a:endParaRPr/>
+          </a:p>
         </p:txBody>
       </p:sp>
       <p:sp>
         <p:nvSpPr>
           <p:cNvPr id="47" name="Google Shape;47;p10"/>
-          <p:cNvSpPr txBox="1"/>
+          <p:cNvSpPr txBox="1">
+            <a:spLocks noGrp="1"/>
+          </p:cNvSpPr>
           <p:nvPr>
-            <p:ph idx="12" type="sldNum"/>
+            <p:ph type="sldNum" idx="12"/>
           </p:nvPr>
         </p:nvSpPr>
         <p:spPr>
@@ -5760,7 +6031,7 @@
           </a:prstGeom>
         </p:spPr>
         <p:txBody>
-          <a:bodyPr anchorCtr="0" anchor="ctr" bIns="91425" lIns="91425" spcFirstLastPara="1" rIns="91425" wrap="square" tIns="91425">
+          <a:bodyPr spcFirstLastPara="1" wrap="square" lIns="91425" tIns="91425" rIns="91425" bIns="91425" anchor="ctr" anchorCtr="0">
             <a:noAutofit/>
           </a:bodyPr>
           <a:lstStyle>
@@ -5802,7 +6073,7 @@
             </a:lvl9pPr>
           </a:lstStyle>
           <a:p>
-            <a:pPr indent="0" lvl="0" marL="0" rtl="0" algn="r">
+            <a:pPr marL="0" lvl="0" indent="0" algn="r" rtl="0">
               <a:spcBef>
                 <a:spcPts val="0"/>
               </a:spcBef>
@@ -5828,18 +6099,19 @@
 </file>
 
 <file path=ppt/slideMasters/slideMaster1.xml><?xml version="1.0" encoding="utf-8"?>
-<p:sldMaster xmlns:a="http://schemas.openxmlformats.org/drawingml/2006/main" xmlns:r="http://schemas.openxmlformats.org/officeDocument/2006/relationships" xmlns:mc="http://schemas.openxmlformats.org/markup-compatibility/2006" xmlns:mv="urn:schemas-microsoft-com:mac:vml" xmlns:p="http://schemas.openxmlformats.org/presentationml/2006/main" xmlns:c="http://schemas.openxmlformats.org/drawingml/2006/chart" xmlns:dgm="http://schemas.openxmlformats.org/drawingml/2006/diagram" xmlns:o="urn:schemas-microsoft-com:office:office" xmlns:v="urn:schemas-microsoft-com:vml" xmlns:pvml="urn:schemas-microsoft-com:office:powerpoint" xmlns:com="http://schemas.openxmlformats.org/drawingml/2006/compatibility" xmlns:p14="http://schemas.microsoft.com/office/powerpoint/2010/main" xmlns:p15="http://schemas.microsoft.com/office/powerpoint/2012/main">
+<p:sldMaster xmlns:a="http://schemas.openxmlformats.org/drawingml/2006/main" xmlns:r="http://schemas.openxmlformats.org/officeDocument/2006/relationships" xmlns:p="http://schemas.openxmlformats.org/presentationml/2006/main">
   <p:cSld name="spearmint">
     <p:bg>
       <p:bgPr>
         <a:solidFill>
           <a:schemeClr val="lt1"/>
         </a:solidFill>
+        <a:effectLst/>
       </p:bgPr>
     </p:bg>
     <p:spTree>
       <p:nvGrpSpPr>
-        <p:cNvPr id="5" name="Shape 5"/>
+        <p:cNvPr id="1" name="Shape 5"/>
         <p:cNvGrpSpPr/>
         <p:nvPr/>
       </p:nvGrpSpPr>
@@ -5854,7 +6126,9 @@
       <p:sp>
         <p:nvSpPr>
           <p:cNvPr id="6" name="Google Shape;6;p1"/>
-          <p:cNvSpPr txBox="1"/>
+          <p:cNvSpPr txBox="1">
+            <a:spLocks noGrp="1"/>
+          </p:cNvSpPr>
           <p:nvPr>
             <p:ph type="title"/>
           </p:nvPr>
@@ -5873,7 +6147,7 @@
           </a:ln>
         </p:spPr>
         <p:txBody>
-          <a:bodyPr anchorCtr="0" anchor="t" bIns="91425" lIns="91425" spcFirstLastPara="1" rIns="91425" wrap="square" tIns="91425">
+          <a:bodyPr spcFirstLastPara="1" wrap="square" lIns="91425" tIns="91425" rIns="91425" bIns="91425" anchor="t" anchorCtr="0">
             <a:noAutofit/>
           </a:bodyPr>
           <a:lstStyle>
@@ -6085,15 +6359,19 @@
               </a:defRPr>
             </a:lvl9pPr>
           </a:lstStyle>
-          <a:p/>
+          <a:p>
+            <a:endParaRPr/>
+          </a:p>
         </p:txBody>
       </p:sp>
       <p:sp>
         <p:nvSpPr>
           <p:cNvPr id="7" name="Google Shape;7;p1"/>
-          <p:cNvSpPr txBox="1"/>
+          <p:cNvSpPr txBox="1">
+            <a:spLocks noGrp="1"/>
+          </p:cNvSpPr>
           <p:nvPr>
-            <p:ph idx="1" type="body"/>
+            <p:ph type="body" idx="1"/>
           </p:nvPr>
         </p:nvSpPr>
         <p:spPr>
@@ -6110,11 +6388,11 @@
           </a:ln>
         </p:spPr>
         <p:txBody>
-          <a:bodyPr anchorCtr="0" anchor="t" bIns="91425" lIns="91425" spcFirstLastPara="1" rIns="91425" wrap="square" tIns="91425">
+          <a:bodyPr spcFirstLastPara="1" wrap="square" lIns="91425" tIns="91425" rIns="91425" bIns="91425" anchor="t" anchorCtr="0">
             <a:noAutofit/>
           </a:bodyPr>
           <a:lstStyle>
-            <a:lvl1pPr indent="-342900" lvl="0" marL="457200">
+            <a:lvl1pPr marL="457200" lvl="0" indent="-342900">
               <a:lnSpc>
                 <a:spcPct val="115000"/>
               </a:lnSpc>
@@ -6140,7 +6418,7 @@
                 <a:sym typeface="Proxima Nova"/>
               </a:defRPr>
             </a:lvl1pPr>
-            <a:lvl2pPr indent="-317500" lvl="1" marL="914400">
+            <a:lvl2pPr marL="914400" lvl="1" indent="-317500">
               <a:lnSpc>
                 <a:spcPct val="115000"/>
               </a:lnSpc>
@@ -6166,7 +6444,7 @@
                 <a:sym typeface="Proxima Nova"/>
               </a:defRPr>
             </a:lvl2pPr>
-            <a:lvl3pPr indent="-317500" lvl="2" marL="1371600">
+            <a:lvl3pPr marL="1371600" lvl="2" indent="-317500">
               <a:lnSpc>
                 <a:spcPct val="115000"/>
               </a:lnSpc>
@@ -6192,7 +6470,7 @@
                 <a:sym typeface="Proxima Nova"/>
               </a:defRPr>
             </a:lvl3pPr>
-            <a:lvl4pPr indent="-317500" lvl="3" marL="1828800">
+            <a:lvl4pPr marL="1828800" lvl="3" indent="-317500">
               <a:lnSpc>
                 <a:spcPct val="115000"/>
               </a:lnSpc>
@@ -6218,7 +6496,7 @@
                 <a:sym typeface="Proxima Nova"/>
               </a:defRPr>
             </a:lvl4pPr>
-            <a:lvl5pPr indent="-317500" lvl="4" marL="2286000">
+            <a:lvl5pPr marL="2286000" lvl="4" indent="-317500">
               <a:lnSpc>
                 <a:spcPct val="115000"/>
               </a:lnSpc>
@@ -6244,7 +6522,7 @@
                 <a:sym typeface="Proxima Nova"/>
               </a:defRPr>
             </a:lvl5pPr>
-            <a:lvl6pPr indent="-317500" lvl="5" marL="2743200">
+            <a:lvl6pPr marL="2743200" lvl="5" indent="-317500">
               <a:lnSpc>
                 <a:spcPct val="115000"/>
               </a:lnSpc>
@@ -6270,7 +6548,7 @@
                 <a:sym typeface="Proxima Nova"/>
               </a:defRPr>
             </a:lvl6pPr>
-            <a:lvl7pPr indent="-317500" lvl="6" marL="3200400">
+            <a:lvl7pPr marL="3200400" lvl="6" indent="-317500">
               <a:lnSpc>
                 <a:spcPct val="115000"/>
               </a:lnSpc>
@@ -6296,7 +6574,7 @@
                 <a:sym typeface="Proxima Nova"/>
               </a:defRPr>
             </a:lvl7pPr>
-            <a:lvl8pPr indent="-317500" lvl="7" marL="3657600">
+            <a:lvl8pPr marL="3657600" lvl="7" indent="-317500">
               <a:lnSpc>
                 <a:spcPct val="115000"/>
               </a:lnSpc>
@@ -6322,7 +6600,7 @@
                 <a:sym typeface="Proxima Nova"/>
               </a:defRPr>
             </a:lvl8pPr>
-            <a:lvl9pPr indent="-317500" lvl="8" marL="4114800">
+            <a:lvl9pPr marL="4114800" lvl="8" indent="-317500">
               <a:lnSpc>
                 <a:spcPct val="115000"/>
               </a:lnSpc>
@@ -6349,15 +6627,19 @@
               </a:defRPr>
             </a:lvl9pPr>
           </a:lstStyle>
-          <a:p/>
+          <a:p>
+            <a:endParaRPr/>
+          </a:p>
         </p:txBody>
       </p:sp>
       <p:sp>
         <p:nvSpPr>
           <p:cNvPr id="8" name="Google Shape;8;p1"/>
-          <p:cNvSpPr txBox="1"/>
+          <p:cNvSpPr txBox="1">
+            <a:spLocks noGrp="1"/>
+          </p:cNvSpPr>
           <p:nvPr>
-            <p:ph idx="12" type="sldNum"/>
+            <p:ph type="sldNum" idx="12"/>
           </p:nvPr>
         </p:nvSpPr>
         <p:spPr>
@@ -6374,7 +6656,7 @@
           </a:ln>
         </p:spPr>
         <p:txBody>
-          <a:bodyPr anchorCtr="0" anchor="ctr" bIns="91425" lIns="91425" spcFirstLastPara="1" rIns="91425" wrap="square" tIns="91425">
+          <a:bodyPr spcFirstLastPara="1" wrap="square" lIns="91425" tIns="91425" rIns="91425" bIns="91425" anchor="ctr" anchorCtr="0">
             <a:noAutofit/>
           </a:bodyPr>
           <a:lstStyle>
@@ -6488,7 +6770,7 @@
             </a:lvl9pPr>
           </a:lstStyle>
           <a:p>
-            <a:pPr indent="0" lvl="0" marL="0" rtl="0" algn="r">
+            <a:pPr marL="0" lvl="0" indent="0" algn="r" rtl="0">
               <a:spcBef>
                 <a:spcPts val="0"/>
               </a:spcBef>
@@ -6507,7 +6789,7 @@
       </p:sp>
     </p:spTree>
   </p:cSld>
-  <p:clrMap accent1="accent1" accent2="accent2" accent3="accent3" accent4="accent4" accent5="accent5" accent6="accent6" bg1="lt1" bg2="dk2" tx1="dk1" tx2="lt2" folHlink="folHlink" hlink="hlink"/>
+  <p:clrMap bg1="lt1" tx1="dk1" bg2="dk2" tx2="lt2" accent1="accent1" accent2="accent2" accent3="accent3" accent4="accent4" accent5="accent5" accent6="accent6" hlink="hlink" folHlink="folHlink"/>
   <p:sldLayoutIdLst>
     <p:sldLayoutId id="2147483648" r:id="rId1"/>
     <p:sldLayoutId id="2147483649" r:id="rId2"/>
@@ -6521,10 +6803,10 @@
     <p:sldLayoutId id="2147483657" r:id="rId10"/>
     <p:sldLayoutId id="2147483658" r:id="rId11"/>
   </p:sldLayoutIdLst>
-  <p:hf dt="0" ftr="0" hdr="0" sldNum="0"/>
+  <p:hf sldNum="0" hdr="0" ftr="0" dt="0"/>
   <p:txStyles>
     <p:titleStyle>
-      <a:defPPr lvl="0" marR="0" rtl="0" algn="l">
+      <a:defPPr marR="0" lvl="0" algn="l" rtl="0">
         <a:lnSpc>
           <a:spcPct val="100000"/>
         </a:lnSpc>
@@ -6535,7 +6817,7 @@
           <a:spcPts val="0"/>
         </a:spcAft>
       </a:defPPr>
-      <a:lvl1pPr lvl="0" marR="0" rtl="0" algn="l">
+      <a:lvl1pPr marR="0" lvl="0" algn="l" rtl="0">
         <a:lnSpc>
           <a:spcPct val="100000"/>
         </a:lnSpc>
@@ -6549,7 +6831,7 @@
           <a:srgbClr val="000000"/>
         </a:buClr>
         <a:buFont typeface="Arial"/>
-        <a:defRPr b="0" i="0" sz="1400" u="none" cap="none" strike="noStrike">
+        <a:defRPr sz="1400" b="0" i="0" u="none" strike="noStrike" cap="none">
           <a:solidFill>
             <a:srgbClr val="000000"/>
           </a:solidFill>
@@ -6559,7 +6841,7 @@
           <a:sym typeface="Arial"/>
         </a:defRPr>
       </a:lvl1pPr>
-      <a:lvl2pPr lvl="1" marR="0" rtl="0" algn="l">
+      <a:lvl2pPr marR="0" lvl="1" algn="l" rtl="0">
         <a:lnSpc>
           <a:spcPct val="100000"/>
         </a:lnSpc>
@@ -6573,7 +6855,7 @@
           <a:srgbClr val="000000"/>
         </a:buClr>
         <a:buFont typeface="Arial"/>
-        <a:defRPr b="0" i="0" sz="1400" u="none" cap="none" strike="noStrike">
+        <a:defRPr sz="1400" b="0" i="0" u="none" strike="noStrike" cap="none">
           <a:solidFill>
             <a:srgbClr val="000000"/>
           </a:solidFill>
@@ -6583,7 +6865,7 @@
           <a:sym typeface="Arial"/>
         </a:defRPr>
       </a:lvl2pPr>
-      <a:lvl3pPr lvl="2" marR="0" rtl="0" algn="l">
+      <a:lvl3pPr marR="0" lvl="2" algn="l" rtl="0">
         <a:lnSpc>
           <a:spcPct val="100000"/>
         </a:lnSpc>
@@ -6597,7 +6879,7 @@
           <a:srgbClr val="000000"/>
         </a:buClr>
         <a:buFont typeface="Arial"/>
-        <a:defRPr b="0" i="0" sz="1400" u="none" cap="none" strike="noStrike">
+        <a:defRPr sz="1400" b="0" i="0" u="none" strike="noStrike" cap="none">
           <a:solidFill>
             <a:srgbClr val="000000"/>
           </a:solidFill>
@@ -6607,7 +6889,7 @@
           <a:sym typeface="Arial"/>
         </a:defRPr>
       </a:lvl3pPr>
-      <a:lvl4pPr lvl="3" marR="0" rtl="0" algn="l">
+      <a:lvl4pPr marR="0" lvl="3" algn="l" rtl="0">
         <a:lnSpc>
           <a:spcPct val="100000"/>
         </a:lnSpc>
@@ -6621,7 +6903,7 @@
           <a:srgbClr val="000000"/>
         </a:buClr>
         <a:buFont typeface="Arial"/>
-        <a:defRPr b="0" i="0" sz="1400" u="none" cap="none" strike="noStrike">
+        <a:defRPr sz="1400" b="0" i="0" u="none" strike="noStrike" cap="none">
           <a:solidFill>
             <a:srgbClr val="000000"/>
           </a:solidFill>
@@ -6631,7 +6913,7 @@
           <a:sym typeface="Arial"/>
         </a:defRPr>
       </a:lvl4pPr>
-      <a:lvl5pPr lvl="4" marR="0" rtl="0" algn="l">
+      <a:lvl5pPr marR="0" lvl="4" algn="l" rtl="0">
         <a:lnSpc>
           <a:spcPct val="100000"/>
         </a:lnSpc>
@@ -6645,7 +6927,7 @@
           <a:srgbClr val="000000"/>
         </a:buClr>
         <a:buFont typeface="Arial"/>
-        <a:defRPr b="0" i="0" sz="1400" u="none" cap="none" strike="noStrike">
+        <a:defRPr sz="1400" b="0" i="0" u="none" strike="noStrike" cap="none">
           <a:solidFill>
             <a:srgbClr val="000000"/>
           </a:solidFill>
@@ -6655,7 +6937,7 @@
           <a:sym typeface="Arial"/>
         </a:defRPr>
       </a:lvl5pPr>
-      <a:lvl6pPr lvl="5" marR="0" rtl="0" algn="l">
+      <a:lvl6pPr marR="0" lvl="5" algn="l" rtl="0">
         <a:lnSpc>
           <a:spcPct val="100000"/>
         </a:lnSpc>
@@ -6669,7 +6951,7 @@
           <a:srgbClr val="000000"/>
         </a:buClr>
         <a:buFont typeface="Arial"/>
-        <a:defRPr b="0" i="0" sz="1400" u="none" cap="none" strike="noStrike">
+        <a:defRPr sz="1400" b="0" i="0" u="none" strike="noStrike" cap="none">
           <a:solidFill>
             <a:srgbClr val="000000"/>
           </a:solidFill>
@@ -6679,7 +6961,7 @@
           <a:sym typeface="Arial"/>
         </a:defRPr>
       </a:lvl6pPr>
-      <a:lvl7pPr lvl="6" marR="0" rtl="0" algn="l">
+      <a:lvl7pPr marR="0" lvl="6" algn="l" rtl="0">
         <a:lnSpc>
           <a:spcPct val="100000"/>
         </a:lnSpc>
@@ -6693,7 +6975,7 @@
           <a:srgbClr val="000000"/>
         </a:buClr>
         <a:buFont typeface="Arial"/>
-        <a:defRPr b="0" i="0" sz="1400" u="none" cap="none" strike="noStrike">
+        <a:defRPr sz="1400" b="0" i="0" u="none" strike="noStrike" cap="none">
           <a:solidFill>
             <a:srgbClr val="000000"/>
           </a:solidFill>
@@ -6703,7 +6985,7 @@
           <a:sym typeface="Arial"/>
         </a:defRPr>
       </a:lvl7pPr>
-      <a:lvl8pPr lvl="7" marR="0" rtl="0" algn="l">
+      <a:lvl8pPr marR="0" lvl="7" algn="l" rtl="0">
         <a:lnSpc>
           <a:spcPct val="100000"/>
         </a:lnSpc>
@@ -6717,7 +6999,7 @@
           <a:srgbClr val="000000"/>
         </a:buClr>
         <a:buFont typeface="Arial"/>
-        <a:defRPr b="0" i="0" sz="1400" u="none" cap="none" strike="noStrike">
+        <a:defRPr sz="1400" b="0" i="0" u="none" strike="noStrike" cap="none">
           <a:solidFill>
             <a:srgbClr val="000000"/>
           </a:solidFill>
@@ -6727,7 +7009,7 @@
           <a:sym typeface="Arial"/>
         </a:defRPr>
       </a:lvl8pPr>
-      <a:lvl9pPr lvl="8" marR="0" rtl="0" algn="l">
+      <a:lvl9pPr marR="0" lvl="8" algn="l" rtl="0">
         <a:lnSpc>
           <a:spcPct val="100000"/>
         </a:lnSpc>
@@ -6741,7 +7023,7 @@
           <a:srgbClr val="000000"/>
         </a:buClr>
         <a:buFont typeface="Arial"/>
-        <a:defRPr b="0" i="0" sz="1400" u="none" cap="none" strike="noStrike">
+        <a:defRPr sz="1400" b="0" i="0" u="none" strike="noStrike" cap="none">
           <a:solidFill>
             <a:srgbClr val="000000"/>
           </a:solidFill>
@@ -6753,7 +7035,7 @@
       </a:lvl9pPr>
     </p:titleStyle>
     <p:bodyStyle>
-      <a:defPPr lvl="0" marR="0" rtl="0" algn="l">
+      <a:defPPr marR="0" lvl="0" algn="l" rtl="0">
         <a:lnSpc>
           <a:spcPct val="100000"/>
         </a:lnSpc>
@@ -6764,7 +7046,7 @@
           <a:spcPts val="0"/>
         </a:spcAft>
       </a:defPPr>
-      <a:lvl1pPr lvl="0" marR="0" rtl="0" algn="l">
+      <a:lvl1pPr marR="0" lvl="0" algn="l" rtl="0">
         <a:lnSpc>
           <a:spcPct val="100000"/>
         </a:lnSpc>
@@ -6778,7 +7060,7 @@
           <a:srgbClr val="000000"/>
         </a:buClr>
         <a:buFont typeface="Arial"/>
-        <a:defRPr b="0" i="0" sz="1400" u="none" cap="none" strike="noStrike">
+        <a:defRPr sz="1400" b="0" i="0" u="none" strike="noStrike" cap="none">
           <a:solidFill>
             <a:srgbClr val="000000"/>
           </a:solidFill>
@@ -6788,7 +7070,7 @@
           <a:sym typeface="Arial"/>
         </a:defRPr>
       </a:lvl1pPr>
-      <a:lvl2pPr lvl="1" marR="0" rtl="0" algn="l">
+      <a:lvl2pPr marR="0" lvl="1" algn="l" rtl="0">
         <a:lnSpc>
           <a:spcPct val="100000"/>
         </a:lnSpc>
@@ -6802,7 +7084,7 @@
           <a:srgbClr val="000000"/>
         </a:buClr>
         <a:buFont typeface="Arial"/>
-        <a:defRPr b="0" i="0" sz="1400" u="none" cap="none" strike="noStrike">
+        <a:defRPr sz="1400" b="0" i="0" u="none" strike="noStrike" cap="none">
           <a:solidFill>
             <a:srgbClr val="000000"/>
           </a:solidFill>
@@ -6812,7 +7094,7 @@
           <a:sym typeface="Arial"/>
         </a:defRPr>
       </a:lvl2pPr>
-      <a:lvl3pPr lvl="2" marR="0" rtl="0" algn="l">
+      <a:lvl3pPr marR="0" lvl="2" algn="l" rtl="0">
         <a:lnSpc>
           <a:spcPct val="100000"/>
         </a:lnSpc>
@@ -6826,7 +7108,7 @@
           <a:srgbClr val="000000"/>
         </a:buClr>
         <a:buFont typeface="Arial"/>
-        <a:defRPr b="0" i="0" sz="1400" u="none" cap="none" strike="noStrike">
+        <a:defRPr sz="1400" b="0" i="0" u="none" strike="noStrike" cap="none">
           <a:solidFill>
             <a:srgbClr val="000000"/>
           </a:solidFill>
@@ -6836,7 +7118,7 @@
           <a:sym typeface="Arial"/>
         </a:defRPr>
       </a:lvl3pPr>
-      <a:lvl4pPr lvl="3" marR="0" rtl="0" algn="l">
+      <a:lvl4pPr marR="0" lvl="3" algn="l" rtl="0">
         <a:lnSpc>
           <a:spcPct val="100000"/>
         </a:lnSpc>
@@ -6850,7 +7132,7 @@
           <a:srgbClr val="000000"/>
         </a:buClr>
         <a:buFont typeface="Arial"/>
-        <a:defRPr b="0" i="0" sz="1400" u="none" cap="none" strike="noStrike">
+        <a:defRPr sz="1400" b="0" i="0" u="none" strike="noStrike" cap="none">
           <a:solidFill>
             <a:srgbClr val="000000"/>
           </a:solidFill>
@@ -6860,7 +7142,7 @@
           <a:sym typeface="Arial"/>
         </a:defRPr>
       </a:lvl4pPr>
-      <a:lvl5pPr lvl="4" marR="0" rtl="0" algn="l">
+      <a:lvl5pPr marR="0" lvl="4" algn="l" rtl="0">
         <a:lnSpc>
           <a:spcPct val="100000"/>
         </a:lnSpc>
@@ -6874,7 +7156,7 @@
           <a:srgbClr val="000000"/>
         </a:buClr>
         <a:buFont typeface="Arial"/>
-        <a:defRPr b="0" i="0" sz="1400" u="none" cap="none" strike="noStrike">
+        <a:defRPr sz="1400" b="0" i="0" u="none" strike="noStrike" cap="none">
           <a:solidFill>
             <a:srgbClr val="000000"/>
           </a:solidFill>
@@ -6884,7 +7166,7 @@
           <a:sym typeface="Arial"/>
         </a:defRPr>
       </a:lvl5pPr>
-      <a:lvl6pPr lvl="5" marR="0" rtl="0" algn="l">
+      <a:lvl6pPr marR="0" lvl="5" algn="l" rtl="0">
         <a:lnSpc>
           <a:spcPct val="100000"/>
         </a:lnSpc>
@@ -6898,7 +7180,7 @@
           <a:srgbClr val="000000"/>
         </a:buClr>
         <a:buFont typeface="Arial"/>
-        <a:defRPr b="0" i="0" sz="1400" u="none" cap="none" strike="noStrike">
+        <a:defRPr sz="1400" b="0" i="0" u="none" strike="noStrike" cap="none">
           <a:solidFill>
             <a:srgbClr val="000000"/>
           </a:solidFill>
@@ -6908,7 +7190,7 @@
           <a:sym typeface="Arial"/>
         </a:defRPr>
       </a:lvl6pPr>
-      <a:lvl7pPr lvl="6" marR="0" rtl="0" algn="l">
+      <a:lvl7pPr marR="0" lvl="6" algn="l" rtl="0">
         <a:lnSpc>
           <a:spcPct val="100000"/>
         </a:lnSpc>
@@ -6922,7 +7204,7 @@
           <a:srgbClr val="000000"/>
         </a:buClr>
         <a:buFont typeface="Arial"/>
-        <a:defRPr b="0" i="0" sz="1400" u="none" cap="none" strike="noStrike">
+        <a:defRPr sz="1400" b="0" i="0" u="none" strike="noStrike" cap="none">
           <a:solidFill>
             <a:srgbClr val="000000"/>
           </a:solidFill>
@@ -6932,7 +7214,7 @@
           <a:sym typeface="Arial"/>
         </a:defRPr>
       </a:lvl7pPr>
-      <a:lvl8pPr lvl="7" marR="0" rtl="0" algn="l">
+      <a:lvl8pPr marR="0" lvl="7" algn="l" rtl="0">
         <a:lnSpc>
           <a:spcPct val="100000"/>
         </a:lnSpc>
@@ -6946,7 +7228,7 @@
           <a:srgbClr val="000000"/>
         </a:buClr>
         <a:buFont typeface="Arial"/>
-        <a:defRPr b="0" i="0" sz="1400" u="none" cap="none" strike="noStrike">
+        <a:defRPr sz="1400" b="0" i="0" u="none" strike="noStrike" cap="none">
           <a:solidFill>
             <a:srgbClr val="000000"/>
           </a:solidFill>
@@ -6956,7 +7238,7 @@
           <a:sym typeface="Arial"/>
         </a:defRPr>
       </a:lvl8pPr>
-      <a:lvl9pPr lvl="8" marR="0" rtl="0" algn="l">
+      <a:lvl9pPr marR="0" lvl="8" algn="l" rtl="0">
         <a:lnSpc>
           <a:spcPct val="100000"/>
         </a:lnSpc>
@@ -6970,7 +7252,7 @@
           <a:srgbClr val="000000"/>
         </a:buClr>
         <a:buFont typeface="Arial"/>
-        <a:defRPr b="0" i="0" sz="1400" u="none" cap="none" strike="noStrike">
+        <a:defRPr sz="1400" b="0" i="0" u="none" strike="noStrike" cap="none">
           <a:solidFill>
             <a:srgbClr val="000000"/>
           </a:solidFill>
@@ -6982,7 +7264,7 @@
       </a:lvl9pPr>
     </p:bodyStyle>
     <p:otherStyle>
-      <a:defPPr lvl="0" marR="0" rtl="0" algn="l">
+      <a:defPPr marR="0" lvl="0" algn="l" rtl="0">
         <a:lnSpc>
           <a:spcPct val="100000"/>
         </a:lnSpc>
@@ -6993,7 +7275,7 @@
           <a:spcPts val="0"/>
         </a:spcAft>
       </a:defPPr>
-      <a:lvl1pPr lvl="0" marR="0" rtl="0" algn="l">
+      <a:lvl1pPr marR="0" lvl="0" algn="l" rtl="0">
         <a:lnSpc>
           <a:spcPct val="100000"/>
         </a:lnSpc>
@@ -7007,7 +7289,7 @@
           <a:srgbClr val="000000"/>
         </a:buClr>
         <a:buFont typeface="Arial"/>
-        <a:defRPr b="0" i="0" sz="1400" u="none" cap="none" strike="noStrike">
+        <a:defRPr sz="1400" b="0" i="0" u="none" strike="noStrike" cap="none">
           <a:solidFill>
             <a:srgbClr val="000000"/>
           </a:solidFill>
@@ -7017,7 +7299,7 @@
           <a:sym typeface="Arial"/>
         </a:defRPr>
       </a:lvl1pPr>
-      <a:lvl2pPr lvl="1" marR="0" rtl="0" algn="l">
+      <a:lvl2pPr marR="0" lvl="1" algn="l" rtl="0">
         <a:lnSpc>
           <a:spcPct val="100000"/>
         </a:lnSpc>
@@ -7031,7 +7313,7 @@
           <a:srgbClr val="000000"/>
         </a:buClr>
         <a:buFont typeface="Arial"/>
-        <a:defRPr b="0" i="0" sz="1400" u="none" cap="none" strike="noStrike">
+        <a:defRPr sz="1400" b="0" i="0" u="none" strike="noStrike" cap="none">
           <a:solidFill>
             <a:srgbClr val="000000"/>
           </a:solidFill>
@@ -7041,7 +7323,7 @@
           <a:sym typeface="Arial"/>
         </a:defRPr>
       </a:lvl2pPr>
-      <a:lvl3pPr lvl="2" marR="0" rtl="0" algn="l">
+      <a:lvl3pPr marR="0" lvl="2" algn="l" rtl="0">
         <a:lnSpc>
           <a:spcPct val="100000"/>
         </a:lnSpc>
@@ -7055,7 +7337,7 @@
           <a:srgbClr val="000000"/>
         </a:buClr>
         <a:buFont typeface="Arial"/>
-        <a:defRPr b="0" i="0" sz="1400" u="none" cap="none" strike="noStrike">
+        <a:defRPr sz="1400" b="0" i="0" u="none" strike="noStrike" cap="none">
           <a:solidFill>
             <a:srgbClr val="000000"/>
           </a:solidFill>
@@ -7065,7 +7347,7 @@
           <a:sym typeface="Arial"/>
         </a:defRPr>
       </a:lvl3pPr>
-      <a:lvl4pPr lvl="3" marR="0" rtl="0" algn="l">
+      <a:lvl4pPr marR="0" lvl="3" algn="l" rtl="0">
         <a:lnSpc>
           <a:spcPct val="100000"/>
         </a:lnSpc>
@@ -7079,7 +7361,7 @@
           <a:srgbClr val="000000"/>
         </a:buClr>
         <a:buFont typeface="Arial"/>
-        <a:defRPr b="0" i="0" sz="1400" u="none" cap="none" strike="noStrike">
+        <a:defRPr sz="1400" b="0" i="0" u="none" strike="noStrike" cap="none">
           <a:solidFill>
             <a:srgbClr val="000000"/>
           </a:solidFill>
@@ -7089,7 +7371,7 @@
           <a:sym typeface="Arial"/>
         </a:defRPr>
       </a:lvl4pPr>
-      <a:lvl5pPr lvl="4" marR="0" rtl="0" algn="l">
+      <a:lvl5pPr marR="0" lvl="4" algn="l" rtl="0">
         <a:lnSpc>
           <a:spcPct val="100000"/>
         </a:lnSpc>
@@ -7103,7 +7385,7 @@
           <a:srgbClr val="000000"/>
         </a:buClr>
         <a:buFont typeface="Arial"/>
-        <a:defRPr b="0" i="0" sz="1400" u="none" cap="none" strike="noStrike">
+        <a:defRPr sz="1400" b="0" i="0" u="none" strike="noStrike" cap="none">
           <a:solidFill>
             <a:srgbClr val="000000"/>
           </a:solidFill>
@@ -7113,7 +7395,7 @@
           <a:sym typeface="Arial"/>
         </a:defRPr>
       </a:lvl5pPr>
-      <a:lvl6pPr lvl="5" marR="0" rtl="0" algn="l">
+      <a:lvl6pPr marR="0" lvl="5" algn="l" rtl="0">
         <a:lnSpc>
           <a:spcPct val="100000"/>
         </a:lnSpc>
@@ -7127,7 +7409,7 @@
           <a:srgbClr val="000000"/>
         </a:buClr>
         <a:buFont typeface="Arial"/>
-        <a:defRPr b="0" i="0" sz="1400" u="none" cap="none" strike="noStrike">
+        <a:defRPr sz="1400" b="0" i="0" u="none" strike="noStrike" cap="none">
           <a:solidFill>
             <a:srgbClr val="000000"/>
           </a:solidFill>
@@ -7137,7 +7419,7 @@
           <a:sym typeface="Arial"/>
         </a:defRPr>
       </a:lvl6pPr>
-      <a:lvl7pPr lvl="6" marR="0" rtl="0" algn="l">
+      <a:lvl7pPr marR="0" lvl="6" algn="l" rtl="0">
         <a:lnSpc>
           <a:spcPct val="100000"/>
         </a:lnSpc>
@@ -7151,7 +7433,7 @@
           <a:srgbClr val="000000"/>
         </a:buClr>
         <a:buFont typeface="Arial"/>
-        <a:defRPr b="0" i="0" sz="1400" u="none" cap="none" strike="noStrike">
+        <a:defRPr sz="1400" b="0" i="0" u="none" strike="noStrike" cap="none">
           <a:solidFill>
             <a:srgbClr val="000000"/>
           </a:solidFill>
@@ -7161,7 +7443,7 @@
           <a:sym typeface="Arial"/>
         </a:defRPr>
       </a:lvl7pPr>
-      <a:lvl8pPr lvl="7" marR="0" rtl="0" algn="l">
+      <a:lvl8pPr marR="0" lvl="7" algn="l" rtl="0">
         <a:lnSpc>
           <a:spcPct val="100000"/>
         </a:lnSpc>
@@ -7175,7 +7457,7 @@
           <a:srgbClr val="000000"/>
         </a:buClr>
         <a:buFont typeface="Arial"/>
-        <a:defRPr b="0" i="0" sz="1400" u="none" cap="none" strike="noStrike">
+        <a:defRPr sz="1400" b="0" i="0" u="none" strike="noStrike" cap="none">
           <a:solidFill>
             <a:srgbClr val="000000"/>
           </a:solidFill>
@@ -7185,7 +7467,7 @@
           <a:sym typeface="Arial"/>
         </a:defRPr>
       </a:lvl8pPr>
-      <a:lvl9pPr lvl="8" marR="0" rtl="0" algn="l">
+      <a:lvl9pPr marR="0" lvl="8" algn="l" rtl="0">
         <a:lnSpc>
           <a:spcPct val="100000"/>
         </a:lnSpc>
@@ -7199,7 +7481,7 @@
           <a:srgbClr val="000000"/>
         </a:buClr>
         <a:buFont typeface="Arial"/>
-        <a:defRPr b="0" i="0" sz="1400" u="none" cap="none" strike="noStrike">
+        <a:defRPr sz="1400" b="0" i="0" u="none" strike="noStrike" cap="none">
           <a:solidFill>
             <a:srgbClr val="000000"/>
           </a:solidFill>
@@ -7215,11 +7497,11 @@
 </file>
 
 <file path=ppt/slides/slide1.xml><?xml version="1.0" encoding="utf-8"?>
-<p:sld xmlns:a="http://schemas.openxmlformats.org/drawingml/2006/main" xmlns:r="http://schemas.openxmlformats.org/officeDocument/2006/relationships" xmlns:mc="http://schemas.openxmlformats.org/markup-compatibility/2006" xmlns:mv="urn:schemas-microsoft-com:mac:vml" xmlns:p="http://schemas.openxmlformats.org/presentationml/2006/main" xmlns:c="http://schemas.openxmlformats.org/drawingml/2006/chart" xmlns:dgm="http://schemas.openxmlformats.org/drawingml/2006/diagram" xmlns:o="urn:schemas-microsoft-com:office:office" xmlns:v="urn:schemas-microsoft-com:vml" xmlns:pvml="urn:schemas-microsoft-com:office:powerpoint" xmlns:com="http://schemas.openxmlformats.org/drawingml/2006/compatibility" xmlns:p14="http://schemas.microsoft.com/office/powerpoint/2010/main" xmlns:p15="http://schemas.microsoft.com/office/powerpoint/2012/main">
+<p:sld xmlns:a="http://schemas.openxmlformats.org/drawingml/2006/main" xmlns:r="http://schemas.openxmlformats.org/officeDocument/2006/relationships" xmlns:p="http://schemas.openxmlformats.org/presentationml/2006/main">
   <p:cSld>
     <p:spTree>
       <p:nvGrpSpPr>
-        <p:cNvPr id="58" name="Shape 58"/>
+        <p:cNvPr id="1" name="Shape 58"/>
         <p:cNvGrpSpPr/>
         <p:nvPr/>
       </p:nvGrpSpPr>
@@ -7234,7 +7516,9 @@
       <p:sp>
         <p:nvSpPr>
           <p:cNvPr id="59" name="Google Shape;59;p13"/>
-          <p:cNvSpPr txBox="1"/>
+          <p:cNvSpPr txBox="1">
+            <a:spLocks noGrp="1"/>
+          </p:cNvSpPr>
           <p:nvPr>
             <p:ph type="ctrTitle"/>
           </p:nvPr>
@@ -7249,12 +7533,12 @@
           </a:prstGeom>
         </p:spPr>
         <p:txBody>
-          <a:bodyPr anchorCtr="0" anchor="b" bIns="91425" lIns="91425" spcFirstLastPara="1" rIns="91425" wrap="square" tIns="91425">
+          <a:bodyPr spcFirstLastPara="1" wrap="square" lIns="91425" tIns="91425" rIns="91425" bIns="91425" anchor="b" anchorCtr="0">
             <a:noAutofit/>
           </a:bodyPr>
           <a:lstStyle/>
           <a:p>
-            <a:pPr indent="0" lvl="0" marL="0" rtl="0" algn="l">
+            <a:pPr marL="0" lvl="0" indent="0" algn="l" rtl="0">
               <a:spcBef>
                 <a:spcPts val="0"/>
               </a:spcBef>
@@ -7274,9 +7558,11 @@
       <p:sp>
         <p:nvSpPr>
           <p:cNvPr id="60" name="Google Shape;60;p13"/>
-          <p:cNvSpPr txBox="1"/>
+          <p:cNvSpPr txBox="1">
+            <a:spLocks noGrp="1"/>
+          </p:cNvSpPr>
           <p:nvPr>
-            <p:ph idx="1" type="subTitle"/>
+            <p:ph type="subTitle" idx="1"/>
           </p:nvPr>
         </p:nvSpPr>
         <p:spPr>
@@ -7289,12 +7575,12 @@
           </a:prstGeom>
         </p:spPr>
         <p:txBody>
-          <a:bodyPr anchorCtr="0" anchor="t" bIns="91425" lIns="91425" spcFirstLastPara="1" rIns="91425" wrap="square" tIns="91425">
+          <a:bodyPr spcFirstLastPara="1" wrap="square" lIns="91425" tIns="91425" rIns="91425" bIns="91425" anchor="t" anchorCtr="0">
             <a:noAutofit/>
           </a:bodyPr>
           <a:lstStyle/>
           <a:p>
-            <a:pPr indent="0" lvl="0" marL="0" rtl="0" algn="l">
+            <a:pPr marL="0" lvl="0" indent="0" algn="l" rtl="0">
               <a:spcBef>
                 <a:spcPts val="0"/>
               </a:spcBef>
@@ -7305,16 +7591,12 @@
             </a:pPr>
             <a:r>
               <a:rPr lang="en"/>
-              <a:t>By </a:t>
-            </a:r>
-            <a:r>
-              <a:rPr lang="en"/>
-              <a:t>Tyler Smith</a:t>
+              <a:t>By Tyler Smith</a:t>
             </a:r>
             <a:endParaRPr/>
           </a:p>
           <a:p>
-            <a:pPr indent="0" lvl="0" marL="0" rtl="0" algn="l">
+            <a:pPr marL="0" lvl="0" indent="0" algn="l" rtl="0">
               <a:spcBef>
                 <a:spcPts val="0"/>
               </a:spcBef>
@@ -7323,9 +7605,6 @@
               </a:spcAft>
               <a:buNone/>
             </a:pPr>
-            <a:r>
-              <a:t/>
-            </a:r>
             <a:endParaRPr/>
           </a:p>
         </p:txBody>
@@ -7423,11 +7702,11 @@
 </file>
 
 <file path=ppt/slides/slide10.xml><?xml version="1.0" encoding="utf-8"?>
-<p:sld xmlns:a="http://schemas.openxmlformats.org/drawingml/2006/main" xmlns:r="http://schemas.openxmlformats.org/officeDocument/2006/relationships" xmlns:mc="http://schemas.openxmlformats.org/markup-compatibility/2006" xmlns:mv="urn:schemas-microsoft-com:mac:vml" xmlns:p="http://schemas.openxmlformats.org/presentationml/2006/main" xmlns:c="http://schemas.openxmlformats.org/drawingml/2006/chart" xmlns:dgm="http://schemas.openxmlformats.org/drawingml/2006/diagram" xmlns:o="urn:schemas-microsoft-com:office:office" xmlns:v="urn:schemas-microsoft-com:vml" xmlns:pvml="urn:schemas-microsoft-com:office:powerpoint" xmlns:com="http://schemas.openxmlformats.org/drawingml/2006/compatibility" xmlns:p14="http://schemas.microsoft.com/office/powerpoint/2010/main" xmlns:p15="http://schemas.microsoft.com/office/powerpoint/2012/main">
+<p:sld xmlns:a="http://schemas.openxmlformats.org/drawingml/2006/main" xmlns:r="http://schemas.openxmlformats.org/officeDocument/2006/relationships" xmlns:p="http://schemas.openxmlformats.org/presentationml/2006/main">
   <p:cSld>
     <p:spTree>
       <p:nvGrpSpPr>
-        <p:cNvPr id="121" name="Shape 121"/>
+        <p:cNvPr id="1" name="Shape 121"/>
         <p:cNvGrpSpPr/>
         <p:nvPr/>
       </p:nvGrpSpPr>
@@ -7442,7 +7721,9 @@
       <p:sp>
         <p:nvSpPr>
           <p:cNvPr id="122" name="Google Shape;122;p22"/>
-          <p:cNvSpPr txBox="1"/>
+          <p:cNvSpPr txBox="1">
+            <a:spLocks noGrp="1"/>
+          </p:cNvSpPr>
           <p:nvPr>
             <p:ph type="title"/>
           </p:nvPr>
@@ -7457,12 +7738,12 @@
           </a:prstGeom>
         </p:spPr>
         <p:txBody>
-          <a:bodyPr anchorCtr="0" anchor="t" bIns="91425" lIns="91425" spcFirstLastPara="1" rIns="91425" wrap="square" tIns="91425">
+          <a:bodyPr spcFirstLastPara="1" wrap="square" lIns="91425" tIns="91425" rIns="91425" bIns="91425" anchor="t" anchorCtr="0">
             <a:noAutofit/>
           </a:bodyPr>
           <a:lstStyle/>
           <a:p>
-            <a:pPr indent="0" lvl="0" marL="0" rtl="0" algn="l">
+            <a:pPr marL="0" lvl="0" indent="0" algn="l" rtl="0">
               <a:spcBef>
                 <a:spcPts val="0"/>
               </a:spcBef>
@@ -7516,11 +7797,11 @@
 </file>
 
 <file path=ppt/slides/slide11.xml><?xml version="1.0" encoding="utf-8"?>
-<p:sld xmlns:a="http://schemas.openxmlformats.org/drawingml/2006/main" xmlns:r="http://schemas.openxmlformats.org/officeDocument/2006/relationships" xmlns:mc="http://schemas.openxmlformats.org/markup-compatibility/2006" xmlns:mv="urn:schemas-microsoft-com:mac:vml" xmlns:p="http://schemas.openxmlformats.org/presentationml/2006/main" xmlns:c="http://schemas.openxmlformats.org/drawingml/2006/chart" xmlns:dgm="http://schemas.openxmlformats.org/drawingml/2006/diagram" xmlns:o="urn:schemas-microsoft-com:office:office" xmlns:v="urn:schemas-microsoft-com:vml" xmlns:pvml="urn:schemas-microsoft-com:office:powerpoint" xmlns:com="http://schemas.openxmlformats.org/drawingml/2006/compatibility" xmlns:p14="http://schemas.microsoft.com/office/powerpoint/2010/main" xmlns:p15="http://schemas.microsoft.com/office/powerpoint/2012/main">
+<p:sld xmlns:a="http://schemas.openxmlformats.org/drawingml/2006/main" xmlns:r="http://schemas.openxmlformats.org/officeDocument/2006/relationships" xmlns:p="http://schemas.openxmlformats.org/presentationml/2006/main">
   <p:cSld>
     <p:spTree>
       <p:nvGrpSpPr>
-        <p:cNvPr id="127" name="Shape 127"/>
+        <p:cNvPr id="1" name="Shape 127"/>
         <p:cNvGrpSpPr/>
         <p:nvPr/>
       </p:nvGrpSpPr>
@@ -7535,7 +7816,9 @@
       <p:sp>
         <p:nvSpPr>
           <p:cNvPr id="128" name="Google Shape;128;p23"/>
-          <p:cNvSpPr txBox="1"/>
+          <p:cNvSpPr txBox="1">
+            <a:spLocks noGrp="1"/>
+          </p:cNvSpPr>
           <p:nvPr>
             <p:ph type="title"/>
           </p:nvPr>
@@ -7550,12 +7833,12 @@
           </a:prstGeom>
         </p:spPr>
         <p:txBody>
-          <a:bodyPr anchorCtr="0" anchor="t" bIns="91425" lIns="91425" spcFirstLastPara="1" rIns="91425" wrap="square" tIns="91425">
+          <a:bodyPr spcFirstLastPara="1" wrap="square" lIns="91425" tIns="91425" rIns="91425" bIns="91425" anchor="t" anchorCtr="0">
             <a:noAutofit/>
           </a:bodyPr>
           <a:lstStyle/>
           <a:p>
-            <a:pPr indent="0" lvl="0" marL="0" rtl="0" algn="ctr">
+            <a:pPr marL="0" lvl="0" indent="0" algn="ctr" rtl="0">
               <a:spcBef>
                 <a:spcPts val="0"/>
               </a:spcBef>
@@ -7581,11 +7864,204 @@
 </file>
 
 <file path=ppt/slides/slide12.xml><?xml version="1.0" encoding="utf-8"?>
-<p:sld xmlns:a="http://schemas.openxmlformats.org/drawingml/2006/main" xmlns:r="http://schemas.openxmlformats.org/officeDocument/2006/relationships" xmlns:mc="http://schemas.openxmlformats.org/markup-compatibility/2006" xmlns:mv="urn:schemas-microsoft-com:mac:vml" xmlns:p="http://schemas.openxmlformats.org/presentationml/2006/main" xmlns:c="http://schemas.openxmlformats.org/drawingml/2006/chart" xmlns:dgm="http://schemas.openxmlformats.org/drawingml/2006/diagram" xmlns:o="urn:schemas-microsoft-com:office:office" xmlns:v="urn:schemas-microsoft-com:vml" xmlns:pvml="urn:schemas-microsoft-com:office:powerpoint" xmlns:com="http://schemas.openxmlformats.org/drawingml/2006/compatibility" xmlns:p14="http://schemas.microsoft.com/office/powerpoint/2010/main" xmlns:p15="http://schemas.microsoft.com/office/powerpoint/2012/main">
+<p:sld xmlns:a="http://schemas.openxmlformats.org/drawingml/2006/main" xmlns:r="http://schemas.openxmlformats.org/officeDocument/2006/relationships" xmlns:p="http://schemas.openxmlformats.org/presentationml/2006/main">
   <p:cSld>
     <p:spTree>
       <p:nvGrpSpPr>
-        <p:cNvPr id="132" name="Shape 132"/>
+        <p:cNvPr id="1" name="Shape 73"/>
+        <p:cNvGrpSpPr/>
+        <p:nvPr/>
+      </p:nvGrpSpPr>
+      <p:grpSpPr>
+        <a:xfrm>
+          <a:off x="0" y="0"/>
+          <a:ext cx="0" cy="0"/>
+          <a:chOff x="0" y="0"/>
+          <a:chExt cx="0" cy="0"/>
+        </a:xfrm>
+      </p:grpSpPr>
+      <p:sp>
+        <p:nvSpPr>
+          <p:cNvPr id="74" name="Google Shape;74;p15"/>
+          <p:cNvSpPr txBox="1">
+            <a:spLocks noGrp="1"/>
+          </p:cNvSpPr>
+          <p:nvPr>
+            <p:ph type="title"/>
+          </p:nvPr>
+        </p:nvSpPr>
+        <p:spPr>
+          <a:xfrm>
+            <a:off x="311700" y="445025"/>
+            <a:ext cx="8520600" cy="572700"/>
+          </a:xfrm>
+          <a:prstGeom prst="rect">
+            <a:avLst/>
+          </a:prstGeom>
+        </p:spPr>
+        <p:txBody>
+          <a:bodyPr spcFirstLastPara="1" wrap="square" lIns="91425" tIns="91425" rIns="91425" bIns="91425" anchor="t" anchorCtr="0">
+            <a:noAutofit/>
+          </a:bodyPr>
+          <a:lstStyle/>
+          <a:p>
+            <a:pPr marL="0" lvl="0" indent="0" algn="l" rtl="0">
+              <a:spcBef>
+                <a:spcPts val="0"/>
+              </a:spcBef>
+              <a:spcAft>
+                <a:spcPts val="0"/>
+              </a:spcAft>
+              <a:buNone/>
+            </a:pPr>
+            <a:r>
+              <a:rPr lang="en" dirty="0" smtClean="0"/>
+              <a:t>Future Work</a:t>
+            </a:r>
+            <a:endParaRPr dirty="0"/>
+          </a:p>
+        </p:txBody>
+      </p:sp>
+      <p:sp>
+        <p:nvSpPr>
+          <p:cNvPr id="75" name="Google Shape;75;p15"/>
+          <p:cNvSpPr txBox="1">
+            <a:spLocks noGrp="1"/>
+          </p:cNvSpPr>
+          <p:nvPr>
+            <p:ph type="body" idx="1"/>
+          </p:nvPr>
+        </p:nvSpPr>
+        <p:spPr>
+          <a:xfrm>
+            <a:off x="311700" y="1152475"/>
+            <a:ext cx="8520600" cy="3416400"/>
+          </a:xfrm>
+          <a:prstGeom prst="rect">
+            <a:avLst/>
+          </a:prstGeom>
+        </p:spPr>
+        <p:txBody>
+          <a:bodyPr spcFirstLastPara="1" wrap="square" lIns="91425" tIns="91425" rIns="91425" bIns="91425" anchor="t" anchorCtr="0">
+            <a:noAutofit/>
+          </a:bodyPr>
+          <a:lstStyle/>
+          <a:p>
+            <a:pPr marL="457200" lvl="0" indent="-342900" algn="l" rtl="0">
+              <a:spcBef>
+                <a:spcPts val="0"/>
+              </a:spcBef>
+              <a:spcAft>
+                <a:spcPts val="0"/>
+              </a:spcAft>
+              <a:buSzPts val="1800"/>
+              <a:buChar char="●"/>
+            </a:pPr>
+            <a:r>
+              <a:rPr lang="en" dirty="0" smtClean="0"/>
+              <a:t>Rework general gameplay to feel better</a:t>
+            </a:r>
+            <a:endParaRPr dirty="0"/>
+          </a:p>
+          <a:p>
+            <a:pPr marL="457200" lvl="0" indent="-342900" algn="l" rtl="0">
+              <a:spcBef>
+                <a:spcPts val="0"/>
+              </a:spcBef>
+              <a:spcAft>
+                <a:spcPts val="0"/>
+              </a:spcAft>
+              <a:buSzPts val="1800"/>
+              <a:buChar char="●"/>
+            </a:pPr>
+            <a:r>
+              <a:rPr lang="en-US" dirty="0" smtClean="0"/>
+              <a:t>More enemy types</a:t>
+            </a:r>
+          </a:p>
+          <a:p>
+            <a:pPr marL="457200" lvl="0" indent="-342900" algn="l" rtl="0">
+              <a:spcBef>
+                <a:spcPts val="0"/>
+              </a:spcBef>
+              <a:spcAft>
+                <a:spcPts val="0"/>
+              </a:spcAft>
+              <a:buSzPts val="1800"/>
+              <a:buChar char="●"/>
+            </a:pPr>
+            <a:r>
+              <a:rPr lang="en-US" dirty="0" smtClean="0"/>
+              <a:t>More tiles, multiple levels</a:t>
+            </a:r>
+          </a:p>
+          <a:p>
+            <a:pPr marL="457200" lvl="0" indent="-342900" algn="l" rtl="0">
+              <a:spcBef>
+                <a:spcPts val="0"/>
+              </a:spcBef>
+              <a:spcAft>
+                <a:spcPts val="0"/>
+              </a:spcAft>
+              <a:buSzPts val="1800"/>
+              <a:buChar char="●"/>
+            </a:pPr>
+            <a:r>
+              <a:rPr lang="en-US" dirty="0" smtClean="0"/>
+              <a:t>Controller support</a:t>
+            </a:r>
+          </a:p>
+          <a:p>
+            <a:pPr marL="457200" lvl="0" indent="-342900" algn="l" rtl="0">
+              <a:spcBef>
+                <a:spcPts val="0"/>
+              </a:spcBef>
+              <a:spcAft>
+                <a:spcPts val="0"/>
+              </a:spcAft>
+              <a:buSzPts val="1800"/>
+              <a:buChar char="●"/>
+            </a:pPr>
+            <a:r>
+              <a:rPr lang="en-US" dirty="0" smtClean="0"/>
+              <a:t>Enemy that pursues player and adapts</a:t>
+            </a:r>
+            <a:endParaRPr dirty="0"/>
+          </a:p>
+          <a:p>
+            <a:pPr marL="457200" lvl="0" indent="-342900" algn="l" rtl="0">
+              <a:spcBef>
+                <a:spcPts val="0"/>
+              </a:spcBef>
+              <a:spcAft>
+                <a:spcPts val="0"/>
+              </a:spcAft>
+              <a:buSzPts val="1800"/>
+              <a:buChar char="●"/>
+            </a:pPr>
+            <a:endParaRPr dirty="0"/>
+          </a:p>
+        </p:txBody>
+      </p:sp>
+    </p:spTree>
+    <p:extLst>
+      <p:ext uri="{BB962C8B-B14F-4D97-AF65-F5344CB8AC3E}">
+        <p14:creationId xmlns:p14="http://schemas.microsoft.com/office/powerpoint/2010/main" val="1478315655"/>
+      </p:ext>
+    </p:extLst>
+  </p:cSld>
+  <p:clrMapOvr>
+    <a:masterClrMapping/>
+  </p:clrMapOvr>
+</p:sld>
+</file>
+
+<file path=ppt/slides/slide13.xml><?xml version="1.0" encoding="utf-8"?>
+<p:sld xmlns:a="http://schemas.openxmlformats.org/drawingml/2006/main" xmlns:r="http://schemas.openxmlformats.org/officeDocument/2006/relationships" xmlns:p="http://schemas.openxmlformats.org/presentationml/2006/main">
+  <p:cSld>
+    <p:spTree>
+      <p:nvGrpSpPr>
+        <p:cNvPr id="1" name="Shape 132"/>
         <p:cNvGrpSpPr/>
         <p:nvPr/>
       </p:nvGrpSpPr>
@@ -7600,7 +8076,9 @@
       <p:sp>
         <p:nvSpPr>
           <p:cNvPr id="133" name="Google Shape;133;p24"/>
-          <p:cNvSpPr txBox="1"/>
+          <p:cNvSpPr txBox="1">
+            <a:spLocks noGrp="1"/>
+          </p:cNvSpPr>
           <p:nvPr>
             <p:ph type="title"/>
           </p:nvPr>
@@ -7615,12 +8093,12 @@
           </a:prstGeom>
         </p:spPr>
         <p:txBody>
-          <a:bodyPr anchorCtr="0" anchor="t" bIns="91425" lIns="91425" spcFirstLastPara="1" rIns="91425" wrap="square" tIns="91425">
+          <a:bodyPr spcFirstLastPara="1" wrap="square" lIns="91425" tIns="91425" rIns="91425" bIns="91425" anchor="t" anchorCtr="0">
             <a:noAutofit/>
           </a:bodyPr>
           <a:lstStyle/>
           <a:p>
-            <a:pPr indent="0" lvl="0" marL="0" rtl="0" algn="ctr">
+            <a:pPr marL="0" lvl="0" indent="0" algn="ctr" rtl="0">
               <a:spcBef>
                 <a:spcPts val="0"/>
               </a:spcBef>
@@ -7646,11 +8124,11 @@
 </file>
 
 <file path=ppt/slides/slide2.xml><?xml version="1.0" encoding="utf-8"?>
-<p:sld xmlns:a="http://schemas.openxmlformats.org/drawingml/2006/main" xmlns:r="http://schemas.openxmlformats.org/officeDocument/2006/relationships" xmlns:mc="http://schemas.openxmlformats.org/markup-compatibility/2006" xmlns:mv="urn:schemas-microsoft-com:mac:vml" xmlns:p="http://schemas.openxmlformats.org/presentationml/2006/main" xmlns:c="http://schemas.openxmlformats.org/drawingml/2006/chart" xmlns:dgm="http://schemas.openxmlformats.org/drawingml/2006/diagram" xmlns:o="urn:schemas-microsoft-com:office:office" xmlns:v="urn:schemas-microsoft-com:vml" xmlns:pvml="urn:schemas-microsoft-com:office:powerpoint" xmlns:com="http://schemas.openxmlformats.org/drawingml/2006/compatibility" xmlns:p14="http://schemas.microsoft.com/office/powerpoint/2010/main" xmlns:p15="http://schemas.microsoft.com/office/powerpoint/2012/main">
+<p:sld xmlns:a="http://schemas.openxmlformats.org/drawingml/2006/main" xmlns:r="http://schemas.openxmlformats.org/officeDocument/2006/relationships" xmlns:p="http://schemas.openxmlformats.org/presentationml/2006/main">
   <p:cSld>
     <p:spTree>
       <p:nvGrpSpPr>
-        <p:cNvPr id="67" name="Shape 67"/>
+        <p:cNvPr id="1" name="Shape 67"/>
         <p:cNvGrpSpPr/>
         <p:nvPr/>
       </p:nvGrpSpPr>
@@ -7665,7 +8143,9 @@
       <p:sp>
         <p:nvSpPr>
           <p:cNvPr id="68" name="Google Shape;68;p14"/>
-          <p:cNvSpPr txBox="1"/>
+          <p:cNvSpPr txBox="1">
+            <a:spLocks noGrp="1"/>
+          </p:cNvSpPr>
           <p:nvPr>
             <p:ph type="title"/>
           </p:nvPr>
@@ -7680,12 +8160,12 @@
           </a:prstGeom>
         </p:spPr>
         <p:txBody>
-          <a:bodyPr anchorCtr="0" anchor="t" bIns="91425" lIns="91425" spcFirstLastPara="1" rIns="91425" wrap="square" tIns="91425">
+          <a:bodyPr spcFirstLastPara="1" wrap="square" lIns="91425" tIns="91425" rIns="91425" bIns="91425" anchor="t" anchorCtr="0">
             <a:noAutofit/>
           </a:bodyPr>
           <a:lstStyle/>
           <a:p>
-            <a:pPr indent="0" lvl="0" marL="0" rtl="0" algn="l">
+            <a:pPr marL="0" lvl="0" indent="0" algn="l" rtl="0">
               <a:spcBef>
                 <a:spcPts val="0"/>
               </a:spcBef>
@@ -7705,9 +8185,11 @@
       <p:sp>
         <p:nvSpPr>
           <p:cNvPr id="69" name="Google Shape;69;p14"/>
-          <p:cNvSpPr txBox="1"/>
+          <p:cNvSpPr txBox="1">
+            <a:spLocks noGrp="1"/>
+          </p:cNvSpPr>
           <p:nvPr>
-            <p:ph idx="1" type="body"/>
+            <p:ph type="body" idx="1"/>
           </p:nvPr>
         </p:nvSpPr>
         <p:spPr>
@@ -7720,12 +8202,12 @@
           </a:prstGeom>
         </p:spPr>
         <p:txBody>
-          <a:bodyPr anchorCtr="0" anchor="t" bIns="91425" lIns="91425" spcFirstLastPara="1" rIns="91425" wrap="square" tIns="91425">
+          <a:bodyPr spcFirstLastPara="1" wrap="square" lIns="91425" tIns="91425" rIns="91425" bIns="91425" anchor="t" anchorCtr="0">
             <a:noAutofit/>
           </a:bodyPr>
           <a:lstStyle/>
           <a:p>
-            <a:pPr indent="-342900" lvl="0" marL="457200" rtl="0" algn="l">
+            <a:pPr marL="457200" lvl="0" indent="-342900" algn="l" rtl="0">
               <a:spcBef>
                 <a:spcPts val="0"/>
               </a:spcBef>
@@ -7742,7 +8224,7 @@
             <a:endParaRPr/>
           </a:p>
           <a:p>
-            <a:pPr indent="-342900" lvl="0" marL="457200" rtl="0" algn="l">
+            <a:pPr marL="457200" lvl="0" indent="-342900" algn="l" rtl="0">
               <a:spcBef>
                 <a:spcPts val="0"/>
               </a:spcBef>
@@ -7759,7 +8241,7 @@
             <a:endParaRPr/>
           </a:p>
           <a:p>
-            <a:pPr indent="-342900" lvl="0" marL="457200" rtl="0" algn="l">
+            <a:pPr marL="457200" lvl="0" indent="-342900" algn="l" rtl="0">
               <a:spcBef>
                 <a:spcPts val="0"/>
               </a:spcBef>
@@ -7776,7 +8258,7 @@
             <a:endParaRPr/>
           </a:p>
           <a:p>
-            <a:pPr indent="-342900" lvl="0" marL="457200" rtl="0" algn="l">
+            <a:pPr marL="457200" lvl="0" indent="-342900" algn="l" rtl="0">
               <a:spcBef>
                 <a:spcPts val="0"/>
               </a:spcBef>
@@ -7788,16 +8270,12 @@
             </a:pPr>
             <a:r>
               <a:rPr lang="en"/>
-              <a:t>Level(s) are </a:t>
-            </a:r>
-            <a:r>
-              <a:rPr lang="en"/>
-              <a:t>procedurally generated</a:t>
+              <a:t>Level(s) are procedurally generated</a:t>
             </a:r>
             <a:endParaRPr/>
           </a:p>
           <a:p>
-            <a:pPr indent="0" lvl="0" marL="0" rtl="0" algn="l">
+            <a:pPr marL="0" lvl="0" indent="0" algn="l" rtl="0">
               <a:spcBef>
                 <a:spcPts val="1600"/>
               </a:spcBef>
@@ -7806,9 +8284,6 @@
               </a:spcAft>
               <a:buNone/>
             </a:pPr>
-            <a:r>
-              <a:t/>
-            </a:r>
             <a:endParaRPr/>
           </a:p>
         </p:txBody>
@@ -7822,11 +8297,11 @@
 </file>
 
 <file path=ppt/slides/slide3.xml><?xml version="1.0" encoding="utf-8"?>
-<p:sld xmlns:a="http://schemas.openxmlformats.org/drawingml/2006/main" xmlns:r="http://schemas.openxmlformats.org/officeDocument/2006/relationships" xmlns:mc="http://schemas.openxmlformats.org/markup-compatibility/2006" xmlns:mv="urn:schemas-microsoft-com:mac:vml" xmlns:p="http://schemas.openxmlformats.org/presentationml/2006/main" xmlns:c="http://schemas.openxmlformats.org/drawingml/2006/chart" xmlns:dgm="http://schemas.openxmlformats.org/drawingml/2006/diagram" xmlns:o="urn:schemas-microsoft-com:office:office" xmlns:v="urn:schemas-microsoft-com:vml" xmlns:pvml="urn:schemas-microsoft-com:office:powerpoint" xmlns:com="http://schemas.openxmlformats.org/drawingml/2006/compatibility" xmlns:p14="http://schemas.microsoft.com/office/powerpoint/2010/main" xmlns:p15="http://schemas.microsoft.com/office/powerpoint/2012/main">
+<p:sld xmlns:a="http://schemas.openxmlformats.org/drawingml/2006/main" xmlns:r="http://schemas.openxmlformats.org/officeDocument/2006/relationships" xmlns:p="http://schemas.openxmlformats.org/presentationml/2006/main">
   <p:cSld>
     <p:spTree>
       <p:nvGrpSpPr>
-        <p:cNvPr id="73" name="Shape 73"/>
+        <p:cNvPr id="1" name="Shape 73"/>
         <p:cNvGrpSpPr/>
         <p:nvPr/>
       </p:nvGrpSpPr>
@@ -7841,7 +8316,9 @@
       <p:sp>
         <p:nvSpPr>
           <p:cNvPr id="74" name="Google Shape;74;p15"/>
-          <p:cNvSpPr txBox="1"/>
+          <p:cNvSpPr txBox="1">
+            <a:spLocks noGrp="1"/>
+          </p:cNvSpPr>
           <p:nvPr>
             <p:ph type="title"/>
           </p:nvPr>
@@ -7856,12 +8333,12 @@
           </a:prstGeom>
         </p:spPr>
         <p:txBody>
-          <a:bodyPr anchorCtr="0" anchor="t" bIns="91425" lIns="91425" spcFirstLastPara="1" rIns="91425" wrap="square" tIns="91425">
+          <a:bodyPr spcFirstLastPara="1" wrap="square" lIns="91425" tIns="91425" rIns="91425" bIns="91425" anchor="t" anchorCtr="0">
             <a:noAutofit/>
           </a:bodyPr>
           <a:lstStyle/>
           <a:p>
-            <a:pPr indent="0" lvl="0" marL="0" rtl="0" algn="l">
+            <a:pPr marL="0" lvl="0" indent="0" algn="l" rtl="0">
               <a:spcBef>
                 <a:spcPts val="0"/>
               </a:spcBef>
@@ -7881,9 +8358,11 @@
       <p:sp>
         <p:nvSpPr>
           <p:cNvPr id="75" name="Google Shape;75;p15"/>
-          <p:cNvSpPr txBox="1"/>
+          <p:cNvSpPr txBox="1">
+            <a:spLocks noGrp="1"/>
+          </p:cNvSpPr>
           <p:nvPr>
-            <p:ph idx="1" type="body"/>
+            <p:ph type="body" idx="1"/>
           </p:nvPr>
         </p:nvSpPr>
         <p:spPr>
@@ -7896,12 +8375,12 @@
           </a:prstGeom>
         </p:spPr>
         <p:txBody>
-          <a:bodyPr anchorCtr="0" anchor="t" bIns="91425" lIns="91425" spcFirstLastPara="1" rIns="91425" wrap="square" tIns="91425">
+          <a:bodyPr spcFirstLastPara="1" wrap="square" lIns="91425" tIns="91425" rIns="91425" bIns="91425" anchor="t" anchorCtr="0">
             <a:noAutofit/>
           </a:bodyPr>
           <a:lstStyle/>
           <a:p>
-            <a:pPr indent="-342900" lvl="0" marL="457200" rtl="0" algn="l">
+            <a:pPr marL="457200" lvl="0" indent="-342900" algn="l" rtl="0">
               <a:spcBef>
                 <a:spcPts val="0"/>
               </a:spcBef>
@@ -7918,7 +8397,7 @@
             <a:endParaRPr/>
           </a:p>
           <a:p>
-            <a:pPr indent="-342900" lvl="0" marL="457200" rtl="0" algn="l">
+            <a:pPr marL="457200" lvl="0" indent="-342900" algn="l" rtl="0">
               <a:spcBef>
                 <a:spcPts val="0"/>
               </a:spcBef>
@@ -7935,7 +8414,7 @@
             <a:endParaRPr/>
           </a:p>
           <a:p>
-            <a:pPr indent="-342900" lvl="0" marL="457200" rtl="0" algn="l">
+            <a:pPr marL="457200" lvl="0" indent="-342900" algn="l" rtl="0">
               <a:spcBef>
                 <a:spcPts val="0"/>
               </a:spcBef>
@@ -7946,7 +8425,7 @@
               <a:buChar char="●"/>
             </a:pPr>
             <a:r>
-              <a:rPr i="1" lang="en"/>
+              <a:rPr lang="en" i="1"/>
               <a:t>The Binding of Isaac</a:t>
             </a:r>
             <a:r>
@@ -7954,7 +8433,7 @@
               <a:t> and </a:t>
             </a:r>
             <a:r>
-              <a:rPr i="1" lang="en"/>
+              <a:rPr lang="en" i="1"/>
               <a:t>Darkest Dungeon</a:t>
             </a:r>
             <a:endParaRPr/>
@@ -7970,11 +8449,11 @@
 </file>
 
 <file path=ppt/slides/slide4.xml><?xml version="1.0" encoding="utf-8"?>
-<p:sld xmlns:a="http://schemas.openxmlformats.org/drawingml/2006/main" xmlns:r="http://schemas.openxmlformats.org/officeDocument/2006/relationships" xmlns:mc="http://schemas.openxmlformats.org/markup-compatibility/2006" xmlns:mv="urn:schemas-microsoft-com:mac:vml" xmlns:p="http://schemas.openxmlformats.org/presentationml/2006/main" xmlns:c="http://schemas.openxmlformats.org/drawingml/2006/chart" xmlns:dgm="http://schemas.openxmlformats.org/drawingml/2006/diagram" xmlns:o="urn:schemas-microsoft-com:office:office" xmlns:v="urn:schemas-microsoft-com:vml" xmlns:pvml="urn:schemas-microsoft-com:office:powerpoint" xmlns:com="http://schemas.openxmlformats.org/drawingml/2006/compatibility" xmlns:p14="http://schemas.microsoft.com/office/powerpoint/2010/main" xmlns:p15="http://schemas.microsoft.com/office/powerpoint/2012/main">
+<p:sld xmlns:a="http://schemas.openxmlformats.org/drawingml/2006/main" xmlns:r="http://schemas.openxmlformats.org/officeDocument/2006/relationships" xmlns:p="http://schemas.openxmlformats.org/presentationml/2006/main">
   <p:cSld>
     <p:spTree>
       <p:nvGrpSpPr>
-        <p:cNvPr id="79" name="Shape 79"/>
+        <p:cNvPr id="1" name="Shape 79"/>
         <p:cNvGrpSpPr/>
         <p:nvPr/>
       </p:nvGrpSpPr>
@@ -7989,7 +8468,9 @@
       <p:sp>
         <p:nvSpPr>
           <p:cNvPr id="80" name="Google Shape;80;p16"/>
-          <p:cNvSpPr txBox="1"/>
+          <p:cNvSpPr txBox="1">
+            <a:spLocks noGrp="1"/>
+          </p:cNvSpPr>
           <p:nvPr>
             <p:ph type="title"/>
           </p:nvPr>
@@ -8004,12 +8485,12 @@
           </a:prstGeom>
         </p:spPr>
         <p:txBody>
-          <a:bodyPr anchorCtr="0" anchor="t" bIns="91425" lIns="91425" spcFirstLastPara="1" rIns="91425" wrap="square" tIns="91425">
+          <a:bodyPr spcFirstLastPara="1" wrap="square" lIns="91425" tIns="91425" rIns="91425" bIns="91425" anchor="t" anchorCtr="0">
             <a:noAutofit/>
           </a:bodyPr>
           <a:lstStyle/>
           <a:p>
-            <a:pPr indent="0" lvl="0" marL="0" rtl="0" algn="l">
+            <a:pPr marL="0" lvl="0" indent="0" algn="l" rtl="0">
               <a:spcBef>
                 <a:spcPts val="0"/>
               </a:spcBef>
@@ -8203,11 +8684,11 @@
 </file>
 
 <file path=ppt/slides/slide5.xml><?xml version="1.0" encoding="utf-8"?>
-<p:sld xmlns:a="http://schemas.openxmlformats.org/drawingml/2006/main" xmlns:r="http://schemas.openxmlformats.org/officeDocument/2006/relationships" xmlns:mc="http://schemas.openxmlformats.org/markup-compatibility/2006" xmlns:mv="urn:schemas-microsoft-com:mac:vml" xmlns:p="http://schemas.openxmlformats.org/presentationml/2006/main" xmlns:c="http://schemas.openxmlformats.org/drawingml/2006/chart" xmlns:dgm="http://schemas.openxmlformats.org/drawingml/2006/diagram" xmlns:o="urn:schemas-microsoft-com:office:office" xmlns:v="urn:schemas-microsoft-com:vml" xmlns:pvml="urn:schemas-microsoft-com:office:powerpoint" xmlns:com="http://schemas.openxmlformats.org/drawingml/2006/compatibility" xmlns:p14="http://schemas.microsoft.com/office/powerpoint/2010/main" xmlns:p15="http://schemas.microsoft.com/office/powerpoint/2012/main">
+<p:sld xmlns:a="http://schemas.openxmlformats.org/drawingml/2006/main" xmlns:r="http://schemas.openxmlformats.org/officeDocument/2006/relationships" xmlns:p="http://schemas.openxmlformats.org/presentationml/2006/main">
   <p:cSld>
     <p:spTree>
       <p:nvGrpSpPr>
-        <p:cNvPr id="90" name="Shape 90"/>
+        <p:cNvPr id="1" name="Shape 90"/>
         <p:cNvGrpSpPr/>
         <p:nvPr/>
       </p:nvGrpSpPr>
@@ -8222,7 +8703,9 @@
       <p:sp>
         <p:nvSpPr>
           <p:cNvPr id="91" name="Google Shape;91;p17"/>
-          <p:cNvSpPr txBox="1"/>
+          <p:cNvSpPr txBox="1">
+            <a:spLocks noGrp="1"/>
+          </p:cNvSpPr>
           <p:nvPr>
             <p:ph type="title"/>
           </p:nvPr>
@@ -8237,12 +8720,12 @@
           </a:prstGeom>
         </p:spPr>
         <p:txBody>
-          <a:bodyPr anchorCtr="0" anchor="t" bIns="91425" lIns="91425" spcFirstLastPara="1" rIns="91425" wrap="square" tIns="91425">
+          <a:bodyPr spcFirstLastPara="1" wrap="square" lIns="91425" tIns="91425" rIns="91425" bIns="91425" anchor="t" anchorCtr="0">
             <a:noAutofit/>
           </a:bodyPr>
           <a:lstStyle/>
           <a:p>
-            <a:pPr indent="0" lvl="0" marL="0" rtl="0" algn="l">
+            <a:pPr marL="0" lvl="0" indent="0" algn="l" rtl="0">
               <a:spcBef>
                 <a:spcPts val="0"/>
               </a:spcBef>
@@ -8262,9 +8745,11 @@
       <p:sp>
         <p:nvSpPr>
           <p:cNvPr id="92" name="Google Shape;92;p17"/>
-          <p:cNvSpPr txBox="1"/>
+          <p:cNvSpPr txBox="1">
+            <a:spLocks noGrp="1"/>
+          </p:cNvSpPr>
           <p:nvPr>
-            <p:ph idx="1" type="body"/>
+            <p:ph type="body" idx="1"/>
           </p:nvPr>
         </p:nvSpPr>
         <p:spPr>
@@ -8277,12 +8762,12 @@
           </a:prstGeom>
         </p:spPr>
         <p:txBody>
-          <a:bodyPr anchorCtr="0" anchor="t" bIns="91425" lIns="91425" spcFirstLastPara="1" rIns="91425" wrap="square" tIns="91425">
+          <a:bodyPr spcFirstLastPara="1" wrap="square" lIns="91425" tIns="91425" rIns="91425" bIns="91425" anchor="t" anchorCtr="0">
             <a:noAutofit/>
           </a:bodyPr>
           <a:lstStyle/>
           <a:p>
-            <a:pPr indent="-381000" lvl="0" marL="457200" rtl="0" algn="l">
+            <a:pPr marL="457200" lvl="0" indent="-381000" algn="l" rtl="0">
               <a:spcBef>
                 <a:spcPts val="0"/>
               </a:spcBef>
@@ -8299,7 +8784,7 @@
             <a:endParaRPr sz="2400"/>
           </a:p>
           <a:p>
-            <a:pPr indent="-381000" lvl="0" marL="457200" rtl="0" algn="l">
+            <a:pPr marL="457200" lvl="0" indent="-381000" algn="l" rtl="0">
               <a:spcBef>
                 <a:spcPts val="0"/>
               </a:spcBef>
@@ -8337,12 +8822,12 @@
           </a:ln>
         </p:spPr>
         <p:txBody>
-          <a:bodyPr anchorCtr="0" anchor="t" bIns="91425" lIns="91425" spcFirstLastPara="1" rIns="91425" wrap="square" tIns="91425">
+          <a:bodyPr spcFirstLastPara="1" wrap="square" lIns="91425" tIns="91425" rIns="91425" bIns="91425" anchor="t" anchorCtr="0">
             <a:noAutofit/>
           </a:bodyPr>
           <a:lstStyle/>
           <a:p>
-            <a:pPr indent="-317500" lvl="0" marL="457200" rtl="0" algn="l">
+            <a:pPr marL="457200" lvl="0" indent="-317500" algn="l" rtl="0">
               <a:spcBef>
                 <a:spcPts val="0"/>
               </a:spcBef>
@@ -8379,7 +8864,7 @@
             </a:endParaRPr>
           </a:p>
           <a:p>
-            <a:pPr indent="0" lvl="0" marL="457200" rtl="0" algn="l">
+            <a:pPr marL="457200" lvl="0" indent="0" algn="l" rtl="0">
               <a:spcBef>
                 <a:spcPts val="0"/>
               </a:spcBef>
@@ -8388,9 +8873,6 @@
               </a:spcAft>
               <a:buNone/>
             </a:pPr>
-            <a:r>
-              <a:t/>
-            </a:r>
             <a:endParaRPr>
               <a:solidFill>
                 <a:schemeClr val="accent3"/>
@@ -8402,7 +8884,7 @@
             </a:endParaRPr>
           </a:p>
           <a:p>
-            <a:pPr indent="-317500" lvl="0" marL="457200" rtl="0" algn="l">
+            <a:pPr marL="457200" lvl="0" indent="-317500" algn="l" rtl="0">
               <a:spcBef>
                 <a:spcPts val="0"/>
               </a:spcBef>
@@ -8439,7 +8921,7 @@
             </a:endParaRPr>
           </a:p>
           <a:p>
-            <a:pPr indent="0" lvl="0" marL="914400" rtl="0" algn="l">
+            <a:pPr marL="914400" lvl="0" indent="0" algn="l" rtl="0">
               <a:spcBef>
                 <a:spcPts val="0"/>
               </a:spcBef>
@@ -8448,9 +8930,6 @@
               </a:spcAft>
               <a:buNone/>
             </a:pPr>
-            <a:r>
-              <a:t/>
-            </a:r>
             <a:endParaRPr>
               <a:solidFill>
                 <a:schemeClr val="accent3"/>
@@ -8462,7 +8941,7 @@
             </a:endParaRPr>
           </a:p>
           <a:p>
-            <a:pPr indent="-317500" lvl="0" marL="457200" rtl="0" algn="l">
+            <a:pPr marL="457200" lvl="0" indent="-317500" algn="l" rtl="0">
               <a:spcBef>
                 <a:spcPts val="0"/>
               </a:spcBef>
@@ -8509,11 +8988,11 @@
 </file>
 
 <file path=ppt/slides/slide6.xml><?xml version="1.0" encoding="utf-8"?>
-<p:sld xmlns:a="http://schemas.openxmlformats.org/drawingml/2006/main" xmlns:r="http://schemas.openxmlformats.org/officeDocument/2006/relationships" xmlns:mc="http://schemas.openxmlformats.org/markup-compatibility/2006" xmlns:mv="urn:schemas-microsoft-com:mac:vml" xmlns:p="http://schemas.openxmlformats.org/presentationml/2006/main" xmlns:c="http://schemas.openxmlformats.org/drawingml/2006/chart" xmlns:dgm="http://schemas.openxmlformats.org/drawingml/2006/diagram" xmlns:o="urn:schemas-microsoft-com:office:office" xmlns:v="urn:schemas-microsoft-com:vml" xmlns:pvml="urn:schemas-microsoft-com:office:powerpoint" xmlns:com="http://schemas.openxmlformats.org/drawingml/2006/compatibility" xmlns:p14="http://schemas.microsoft.com/office/powerpoint/2010/main" xmlns:p15="http://schemas.microsoft.com/office/powerpoint/2012/main">
+<p:sld xmlns:a="http://schemas.openxmlformats.org/drawingml/2006/main" xmlns:r="http://schemas.openxmlformats.org/officeDocument/2006/relationships" xmlns:p="http://schemas.openxmlformats.org/presentationml/2006/main">
   <p:cSld>
     <p:spTree>
       <p:nvGrpSpPr>
-        <p:cNvPr id="97" name="Shape 97"/>
+        <p:cNvPr id="1" name="Shape 97"/>
         <p:cNvGrpSpPr/>
         <p:nvPr/>
       </p:nvGrpSpPr>
@@ -8528,7 +9007,9 @@
       <p:sp>
         <p:nvSpPr>
           <p:cNvPr id="98" name="Google Shape;98;p18"/>
-          <p:cNvSpPr txBox="1"/>
+          <p:cNvSpPr txBox="1">
+            <a:spLocks noGrp="1"/>
+          </p:cNvSpPr>
           <p:nvPr>
             <p:ph type="title"/>
           </p:nvPr>
@@ -8543,12 +9024,12 @@
           </a:prstGeom>
         </p:spPr>
         <p:txBody>
-          <a:bodyPr anchorCtr="0" anchor="t" bIns="91425" lIns="91425" spcFirstLastPara="1" rIns="91425" wrap="square" tIns="91425">
+          <a:bodyPr spcFirstLastPara="1" wrap="square" lIns="91425" tIns="91425" rIns="91425" bIns="91425" anchor="t" anchorCtr="0">
             <a:noAutofit/>
           </a:bodyPr>
           <a:lstStyle/>
           <a:p>
-            <a:pPr indent="0" lvl="0" marL="0" rtl="0" algn="l">
+            <a:pPr marL="0" lvl="0" indent="0" algn="l" rtl="0">
               <a:spcBef>
                 <a:spcPts val="0"/>
               </a:spcBef>
@@ -8602,11 +9083,11 @@
 </file>
 
 <file path=ppt/slides/slide7.xml><?xml version="1.0" encoding="utf-8"?>
-<p:sld xmlns:a="http://schemas.openxmlformats.org/drawingml/2006/main" xmlns:r="http://schemas.openxmlformats.org/officeDocument/2006/relationships" xmlns:mc="http://schemas.openxmlformats.org/markup-compatibility/2006" xmlns:mv="urn:schemas-microsoft-com:mac:vml" xmlns:p="http://schemas.openxmlformats.org/presentationml/2006/main" xmlns:c="http://schemas.openxmlformats.org/drawingml/2006/chart" xmlns:dgm="http://schemas.openxmlformats.org/drawingml/2006/diagram" xmlns:o="urn:schemas-microsoft-com:office:office" xmlns:v="urn:schemas-microsoft-com:vml" xmlns:pvml="urn:schemas-microsoft-com:office:powerpoint" xmlns:com="http://schemas.openxmlformats.org/drawingml/2006/compatibility" xmlns:p14="http://schemas.microsoft.com/office/powerpoint/2010/main" xmlns:p15="http://schemas.microsoft.com/office/powerpoint/2012/main">
+<p:sld xmlns:a="http://schemas.openxmlformats.org/drawingml/2006/main" xmlns:r="http://schemas.openxmlformats.org/officeDocument/2006/relationships" xmlns:p="http://schemas.openxmlformats.org/presentationml/2006/main">
   <p:cSld>
     <p:spTree>
       <p:nvGrpSpPr>
-        <p:cNvPr id="103" name="Shape 103"/>
+        <p:cNvPr id="1" name="Shape 103"/>
         <p:cNvGrpSpPr/>
         <p:nvPr/>
       </p:nvGrpSpPr>
@@ -8621,7 +9102,9 @@
       <p:sp>
         <p:nvSpPr>
           <p:cNvPr id="104" name="Google Shape;104;p19"/>
-          <p:cNvSpPr txBox="1"/>
+          <p:cNvSpPr txBox="1">
+            <a:spLocks noGrp="1"/>
+          </p:cNvSpPr>
           <p:nvPr>
             <p:ph type="title"/>
           </p:nvPr>
@@ -8636,12 +9119,12 @@
           </a:prstGeom>
         </p:spPr>
         <p:txBody>
-          <a:bodyPr anchorCtr="0" anchor="t" bIns="91425" lIns="91425" spcFirstLastPara="1" rIns="91425" wrap="square" tIns="91425">
+          <a:bodyPr spcFirstLastPara="1" wrap="square" lIns="91425" tIns="91425" rIns="91425" bIns="91425" anchor="t" anchorCtr="0">
             <a:noAutofit/>
           </a:bodyPr>
           <a:lstStyle/>
           <a:p>
-            <a:pPr indent="0" lvl="0" marL="0" rtl="0" algn="l">
+            <a:pPr marL="0" lvl="0" indent="0" algn="l" rtl="0">
               <a:spcBef>
                 <a:spcPts val="0"/>
               </a:spcBef>
@@ -8695,11 +9178,11 @@
 </file>
 
 <file path=ppt/slides/slide8.xml><?xml version="1.0" encoding="utf-8"?>
-<p:sld xmlns:a="http://schemas.openxmlformats.org/drawingml/2006/main" xmlns:r="http://schemas.openxmlformats.org/officeDocument/2006/relationships" xmlns:mc="http://schemas.openxmlformats.org/markup-compatibility/2006" xmlns:mv="urn:schemas-microsoft-com:mac:vml" xmlns:p="http://schemas.openxmlformats.org/presentationml/2006/main" xmlns:c="http://schemas.openxmlformats.org/drawingml/2006/chart" xmlns:dgm="http://schemas.openxmlformats.org/drawingml/2006/diagram" xmlns:o="urn:schemas-microsoft-com:office:office" xmlns:v="urn:schemas-microsoft-com:vml" xmlns:pvml="urn:schemas-microsoft-com:office:powerpoint" xmlns:com="http://schemas.openxmlformats.org/drawingml/2006/compatibility" xmlns:p14="http://schemas.microsoft.com/office/powerpoint/2010/main" xmlns:p15="http://schemas.microsoft.com/office/powerpoint/2012/main">
+<p:sld xmlns:a="http://schemas.openxmlformats.org/drawingml/2006/main" xmlns:r="http://schemas.openxmlformats.org/officeDocument/2006/relationships" xmlns:p="http://schemas.openxmlformats.org/presentationml/2006/main">
   <p:cSld>
     <p:spTree>
       <p:nvGrpSpPr>
-        <p:cNvPr id="109" name="Shape 109"/>
+        <p:cNvPr id="1" name="Shape 109"/>
         <p:cNvGrpSpPr/>
         <p:nvPr/>
       </p:nvGrpSpPr>
@@ -8714,7 +9197,9 @@
       <p:sp>
         <p:nvSpPr>
           <p:cNvPr id="110" name="Google Shape;110;p20"/>
-          <p:cNvSpPr txBox="1"/>
+          <p:cNvSpPr txBox="1">
+            <a:spLocks noGrp="1"/>
+          </p:cNvSpPr>
           <p:nvPr>
             <p:ph type="title"/>
           </p:nvPr>
@@ -8729,12 +9214,12 @@
           </a:prstGeom>
         </p:spPr>
         <p:txBody>
-          <a:bodyPr anchorCtr="0" anchor="t" bIns="91425" lIns="91425" spcFirstLastPara="1" rIns="91425" wrap="square" tIns="91425">
+          <a:bodyPr spcFirstLastPara="1" wrap="square" lIns="91425" tIns="91425" rIns="91425" bIns="91425" anchor="t" anchorCtr="0">
             <a:noAutofit/>
           </a:bodyPr>
           <a:lstStyle/>
           <a:p>
-            <a:pPr indent="0" lvl="0" marL="0" rtl="0" algn="l">
+            <a:pPr marL="0" lvl="0" indent="0" algn="l" rtl="0">
               <a:spcBef>
                 <a:spcPts val="0"/>
               </a:spcBef>
@@ -8788,11 +9273,11 @@
 </file>
 
 <file path=ppt/slides/slide9.xml><?xml version="1.0" encoding="utf-8"?>
-<p:sld xmlns:a="http://schemas.openxmlformats.org/drawingml/2006/main" xmlns:r="http://schemas.openxmlformats.org/officeDocument/2006/relationships" xmlns:mc="http://schemas.openxmlformats.org/markup-compatibility/2006" xmlns:mv="urn:schemas-microsoft-com:mac:vml" xmlns:p="http://schemas.openxmlformats.org/presentationml/2006/main" xmlns:c="http://schemas.openxmlformats.org/drawingml/2006/chart" xmlns:dgm="http://schemas.openxmlformats.org/drawingml/2006/diagram" xmlns:o="urn:schemas-microsoft-com:office:office" xmlns:v="urn:schemas-microsoft-com:vml" xmlns:pvml="urn:schemas-microsoft-com:office:powerpoint" xmlns:com="http://schemas.openxmlformats.org/drawingml/2006/compatibility" xmlns:p14="http://schemas.microsoft.com/office/powerpoint/2010/main" xmlns:p15="http://schemas.microsoft.com/office/powerpoint/2012/main">
+<p:sld xmlns:a="http://schemas.openxmlformats.org/drawingml/2006/main" xmlns:r="http://schemas.openxmlformats.org/officeDocument/2006/relationships" xmlns:p="http://schemas.openxmlformats.org/presentationml/2006/main">
   <p:cSld>
     <p:spTree>
       <p:nvGrpSpPr>
-        <p:cNvPr id="115" name="Shape 115"/>
+        <p:cNvPr id="1" name="Shape 115"/>
         <p:cNvGrpSpPr/>
         <p:nvPr/>
       </p:nvGrpSpPr>
@@ -8807,7 +9292,9 @@
       <p:sp>
         <p:nvSpPr>
           <p:cNvPr id="116" name="Google Shape;116;p21"/>
-          <p:cNvSpPr txBox="1"/>
+          <p:cNvSpPr txBox="1">
+            <a:spLocks noGrp="1"/>
+          </p:cNvSpPr>
           <p:nvPr>
             <p:ph type="title"/>
           </p:nvPr>
@@ -8822,12 +9309,12 @@
           </a:prstGeom>
         </p:spPr>
         <p:txBody>
-          <a:bodyPr anchorCtr="0" anchor="t" bIns="91425" lIns="91425" spcFirstLastPara="1" rIns="91425" wrap="square" tIns="91425">
+          <a:bodyPr spcFirstLastPara="1" wrap="square" lIns="91425" tIns="91425" rIns="91425" bIns="91425" anchor="t" anchorCtr="0">
             <a:noAutofit/>
           </a:bodyPr>
           <a:lstStyle/>
           <a:p>
-            <a:pPr indent="0" lvl="0" marL="0" rtl="0" algn="l">
+            <a:pPr marL="0" lvl="0" indent="0" algn="l" rtl="0">
               <a:spcBef>
                 <a:spcPts val="0"/>
               </a:spcBef>
@@ -8881,7 +9368,7 @@
 </file>
 
 <file path=ppt/theme/theme1.xml><?xml version="1.0" encoding="utf-8"?>
-<a:theme xmlns:a="http://schemas.openxmlformats.org/drawingml/2006/main" xmlns:r="http://schemas.openxmlformats.org/officeDocument/2006/relationships" name="Spearmint">
+<a:theme xmlns:a="http://schemas.openxmlformats.org/drawingml/2006/main" name="Spearmint">
   <a:themeElements>
     <a:clrScheme name="Spearmint">
       <a:dk1>
@@ -9156,11 +9643,13 @@
       </a:bgFillStyleLst>
     </a:fmtScheme>
   </a:themeElements>
+  <a:objectDefaults/>
+  <a:extraClrSchemeLst/>
 </a:theme>
 </file>
 
 <file path=ppt/theme/theme2.xml><?xml version="1.0" encoding="utf-8"?>
-<a:theme xmlns:a="http://schemas.openxmlformats.org/drawingml/2006/main" xmlns:r="http://schemas.openxmlformats.org/officeDocument/2006/relationships">
+<a:theme xmlns:a="http://schemas.openxmlformats.org/drawingml/2006/main">
   <a:themeElements>
     <a:clrScheme name="Default">
       <a:dk1>
@@ -9435,5 +9924,7 @@
       </a:bgFillStyleLst>
     </a:fmtScheme>
   </a:themeElements>
+  <a:objectDefaults/>
+  <a:extraClrSchemeLst/>
 </a:theme>
 </file>